--- a/GitPresentation.pptx
+++ b/GitPresentation.pptx
@@ -5,7 +5,7 @@
     <p:sldMasterId id="2147483648" r:id="rId1"/>
   </p:sldMasterIdLst>
   <p:notesMasterIdLst>
-    <p:notesMasterId r:id="rId12"/>
+    <p:notesMasterId r:id="rId13"/>
   </p:notesMasterIdLst>
   <p:sldIdLst>
     <p:sldId id="256" r:id="rId2"/>
@@ -18,6 +18,7 @@
     <p:sldId id="263" r:id="rId9"/>
     <p:sldId id="265" r:id="rId10"/>
     <p:sldId id="266" r:id="rId11"/>
+    <p:sldId id="267" r:id="rId12"/>
   </p:sldIdLst>
   <p:sldSz cx="12192000" cy="6858000"/>
   <p:notesSz cx="6858000" cy="9144000"/>
@@ -131,6 +132,7 @@
             <p14:sldId id="263"/>
             <p14:sldId id="265"/>
             <p14:sldId id="266"/>
+            <p14:sldId id="267"/>
           </p14:sldIdLst>
         </p14:section>
         <p14:section name="Untitled Section" id="{DE0064B8-87C6-45E0-A7D7-91A80B4EE805}">
@@ -13671,7 +13673,7 @@
           <a:p>
             <a:fld id="{ABD394DA-56AE-4D1D-9876-7C8B6A37420B}" type="datetimeFigureOut">
               <a:rPr lang="en-US" smtClean="0"/>
-              <a:t>11/20/2024</a:t>
+              <a:t>11/22/2024</a:t>
             </a:fld>
             <a:endParaRPr lang="en-US"/>
           </a:p>
@@ -14169,7 +14171,7 @@
           <a:p>
             <a:fld id="{1313E132-71B5-4FE0-AADE-089BA2720B0D}" type="datetimeFigureOut">
               <a:rPr lang="en-US" smtClean="0"/>
-              <a:t>11/20/2024</a:t>
+              <a:t>11/22/2024</a:t>
             </a:fld>
             <a:endParaRPr lang="en-US"/>
           </a:p>
@@ -14367,7 +14369,7 @@
           <a:p>
             <a:fld id="{1313E132-71B5-4FE0-AADE-089BA2720B0D}" type="datetimeFigureOut">
               <a:rPr lang="en-US" smtClean="0"/>
-              <a:t>11/20/2024</a:t>
+              <a:t>11/22/2024</a:t>
             </a:fld>
             <a:endParaRPr lang="en-US"/>
           </a:p>
@@ -14575,7 +14577,7 @@
           <a:p>
             <a:fld id="{1313E132-71B5-4FE0-AADE-089BA2720B0D}" type="datetimeFigureOut">
               <a:rPr lang="en-US" smtClean="0"/>
-              <a:t>11/20/2024</a:t>
+              <a:t>11/22/2024</a:t>
             </a:fld>
             <a:endParaRPr lang="en-US"/>
           </a:p>
@@ -14773,7 +14775,7 @@
           <a:p>
             <a:fld id="{1313E132-71B5-4FE0-AADE-089BA2720B0D}" type="datetimeFigureOut">
               <a:rPr lang="en-US" smtClean="0"/>
-              <a:t>11/20/2024</a:t>
+              <a:t>11/22/2024</a:t>
             </a:fld>
             <a:endParaRPr lang="en-US"/>
           </a:p>
@@ -15048,7 +15050,7 @@
           <a:p>
             <a:fld id="{1313E132-71B5-4FE0-AADE-089BA2720B0D}" type="datetimeFigureOut">
               <a:rPr lang="en-US" smtClean="0"/>
-              <a:t>11/20/2024</a:t>
+              <a:t>11/22/2024</a:t>
             </a:fld>
             <a:endParaRPr lang="en-US"/>
           </a:p>
@@ -15313,7 +15315,7 @@
           <a:p>
             <a:fld id="{1313E132-71B5-4FE0-AADE-089BA2720B0D}" type="datetimeFigureOut">
               <a:rPr lang="en-US" smtClean="0"/>
-              <a:t>11/20/2024</a:t>
+              <a:t>11/22/2024</a:t>
             </a:fld>
             <a:endParaRPr lang="en-US"/>
           </a:p>
@@ -15725,7 +15727,7 @@
           <a:p>
             <a:fld id="{1313E132-71B5-4FE0-AADE-089BA2720B0D}" type="datetimeFigureOut">
               <a:rPr lang="en-US" smtClean="0"/>
-              <a:t>11/20/2024</a:t>
+              <a:t>11/22/2024</a:t>
             </a:fld>
             <a:endParaRPr lang="en-US"/>
           </a:p>
@@ -15866,7 +15868,7 @@
           <a:p>
             <a:fld id="{1313E132-71B5-4FE0-AADE-089BA2720B0D}" type="datetimeFigureOut">
               <a:rPr lang="en-US" smtClean="0"/>
-              <a:t>11/20/2024</a:t>
+              <a:t>11/22/2024</a:t>
             </a:fld>
             <a:endParaRPr lang="en-US"/>
           </a:p>
@@ -15979,7 +15981,7 @@
           <a:p>
             <a:fld id="{1313E132-71B5-4FE0-AADE-089BA2720B0D}" type="datetimeFigureOut">
               <a:rPr lang="en-US" smtClean="0"/>
-              <a:t>11/20/2024</a:t>
+              <a:t>11/22/2024</a:t>
             </a:fld>
             <a:endParaRPr lang="en-US"/>
           </a:p>
@@ -16290,7 +16292,7 @@
           <a:p>
             <a:fld id="{1313E132-71B5-4FE0-AADE-089BA2720B0D}" type="datetimeFigureOut">
               <a:rPr lang="en-US" smtClean="0"/>
-              <a:t>11/20/2024</a:t>
+              <a:t>11/22/2024</a:t>
             </a:fld>
             <a:endParaRPr lang="en-US"/>
           </a:p>
@@ -16578,7 +16580,7 @@
           <a:p>
             <a:fld id="{1313E132-71B5-4FE0-AADE-089BA2720B0D}" type="datetimeFigureOut">
               <a:rPr lang="en-US" smtClean="0"/>
-              <a:t>11/20/2024</a:t>
+              <a:t>11/22/2024</a:t>
             </a:fld>
             <a:endParaRPr lang="en-US"/>
           </a:p>
@@ -16819,7 +16821,7 @@
           <a:p>
             <a:fld id="{1313E132-71B5-4FE0-AADE-089BA2720B0D}" type="datetimeFigureOut">
               <a:rPr lang="en-US" smtClean="0"/>
-              <a:t>11/20/2024</a:t>
+              <a:t>11/22/2024</a:t>
             </a:fld>
             <a:endParaRPr lang="en-US"/>
           </a:p>
@@ -17456,7 +17458,13 @@
             <p:ph type="title"/>
           </p:nvPr>
         </p:nvSpPr>
-        <p:spPr/>
+        <p:spPr>
+          <a:solidFill>
+            <a:schemeClr val="bg1">
+              <a:lumMod val="85000"/>
+            </a:schemeClr>
+          </a:solidFill>
+        </p:spPr>
         <p:txBody>
           <a:bodyPr/>
           <a:lstStyle/>
@@ -17506,6 +17514,135 @@
     <p:extLst>
       <p:ext uri="{BB962C8B-B14F-4D97-AF65-F5344CB8AC3E}">
         <p14:creationId xmlns:p14="http://schemas.microsoft.com/office/powerpoint/2010/main" val="171364255"/>
+      </p:ext>
+    </p:extLst>
+  </p:cSld>
+  <p:clrMapOvr>
+    <a:masterClrMapping/>
+  </p:clrMapOvr>
+</p:sld>
+</file>
+
+<file path=ppt/slides/slide11.xml><?xml version="1.0" encoding="utf-8"?>
+<p:sld xmlns:a="http://schemas.openxmlformats.org/drawingml/2006/main" xmlns:r="http://schemas.openxmlformats.org/officeDocument/2006/relationships" xmlns:p="http://schemas.openxmlformats.org/presentationml/2006/main">
+  <p:cSld>
+    <p:spTree>
+      <p:nvGrpSpPr>
+        <p:cNvPr id="1" name=""/>
+        <p:cNvGrpSpPr/>
+        <p:nvPr/>
+      </p:nvGrpSpPr>
+      <p:grpSpPr>
+        <a:xfrm>
+          <a:off x="0" y="0"/>
+          <a:ext cx="0" cy="0"/>
+          <a:chOff x="0" y="0"/>
+          <a:chExt cx="0" cy="0"/>
+        </a:xfrm>
+      </p:grpSpPr>
+      <p:sp>
+        <p:nvSpPr>
+          <p:cNvPr id="2" name="Title 1">
+            <a:extLst>
+              <a:ext uri="{FF2B5EF4-FFF2-40B4-BE49-F238E27FC236}">
+                <a16:creationId xmlns:a16="http://schemas.microsoft.com/office/drawing/2014/main" id="{FE7672CA-F9E7-D76D-75C6-6E51B87E3DF7}"/>
+              </a:ext>
+            </a:extLst>
+          </p:cNvPr>
+          <p:cNvSpPr>
+            <a:spLocks noGrp="1"/>
+          </p:cNvSpPr>
+          <p:nvPr>
+            <p:ph type="title"/>
+          </p:nvPr>
+        </p:nvSpPr>
+        <p:spPr>
+          <a:solidFill>
+            <a:schemeClr val="accent2">
+              <a:lumMod val="60000"/>
+              <a:lumOff val="40000"/>
+            </a:schemeClr>
+          </a:solidFill>
+        </p:spPr>
+        <p:txBody>
+          <a:bodyPr/>
+          <a:lstStyle/>
+          <a:p>
+            <a:pPr algn="ctr"/>
+            <a:r>
+              <a:rPr lang="en-US" dirty="0"/>
+              <a:t>Git Pull</a:t>
+            </a:r>
+          </a:p>
+        </p:txBody>
+      </p:sp>
+      <p:sp>
+        <p:nvSpPr>
+          <p:cNvPr id="3" name="Content Placeholder 2">
+            <a:extLst>
+              <a:ext uri="{FF2B5EF4-FFF2-40B4-BE49-F238E27FC236}">
+                <a16:creationId xmlns:a16="http://schemas.microsoft.com/office/drawing/2014/main" id="{D2629279-2F3F-4BB4-465E-72F203BA24DE}"/>
+              </a:ext>
+            </a:extLst>
+          </p:cNvPr>
+          <p:cNvSpPr>
+            <a:spLocks noGrp="1"/>
+          </p:cNvSpPr>
+          <p:nvPr>
+            <p:ph sz="half" idx="1"/>
+          </p:nvPr>
+        </p:nvSpPr>
+        <p:spPr>
+          <a:xfrm>
+            <a:off x="838199" y="1825625"/>
+            <a:ext cx="10515599" cy="4351338"/>
+          </a:xfrm>
+          <a:solidFill>
+            <a:schemeClr val="accent3">
+              <a:lumMod val="20000"/>
+              <a:lumOff val="80000"/>
+            </a:schemeClr>
+          </a:solidFill>
+        </p:spPr>
+        <p:txBody>
+          <a:bodyPr anchor="ctr"/>
+          <a:lstStyle/>
+          <a:p>
+            <a:r>
+              <a:rPr lang="en-US" dirty="0"/>
+              <a:t>Copies files from the server to your workspace.</a:t>
+            </a:r>
+          </a:p>
+          <a:p>
+            <a:r>
+              <a:rPr lang="en-US" dirty="0"/>
+              <a:t>Keeps your repository up to date with changes</a:t>
+            </a:r>
+          </a:p>
+          <a:p>
+            <a:r>
+              <a:rPr lang="en-US" dirty="0"/>
+              <a:t>Performs 2 steps: (git fetch) (git merge)</a:t>
+            </a:r>
+          </a:p>
+          <a:p>
+            <a:r>
+              <a:rPr lang="en-US" dirty="0"/>
+              <a:t>Git fetch – downloads changes (without adding them to file system)</a:t>
+            </a:r>
+          </a:p>
+          <a:p>
+            <a:r>
+              <a:rPr lang="en-US" dirty="0"/>
+              <a:t>Git merge – merges those files onto your file system.</a:t>
+            </a:r>
+          </a:p>
+        </p:txBody>
+      </p:sp>
+    </p:spTree>
+    <p:extLst>
+      <p:ext uri="{BB962C8B-B14F-4D97-AF65-F5344CB8AC3E}">
+        <p14:creationId xmlns:p14="http://schemas.microsoft.com/office/powerpoint/2010/main" val="9972245"/>
       </p:ext>
     </p:extLst>
   </p:cSld>

--- a/GitPresentation.pptx
+++ b/GitPresentation.pptx
@@ -5,20 +5,24 @@
     <p:sldMasterId id="2147483648" r:id="rId1"/>
   </p:sldMasterIdLst>
   <p:notesMasterIdLst>
-    <p:notesMasterId r:id="rId13"/>
+    <p:notesMasterId r:id="rId17"/>
   </p:notesMasterIdLst>
   <p:sldIdLst>
-    <p:sldId id="256" r:id="rId2"/>
-    <p:sldId id="260" r:id="rId3"/>
-    <p:sldId id="257" r:id="rId4"/>
-    <p:sldId id="258" r:id="rId5"/>
-    <p:sldId id="261" r:id="rId6"/>
-    <p:sldId id="264" r:id="rId7"/>
-    <p:sldId id="262" r:id="rId8"/>
-    <p:sldId id="263" r:id="rId9"/>
-    <p:sldId id="265" r:id="rId10"/>
-    <p:sldId id="266" r:id="rId11"/>
-    <p:sldId id="267" r:id="rId12"/>
+    <p:sldId id="268" r:id="rId2"/>
+    <p:sldId id="269" r:id="rId3"/>
+    <p:sldId id="270" r:id="rId4"/>
+    <p:sldId id="256" r:id="rId5"/>
+    <p:sldId id="260" r:id="rId6"/>
+    <p:sldId id="257" r:id="rId7"/>
+    <p:sldId id="258" r:id="rId8"/>
+    <p:sldId id="261" r:id="rId9"/>
+    <p:sldId id="264" r:id="rId10"/>
+    <p:sldId id="262" r:id="rId11"/>
+    <p:sldId id="263" r:id="rId12"/>
+    <p:sldId id="265" r:id="rId13"/>
+    <p:sldId id="266" r:id="rId14"/>
+    <p:sldId id="267" r:id="rId15"/>
+    <p:sldId id="271" r:id="rId16"/>
   </p:sldIdLst>
   <p:sldSz cx="12192000" cy="6858000"/>
   <p:notesSz cx="6858000" cy="9144000"/>
@@ -122,6 +126,9 @@
       <p14:sectionLst xmlns:p14="http://schemas.microsoft.com/office/powerpoint/2010/main">
         <p14:section name="Default Section" id="{5A07D894-B1E5-478F-BA7E-6A81AF237C38}">
           <p14:sldIdLst>
+            <p14:sldId id="268"/>
+            <p14:sldId id="269"/>
+            <p14:sldId id="270"/>
             <p14:sldId id="256"/>
             <p14:sldId id="260"/>
             <p14:sldId id="257"/>
@@ -133,6 +140,7 @@
             <p14:sldId id="265"/>
             <p14:sldId id="266"/>
             <p14:sldId id="267"/>
+            <p14:sldId id="271"/>
           </p14:sldIdLst>
         </p14:section>
         <p14:section name="Untitled Section" id="{DE0064B8-87C6-45E0-A7D7-91A80B4EE805}">
@@ -3129,6 +3137,935 @@
     <dgm:txLinClrLst/>
     <dgm:txFillClrLst meth="repeat">
       <a:schemeClr val="tx1"/>
+    </dgm:txFillClrLst>
+    <dgm:txEffectClrLst/>
+  </dgm:styleLbl>
+</dgm:colorsDef>
+</file>
+
+<file path=ppt/diagrams/colors5.xml><?xml version="1.0" encoding="utf-8"?>
+<dgm:colorsDef xmlns:dgm="http://schemas.openxmlformats.org/drawingml/2006/diagram" xmlns:a="http://schemas.openxmlformats.org/drawingml/2006/main" uniqueId="urn:microsoft.com/office/officeart/2018/5/colors/Iconchunking_coloredtext_colorful1">
+  <dgm:title val=""/>
+  <dgm:desc val=""/>
+  <dgm:catLst>
+    <dgm:cat type="colorful" pri="10100"/>
+  </dgm:catLst>
+  <dgm:styleLbl name="node0">
+    <dgm:fillClrLst meth="repeat">
+      <a:schemeClr val="accent1"/>
+    </dgm:fillClrLst>
+    <dgm:linClrLst meth="repeat">
+      <a:schemeClr val="lt1"/>
+    </dgm:linClrLst>
+    <dgm:effectClrLst/>
+    <dgm:txLinClrLst/>
+    <dgm:txFillClrLst/>
+    <dgm:txEffectClrLst/>
+  </dgm:styleLbl>
+  <dgm:styleLbl name="node1">
+    <dgm:fillClrLst meth="repeat">
+      <a:schemeClr val="bg1"/>
+    </dgm:fillClrLst>
+    <dgm:linClrLst meth="repeat">
+      <a:schemeClr val="lt1">
+        <a:alpha val="0"/>
+      </a:schemeClr>
+    </dgm:linClrLst>
+    <dgm:effectClrLst/>
+    <dgm:txLinClrLst/>
+    <dgm:txFillClrLst meth="repeat">
+      <a:schemeClr val="dk1"/>
+    </dgm:txFillClrLst>
+    <dgm:txEffectClrLst/>
+  </dgm:styleLbl>
+  <dgm:styleLbl name="alignNode1">
+    <dgm:fillClrLst meth="repeat">
+      <a:schemeClr val="accent2"/>
+      <a:schemeClr val="accent3"/>
+      <a:schemeClr val="accent4"/>
+      <a:schemeClr val="accent5"/>
+      <a:schemeClr val="accent6"/>
+    </dgm:fillClrLst>
+    <dgm:linClrLst meth="repeat">
+      <a:schemeClr val="accent2"/>
+      <a:schemeClr val="accent3"/>
+      <a:schemeClr val="accent4"/>
+      <a:schemeClr val="accent5"/>
+      <a:schemeClr val="accent6"/>
+    </dgm:linClrLst>
+    <dgm:effectClrLst/>
+    <dgm:txLinClrLst/>
+    <dgm:txFillClrLst/>
+    <dgm:txEffectClrLst/>
+  </dgm:styleLbl>
+  <dgm:styleLbl name="lnNode1">
+    <dgm:fillClrLst meth="repeat">
+      <a:schemeClr val="accent2"/>
+      <a:schemeClr val="accent3"/>
+      <a:schemeClr val="accent4"/>
+      <a:schemeClr val="accent5"/>
+      <a:schemeClr val="accent6"/>
+    </dgm:fillClrLst>
+    <dgm:linClrLst meth="repeat">
+      <a:schemeClr val="lt1"/>
+    </dgm:linClrLst>
+    <dgm:effectClrLst/>
+    <dgm:txLinClrLst/>
+    <dgm:txFillClrLst/>
+    <dgm:txEffectClrLst/>
+  </dgm:styleLbl>
+  <dgm:styleLbl name="vennNode1">
+    <dgm:fillClrLst meth="repeat">
+      <a:schemeClr val="accent2">
+        <a:alpha val="50000"/>
+      </a:schemeClr>
+      <a:schemeClr val="accent3">
+        <a:alpha val="50000"/>
+      </a:schemeClr>
+      <a:schemeClr val="accent4">
+        <a:alpha val="50000"/>
+      </a:schemeClr>
+      <a:schemeClr val="accent5">
+        <a:alpha val="50000"/>
+      </a:schemeClr>
+      <a:schemeClr val="accent6">
+        <a:alpha val="50000"/>
+      </a:schemeClr>
+    </dgm:fillClrLst>
+    <dgm:linClrLst meth="repeat">
+      <a:schemeClr val="lt1"/>
+    </dgm:linClrLst>
+    <dgm:effectClrLst/>
+    <dgm:txLinClrLst/>
+    <dgm:txFillClrLst/>
+    <dgm:txEffectClrLst/>
+  </dgm:styleLbl>
+  <dgm:styleLbl name="node2">
+    <dgm:fillClrLst>
+      <a:schemeClr val="accent2"/>
+    </dgm:fillClrLst>
+    <dgm:linClrLst meth="repeat">
+      <a:schemeClr val="lt1"/>
+    </dgm:linClrLst>
+    <dgm:effectClrLst/>
+    <dgm:txLinClrLst/>
+    <dgm:txFillClrLst/>
+    <dgm:txEffectClrLst/>
+  </dgm:styleLbl>
+  <dgm:styleLbl name="node3">
+    <dgm:fillClrLst>
+      <a:schemeClr val="accent3"/>
+    </dgm:fillClrLst>
+    <dgm:linClrLst meth="repeat">
+      <a:schemeClr val="lt1"/>
+    </dgm:linClrLst>
+    <dgm:effectClrLst/>
+    <dgm:txLinClrLst/>
+    <dgm:txFillClrLst/>
+    <dgm:txEffectClrLst/>
+  </dgm:styleLbl>
+  <dgm:styleLbl name="node4">
+    <dgm:fillClrLst>
+      <a:schemeClr val="accent4"/>
+    </dgm:fillClrLst>
+    <dgm:linClrLst meth="repeat">
+      <a:schemeClr val="lt1"/>
+    </dgm:linClrLst>
+    <dgm:effectClrLst/>
+    <dgm:txLinClrLst/>
+    <dgm:txFillClrLst/>
+    <dgm:txEffectClrLst/>
+  </dgm:styleLbl>
+  <dgm:styleLbl name="fgImgPlace1">
+    <dgm:fillClrLst meth="repeat">
+      <a:schemeClr val="accent2">
+        <a:tint val="50000"/>
+      </a:schemeClr>
+      <a:schemeClr val="accent3">
+        <a:tint val="50000"/>
+      </a:schemeClr>
+      <a:schemeClr val="accent4">
+        <a:tint val="50000"/>
+      </a:schemeClr>
+      <a:schemeClr val="accent5">
+        <a:tint val="50000"/>
+      </a:schemeClr>
+      <a:schemeClr val="accent6">
+        <a:tint val="50000"/>
+      </a:schemeClr>
+    </dgm:fillClrLst>
+    <dgm:linClrLst meth="repeat">
+      <a:schemeClr val="lt1"/>
+    </dgm:linClrLst>
+    <dgm:effectClrLst/>
+    <dgm:txLinClrLst/>
+    <dgm:txFillClrLst meth="repeat">
+      <a:schemeClr val="lt1"/>
+    </dgm:txFillClrLst>
+    <dgm:txEffectClrLst/>
+  </dgm:styleLbl>
+  <dgm:styleLbl name="alignImgPlace1">
+    <dgm:fillClrLst>
+      <a:schemeClr val="accent1">
+        <a:tint val="50000"/>
+      </a:schemeClr>
+      <a:schemeClr val="accent2">
+        <a:tint val="20000"/>
+      </a:schemeClr>
+    </dgm:fillClrLst>
+    <dgm:linClrLst meth="repeat">
+      <a:schemeClr val="lt1"/>
+    </dgm:linClrLst>
+    <dgm:effectClrLst/>
+    <dgm:txLinClrLst/>
+    <dgm:txFillClrLst meth="repeat">
+      <a:schemeClr val="lt1"/>
+    </dgm:txFillClrLst>
+    <dgm:txEffectClrLst/>
+  </dgm:styleLbl>
+  <dgm:styleLbl name="bgImgPlace1">
+    <dgm:fillClrLst>
+      <a:schemeClr val="accent1">
+        <a:tint val="50000"/>
+      </a:schemeClr>
+      <a:schemeClr val="accent2">
+        <a:tint val="20000"/>
+      </a:schemeClr>
+    </dgm:fillClrLst>
+    <dgm:linClrLst meth="repeat">
+      <a:schemeClr val="lt1"/>
+    </dgm:linClrLst>
+    <dgm:effectClrLst/>
+    <dgm:txLinClrLst/>
+    <dgm:txFillClrLst meth="repeat">
+      <a:schemeClr val="lt1"/>
+    </dgm:txFillClrLst>
+    <dgm:txEffectClrLst/>
+  </dgm:styleLbl>
+  <dgm:styleLbl name="sibTrans2D1">
+    <dgm:fillClrLst meth="repeat">
+      <a:schemeClr val="accent2"/>
+      <a:schemeClr val="accent3"/>
+      <a:schemeClr val="accent4"/>
+      <a:schemeClr val="accent5"/>
+      <a:schemeClr val="accent6"/>
+    </dgm:fillClrLst>
+    <dgm:linClrLst meth="cycle">
+      <a:schemeClr val="lt1"/>
+    </dgm:linClrLst>
+    <dgm:effectClrLst/>
+    <dgm:txLinClrLst/>
+    <dgm:txFillClrLst/>
+    <dgm:txEffectClrLst/>
+  </dgm:styleLbl>
+  <dgm:styleLbl name="fgSibTrans2D1">
+    <dgm:fillClrLst meth="repeat">
+      <a:schemeClr val="accent2"/>
+      <a:schemeClr val="accent3"/>
+      <a:schemeClr val="accent4"/>
+      <a:schemeClr val="accent5"/>
+      <a:schemeClr val="accent6"/>
+    </dgm:fillClrLst>
+    <dgm:linClrLst meth="cycle">
+      <a:schemeClr val="lt1"/>
+    </dgm:linClrLst>
+    <dgm:effectClrLst/>
+    <dgm:txLinClrLst/>
+    <dgm:txFillClrLst meth="repeat">
+      <a:schemeClr val="lt1"/>
+    </dgm:txFillClrLst>
+    <dgm:txEffectClrLst/>
+  </dgm:styleLbl>
+  <dgm:styleLbl name="bgSibTrans2D1">
+    <dgm:fillClrLst meth="repeat">
+      <a:schemeClr val="accent2"/>
+      <a:schemeClr val="accent3"/>
+      <a:schemeClr val="accent4"/>
+      <a:schemeClr val="accent5"/>
+      <a:schemeClr val="accent6"/>
+    </dgm:fillClrLst>
+    <dgm:linClrLst meth="cycle">
+      <a:schemeClr val="lt1"/>
+    </dgm:linClrLst>
+    <dgm:effectClrLst/>
+    <dgm:txLinClrLst/>
+    <dgm:txFillClrLst meth="repeat">
+      <a:schemeClr val="lt1"/>
+    </dgm:txFillClrLst>
+    <dgm:txEffectClrLst/>
+  </dgm:styleLbl>
+  <dgm:styleLbl name="sibTrans1D1">
+    <dgm:fillClrLst meth="repeat">
+      <a:schemeClr val="accent2"/>
+      <a:schemeClr val="accent3"/>
+      <a:schemeClr val="accent4"/>
+      <a:schemeClr val="accent5"/>
+      <a:schemeClr val="accent6"/>
+    </dgm:fillClrLst>
+    <dgm:linClrLst meth="repeat">
+      <a:schemeClr val="accent2"/>
+      <a:schemeClr val="accent3"/>
+      <a:schemeClr val="accent4"/>
+      <a:schemeClr val="accent5"/>
+      <a:schemeClr val="accent6"/>
+    </dgm:linClrLst>
+    <dgm:effectClrLst/>
+    <dgm:txLinClrLst/>
+    <dgm:txFillClrLst meth="repeat">
+      <a:schemeClr val="tx1"/>
+    </dgm:txFillClrLst>
+    <dgm:txEffectClrLst/>
+  </dgm:styleLbl>
+  <dgm:styleLbl name="callout">
+    <dgm:fillClrLst meth="repeat">
+      <a:schemeClr val="accent2"/>
+    </dgm:fillClrLst>
+    <dgm:linClrLst meth="repeat">
+      <a:schemeClr val="accent2">
+        <a:tint val="50000"/>
+      </a:schemeClr>
+    </dgm:linClrLst>
+    <dgm:effectClrLst/>
+    <dgm:txLinClrLst/>
+    <dgm:txFillClrLst meth="repeat">
+      <a:schemeClr val="tx1"/>
+    </dgm:txFillClrLst>
+    <dgm:txEffectClrLst/>
+  </dgm:styleLbl>
+  <dgm:styleLbl name="asst0">
+    <dgm:fillClrLst meth="repeat">
+      <a:schemeClr val="accent1"/>
+    </dgm:fillClrLst>
+    <dgm:linClrLst meth="repeat">
+      <a:schemeClr val="lt1"/>
+    </dgm:linClrLst>
+    <dgm:effectClrLst/>
+    <dgm:txLinClrLst/>
+    <dgm:txFillClrLst/>
+    <dgm:txEffectClrLst/>
+  </dgm:styleLbl>
+  <dgm:styleLbl name="asst1">
+    <dgm:fillClrLst meth="repeat">
+      <a:schemeClr val="accent2"/>
+    </dgm:fillClrLst>
+    <dgm:linClrLst meth="repeat">
+      <a:schemeClr val="lt1"/>
+    </dgm:linClrLst>
+    <dgm:effectClrLst/>
+    <dgm:txLinClrLst/>
+    <dgm:txFillClrLst/>
+    <dgm:txEffectClrLst/>
+  </dgm:styleLbl>
+  <dgm:styleLbl name="asst2">
+    <dgm:fillClrLst>
+      <a:schemeClr val="accent3"/>
+    </dgm:fillClrLst>
+    <dgm:linClrLst meth="repeat">
+      <a:schemeClr val="lt1"/>
+    </dgm:linClrLst>
+    <dgm:effectClrLst/>
+    <dgm:txLinClrLst/>
+    <dgm:txFillClrLst/>
+    <dgm:txEffectClrLst/>
+  </dgm:styleLbl>
+  <dgm:styleLbl name="asst3">
+    <dgm:fillClrLst>
+      <a:schemeClr val="accent4"/>
+    </dgm:fillClrLst>
+    <dgm:linClrLst meth="repeat">
+      <a:schemeClr val="lt1"/>
+    </dgm:linClrLst>
+    <dgm:effectClrLst/>
+    <dgm:txLinClrLst/>
+    <dgm:txFillClrLst/>
+    <dgm:txEffectClrLst/>
+  </dgm:styleLbl>
+  <dgm:styleLbl name="asst4">
+    <dgm:fillClrLst>
+      <a:schemeClr val="accent5"/>
+    </dgm:fillClrLst>
+    <dgm:linClrLst meth="repeat">
+      <a:schemeClr val="lt1"/>
+    </dgm:linClrLst>
+    <dgm:effectClrLst/>
+    <dgm:txLinClrLst/>
+    <dgm:txFillClrLst/>
+    <dgm:txEffectClrLst/>
+  </dgm:styleLbl>
+  <dgm:styleLbl name="parChTrans2D1">
+    <dgm:fillClrLst meth="repeat">
+      <a:schemeClr val="accent2"/>
+    </dgm:fillClrLst>
+    <dgm:linClrLst meth="repeat">
+      <a:schemeClr val="lt1"/>
+    </dgm:linClrLst>
+    <dgm:effectClrLst/>
+    <dgm:txLinClrLst/>
+    <dgm:txFillClrLst meth="repeat">
+      <a:schemeClr val="lt1"/>
+    </dgm:txFillClrLst>
+    <dgm:txEffectClrLst/>
+  </dgm:styleLbl>
+  <dgm:styleLbl name="parChTrans2D2">
+    <dgm:fillClrLst meth="repeat">
+      <a:schemeClr val="accent3"/>
+    </dgm:fillClrLst>
+    <dgm:linClrLst meth="repeat">
+      <a:schemeClr val="lt1"/>
+    </dgm:linClrLst>
+    <dgm:effectClrLst/>
+    <dgm:txLinClrLst/>
+    <dgm:txFillClrLst/>
+    <dgm:txEffectClrLst/>
+  </dgm:styleLbl>
+  <dgm:styleLbl name="parChTrans2D3">
+    <dgm:fillClrLst meth="repeat">
+      <a:schemeClr val="accent4"/>
+    </dgm:fillClrLst>
+    <dgm:linClrLst meth="repeat">
+      <a:schemeClr val="lt1"/>
+    </dgm:linClrLst>
+    <dgm:effectClrLst/>
+    <dgm:txLinClrLst/>
+    <dgm:txFillClrLst/>
+    <dgm:txEffectClrLst/>
+  </dgm:styleLbl>
+  <dgm:styleLbl name="parChTrans2D4">
+    <dgm:fillClrLst meth="repeat">
+      <a:schemeClr val="accent5"/>
+    </dgm:fillClrLst>
+    <dgm:linClrLst meth="repeat">
+      <a:schemeClr val="lt1"/>
+    </dgm:linClrLst>
+    <dgm:effectClrLst/>
+    <dgm:txLinClrLst/>
+    <dgm:txFillClrLst meth="repeat">
+      <a:schemeClr val="lt1"/>
+    </dgm:txFillClrLst>
+    <dgm:txEffectClrLst/>
+  </dgm:styleLbl>
+  <dgm:styleLbl name="parChTrans1D1">
+    <dgm:fillClrLst meth="repeat">
+      <a:schemeClr val="accent2"/>
+    </dgm:fillClrLst>
+    <dgm:linClrLst meth="repeat">
+      <a:schemeClr val="accent1"/>
+    </dgm:linClrLst>
+    <dgm:effectClrLst/>
+    <dgm:txLinClrLst/>
+    <dgm:txFillClrLst meth="repeat">
+      <a:schemeClr val="tx1"/>
+    </dgm:txFillClrLst>
+    <dgm:txEffectClrLst/>
+  </dgm:styleLbl>
+  <dgm:styleLbl name="parChTrans1D2">
+    <dgm:fillClrLst meth="repeat">
+      <a:schemeClr val="accent3">
+        <a:tint val="90000"/>
+      </a:schemeClr>
+    </dgm:fillClrLst>
+    <dgm:linClrLst meth="repeat">
+      <a:schemeClr val="accent2"/>
+    </dgm:linClrLst>
+    <dgm:effectClrLst/>
+    <dgm:txLinClrLst/>
+    <dgm:txFillClrLst meth="repeat">
+      <a:schemeClr val="tx1"/>
+    </dgm:txFillClrLst>
+    <dgm:txEffectClrLst/>
+  </dgm:styleLbl>
+  <dgm:styleLbl name="parChTrans1D3">
+    <dgm:fillClrLst meth="repeat">
+      <a:schemeClr val="accent4">
+        <a:tint val="70000"/>
+      </a:schemeClr>
+    </dgm:fillClrLst>
+    <dgm:linClrLst meth="repeat">
+      <a:schemeClr val="accent3"/>
+    </dgm:linClrLst>
+    <dgm:effectClrLst/>
+    <dgm:txLinClrLst/>
+    <dgm:txFillClrLst meth="repeat">
+      <a:schemeClr val="tx1"/>
+    </dgm:txFillClrLst>
+    <dgm:txEffectClrLst/>
+  </dgm:styleLbl>
+  <dgm:styleLbl name="parChTrans1D4">
+    <dgm:fillClrLst meth="repeat">
+      <a:schemeClr val="accent5">
+        <a:tint val="50000"/>
+      </a:schemeClr>
+    </dgm:fillClrLst>
+    <dgm:linClrLst meth="repeat">
+      <a:schemeClr val="accent4"/>
+    </dgm:linClrLst>
+    <dgm:effectClrLst/>
+    <dgm:txLinClrLst/>
+    <dgm:txFillClrLst meth="repeat">
+      <a:schemeClr val="tx1"/>
+    </dgm:txFillClrLst>
+    <dgm:txEffectClrLst/>
+  </dgm:styleLbl>
+  <dgm:styleLbl name="fgAcc1">
+    <dgm:fillClrLst meth="repeat">
+      <a:schemeClr val="lt1">
+        <a:alpha val="90000"/>
+      </a:schemeClr>
+    </dgm:fillClrLst>
+    <dgm:linClrLst meth="repeat">
+      <a:schemeClr val="accent2"/>
+      <a:schemeClr val="accent3"/>
+      <a:schemeClr val="accent4"/>
+      <a:schemeClr val="accent5"/>
+      <a:schemeClr val="accent6"/>
+    </dgm:linClrLst>
+    <dgm:effectClrLst/>
+    <dgm:txLinClrLst/>
+    <dgm:txFillClrLst meth="repeat">
+      <a:schemeClr val="dk1"/>
+    </dgm:txFillClrLst>
+    <dgm:txEffectClrLst/>
+  </dgm:styleLbl>
+  <dgm:styleLbl name="conFgAcc1">
+    <dgm:fillClrLst meth="repeat">
+      <a:schemeClr val="lt1">
+        <a:alpha val="90000"/>
+      </a:schemeClr>
+    </dgm:fillClrLst>
+    <dgm:linClrLst meth="repeat">
+      <a:schemeClr val="accent2"/>
+      <a:schemeClr val="accent3"/>
+      <a:schemeClr val="accent4"/>
+      <a:schemeClr val="accent5"/>
+      <a:schemeClr val="accent6"/>
+    </dgm:linClrLst>
+    <dgm:effectClrLst/>
+    <dgm:txLinClrLst/>
+    <dgm:txFillClrLst meth="repeat">
+      <a:schemeClr val="dk1"/>
+    </dgm:txFillClrLst>
+    <dgm:txEffectClrLst/>
+  </dgm:styleLbl>
+  <dgm:styleLbl name="alignAcc1">
+    <dgm:fillClrLst meth="repeat">
+      <a:schemeClr val="lt1">
+        <a:alpha val="90000"/>
+      </a:schemeClr>
+    </dgm:fillClrLst>
+    <dgm:linClrLst meth="repeat">
+      <a:schemeClr val="accent2"/>
+      <a:schemeClr val="accent3"/>
+      <a:schemeClr val="accent4"/>
+      <a:schemeClr val="accent5"/>
+      <a:schemeClr val="accent6"/>
+    </dgm:linClrLst>
+    <dgm:effectClrLst/>
+    <dgm:txLinClrLst/>
+    <dgm:txFillClrLst meth="repeat">
+      <a:schemeClr val="dk1"/>
+    </dgm:txFillClrLst>
+    <dgm:txEffectClrLst/>
+  </dgm:styleLbl>
+  <dgm:styleLbl name="trAlignAcc1">
+    <dgm:fillClrLst meth="repeat">
+      <a:schemeClr val="lt1">
+        <a:alpha val="0"/>
+      </a:schemeClr>
+    </dgm:fillClrLst>
+    <dgm:linClrLst meth="repeat">
+      <a:schemeClr val="accent2"/>
+      <a:schemeClr val="accent3"/>
+      <a:schemeClr val="accent4"/>
+      <a:schemeClr val="accent5"/>
+      <a:schemeClr val="accent6"/>
+    </dgm:linClrLst>
+    <dgm:effectClrLst/>
+    <dgm:txLinClrLst/>
+    <dgm:txFillClrLst meth="repeat">
+      <a:schemeClr val="dk1"/>
+    </dgm:txFillClrLst>
+    <dgm:txEffectClrLst/>
+  </dgm:styleLbl>
+  <dgm:styleLbl name="bgAcc1">
+    <dgm:fillClrLst meth="repeat">
+      <a:schemeClr val="lt1">
+        <a:alpha val="90000"/>
+      </a:schemeClr>
+    </dgm:fillClrLst>
+    <dgm:linClrLst meth="repeat">
+      <a:schemeClr val="accent2"/>
+      <a:schemeClr val="accent3"/>
+      <a:schemeClr val="accent4"/>
+      <a:schemeClr val="accent5"/>
+      <a:schemeClr val="accent6"/>
+    </dgm:linClrLst>
+    <dgm:effectClrLst/>
+    <dgm:txLinClrLst/>
+    <dgm:txFillClrLst meth="repeat">
+      <a:schemeClr val="dk1"/>
+    </dgm:txFillClrLst>
+    <dgm:txEffectClrLst/>
+  </dgm:styleLbl>
+  <dgm:styleLbl name="solidFgAcc1">
+    <dgm:fillClrLst meth="repeat">
+      <a:schemeClr val="lt1"/>
+    </dgm:fillClrLst>
+    <dgm:linClrLst meth="repeat">
+      <a:schemeClr val="accent2"/>
+      <a:schemeClr val="accent3"/>
+      <a:schemeClr val="accent4"/>
+      <a:schemeClr val="accent5"/>
+      <a:schemeClr val="accent6"/>
+    </dgm:linClrLst>
+    <dgm:effectClrLst/>
+    <dgm:txLinClrLst/>
+    <dgm:txFillClrLst meth="repeat">
+      <a:schemeClr val="dk1"/>
+    </dgm:txFillClrLst>
+    <dgm:txEffectClrLst/>
+  </dgm:styleLbl>
+  <dgm:styleLbl name="solidAlignAcc1">
+    <dgm:fillClrLst meth="repeat">
+      <a:schemeClr val="lt1"/>
+    </dgm:fillClrLst>
+    <dgm:linClrLst meth="repeat">
+      <a:schemeClr val="accent2"/>
+      <a:schemeClr val="accent3"/>
+      <a:schemeClr val="accent4"/>
+      <a:schemeClr val="accent5"/>
+      <a:schemeClr val="accent6"/>
+    </dgm:linClrLst>
+    <dgm:effectClrLst/>
+    <dgm:txLinClrLst/>
+    <dgm:txFillClrLst meth="repeat">
+      <a:schemeClr val="dk1"/>
+    </dgm:txFillClrLst>
+    <dgm:txEffectClrLst/>
+  </dgm:styleLbl>
+  <dgm:styleLbl name="solidBgAcc1">
+    <dgm:fillClrLst meth="repeat">
+      <a:schemeClr val="lt1"/>
+    </dgm:fillClrLst>
+    <dgm:linClrLst meth="repeat">
+      <a:schemeClr val="accent2"/>
+      <a:schemeClr val="accent3"/>
+      <a:schemeClr val="accent4"/>
+      <a:schemeClr val="accent5"/>
+      <a:schemeClr val="accent6"/>
+    </dgm:linClrLst>
+    <dgm:effectClrLst/>
+    <dgm:txLinClrLst/>
+    <dgm:txFillClrLst meth="repeat">
+      <a:schemeClr val="dk1"/>
+    </dgm:txFillClrLst>
+    <dgm:txEffectClrLst/>
+  </dgm:styleLbl>
+  <dgm:styleLbl name="fgAccFollowNode1">
+    <dgm:fillClrLst meth="repeat">
+      <a:schemeClr val="accent2">
+        <a:tint val="40000"/>
+        <a:alpha val="90000"/>
+      </a:schemeClr>
+      <a:schemeClr val="accent3">
+        <a:tint val="40000"/>
+        <a:alpha val="90000"/>
+      </a:schemeClr>
+      <a:schemeClr val="accent4">
+        <a:tint val="40000"/>
+        <a:alpha val="90000"/>
+      </a:schemeClr>
+      <a:schemeClr val="accent5">
+        <a:tint val="40000"/>
+        <a:alpha val="90000"/>
+      </a:schemeClr>
+      <a:schemeClr val="accent6">
+        <a:tint val="40000"/>
+        <a:alpha val="90000"/>
+      </a:schemeClr>
+    </dgm:fillClrLst>
+    <dgm:linClrLst meth="repeat">
+      <a:schemeClr val="accent2">
+        <a:tint val="40000"/>
+        <a:alpha val="90000"/>
+      </a:schemeClr>
+      <a:schemeClr val="accent3">
+        <a:tint val="40000"/>
+        <a:alpha val="90000"/>
+      </a:schemeClr>
+      <a:schemeClr val="accent4">
+        <a:tint val="40000"/>
+        <a:alpha val="90000"/>
+      </a:schemeClr>
+      <a:schemeClr val="accent5">
+        <a:tint val="40000"/>
+        <a:alpha val="90000"/>
+      </a:schemeClr>
+      <a:schemeClr val="accent6">
+        <a:tint val="40000"/>
+        <a:alpha val="90000"/>
+      </a:schemeClr>
+    </dgm:linClrLst>
+    <dgm:effectClrLst/>
+    <dgm:txLinClrLst/>
+    <dgm:txFillClrLst meth="repeat">
+      <a:schemeClr val="dk1"/>
+    </dgm:txFillClrLst>
+    <dgm:txEffectClrLst/>
+  </dgm:styleLbl>
+  <dgm:styleLbl name="alignAccFollowNode1">
+    <dgm:fillClrLst meth="repeat">
+      <a:schemeClr val="accent2">
+        <a:tint val="40000"/>
+        <a:alpha val="90000"/>
+      </a:schemeClr>
+      <a:schemeClr val="accent3">
+        <a:tint val="40000"/>
+        <a:alpha val="90000"/>
+      </a:schemeClr>
+      <a:schemeClr val="accent4">
+        <a:tint val="40000"/>
+        <a:alpha val="90000"/>
+      </a:schemeClr>
+      <a:schemeClr val="accent5">
+        <a:tint val="40000"/>
+        <a:alpha val="90000"/>
+      </a:schemeClr>
+      <a:schemeClr val="accent6">
+        <a:tint val="40000"/>
+        <a:alpha val="90000"/>
+      </a:schemeClr>
+    </dgm:fillClrLst>
+    <dgm:linClrLst meth="repeat">
+      <a:schemeClr val="accent2">
+        <a:tint val="40000"/>
+        <a:alpha val="90000"/>
+      </a:schemeClr>
+      <a:schemeClr val="accent3">
+        <a:tint val="40000"/>
+        <a:alpha val="90000"/>
+      </a:schemeClr>
+      <a:schemeClr val="accent4">
+        <a:tint val="40000"/>
+        <a:alpha val="90000"/>
+      </a:schemeClr>
+      <a:schemeClr val="accent5">
+        <a:tint val="40000"/>
+        <a:alpha val="90000"/>
+      </a:schemeClr>
+      <a:schemeClr val="accent6">
+        <a:tint val="40000"/>
+        <a:alpha val="90000"/>
+      </a:schemeClr>
+    </dgm:linClrLst>
+    <dgm:effectClrLst/>
+    <dgm:txLinClrLst/>
+    <dgm:txFillClrLst meth="repeat">
+      <a:schemeClr val="dk1"/>
+    </dgm:txFillClrLst>
+    <dgm:txEffectClrLst/>
+  </dgm:styleLbl>
+  <dgm:styleLbl name="bgAccFollowNode1">
+    <dgm:fillClrLst meth="repeat">
+      <a:schemeClr val="accent2">
+        <a:tint val="40000"/>
+        <a:alpha val="90000"/>
+      </a:schemeClr>
+      <a:schemeClr val="accent3">
+        <a:tint val="40000"/>
+        <a:alpha val="90000"/>
+      </a:schemeClr>
+      <a:schemeClr val="accent4">
+        <a:tint val="40000"/>
+        <a:alpha val="90000"/>
+      </a:schemeClr>
+      <a:schemeClr val="accent5">
+        <a:tint val="40000"/>
+        <a:alpha val="90000"/>
+      </a:schemeClr>
+      <a:schemeClr val="accent6">
+        <a:tint val="40000"/>
+        <a:alpha val="90000"/>
+      </a:schemeClr>
+    </dgm:fillClrLst>
+    <dgm:linClrLst meth="repeat">
+      <a:schemeClr val="accent2">
+        <a:tint val="40000"/>
+        <a:alpha val="90000"/>
+      </a:schemeClr>
+      <a:schemeClr val="accent3">
+        <a:tint val="40000"/>
+        <a:alpha val="90000"/>
+      </a:schemeClr>
+      <a:schemeClr val="accent4">
+        <a:tint val="40000"/>
+        <a:alpha val="90000"/>
+      </a:schemeClr>
+      <a:schemeClr val="accent5">
+        <a:tint val="40000"/>
+        <a:alpha val="90000"/>
+      </a:schemeClr>
+      <a:schemeClr val="accent6">
+        <a:tint val="40000"/>
+        <a:alpha val="90000"/>
+      </a:schemeClr>
+    </dgm:linClrLst>
+    <dgm:effectClrLst/>
+    <dgm:txLinClrLst/>
+    <dgm:txFillClrLst meth="repeat">
+      <a:schemeClr val="dk1"/>
+    </dgm:txFillClrLst>
+    <dgm:txEffectClrLst/>
+  </dgm:styleLbl>
+  <dgm:styleLbl name="fgAcc0">
+    <dgm:fillClrLst meth="repeat">
+      <a:schemeClr val="lt1">
+        <a:alpha val="90000"/>
+      </a:schemeClr>
+    </dgm:fillClrLst>
+    <dgm:linClrLst>
+      <a:schemeClr val="accent1"/>
+    </dgm:linClrLst>
+    <dgm:effectClrLst/>
+    <dgm:txLinClrLst/>
+    <dgm:txFillClrLst meth="repeat">
+      <a:schemeClr val="dk1"/>
+    </dgm:txFillClrLst>
+    <dgm:txEffectClrLst/>
+  </dgm:styleLbl>
+  <dgm:styleLbl name="fgAcc2">
+    <dgm:fillClrLst meth="repeat">
+      <a:schemeClr val="lt1">
+        <a:alpha val="90000"/>
+      </a:schemeClr>
+    </dgm:fillClrLst>
+    <dgm:linClrLst>
+      <a:schemeClr val="accent2"/>
+    </dgm:linClrLst>
+    <dgm:effectClrLst/>
+    <dgm:txLinClrLst/>
+    <dgm:txFillClrLst meth="repeat">
+      <a:schemeClr val="dk1"/>
+    </dgm:txFillClrLst>
+    <dgm:txEffectClrLst/>
+  </dgm:styleLbl>
+  <dgm:styleLbl name="fgAcc3">
+    <dgm:fillClrLst meth="repeat">
+      <a:schemeClr val="lt1">
+        <a:alpha val="90000"/>
+      </a:schemeClr>
+    </dgm:fillClrLst>
+    <dgm:linClrLst>
+      <a:schemeClr val="accent3"/>
+    </dgm:linClrLst>
+    <dgm:effectClrLst/>
+    <dgm:txLinClrLst/>
+    <dgm:txFillClrLst meth="repeat">
+      <a:schemeClr val="dk1"/>
+    </dgm:txFillClrLst>
+    <dgm:txEffectClrLst/>
+  </dgm:styleLbl>
+  <dgm:styleLbl name="fgAcc4">
+    <dgm:fillClrLst meth="repeat">
+      <a:schemeClr val="lt1">
+        <a:alpha val="90000"/>
+      </a:schemeClr>
+    </dgm:fillClrLst>
+    <dgm:linClrLst>
+      <a:schemeClr val="accent4"/>
+    </dgm:linClrLst>
+    <dgm:effectClrLst/>
+    <dgm:txLinClrLst/>
+    <dgm:txFillClrLst meth="repeat">
+      <a:schemeClr val="dk1"/>
+    </dgm:txFillClrLst>
+    <dgm:txEffectClrLst/>
+  </dgm:styleLbl>
+  <dgm:styleLbl name="bgShp">
+    <dgm:fillClrLst meth="repeat">
+      <a:schemeClr val="accent2"/>
+      <a:schemeClr val="accent3"/>
+      <a:schemeClr val="accent4"/>
+      <a:schemeClr val="accent5"/>
+      <a:schemeClr val="accent6"/>
+    </dgm:fillClrLst>
+    <dgm:linClrLst meth="repeat">
+      <a:schemeClr val="lt1">
+        <a:alpha val="0"/>
+      </a:schemeClr>
+    </dgm:linClrLst>
+    <dgm:effectClrLst/>
+    <dgm:txLinClrLst/>
+    <dgm:txFillClrLst/>
+    <dgm:txEffectClrLst/>
+  </dgm:styleLbl>
+  <dgm:styleLbl name="dkBgShp">
+    <dgm:fillClrLst meth="repeat">
+      <a:schemeClr val="accent2">
+        <a:shade val="90000"/>
+      </a:schemeClr>
+    </dgm:fillClrLst>
+    <dgm:linClrLst meth="repeat">
+      <a:schemeClr val="dk1"/>
+    </dgm:linClrLst>
+    <dgm:effectClrLst/>
+    <dgm:txLinClrLst/>
+    <dgm:txFillClrLst meth="repeat">
+      <a:schemeClr val="lt1"/>
+    </dgm:txFillClrLst>
+    <dgm:txEffectClrLst/>
+  </dgm:styleLbl>
+  <dgm:styleLbl name="trBgShp">
+    <dgm:fillClrLst meth="repeat">
+      <a:schemeClr val="accent1">
+        <a:tint val="50000"/>
+        <a:alpha val="40000"/>
+      </a:schemeClr>
+    </dgm:fillClrLst>
+    <dgm:linClrLst meth="repeat">
+      <a:schemeClr val="accent2"/>
+    </dgm:linClrLst>
+    <dgm:effectClrLst/>
+    <dgm:txLinClrLst/>
+    <dgm:txFillClrLst meth="repeat">
+      <a:schemeClr val="lt1"/>
+    </dgm:txFillClrLst>
+    <dgm:txEffectClrLst/>
+  </dgm:styleLbl>
+  <dgm:styleLbl name="fgShp">
+    <dgm:fillClrLst meth="repeat">
+      <a:schemeClr val="accent2">
+        <a:tint val="40000"/>
+      </a:schemeClr>
+    </dgm:fillClrLst>
+    <dgm:linClrLst meth="repeat">
+      <a:schemeClr val="lt1"/>
+    </dgm:linClrLst>
+    <dgm:effectClrLst/>
+    <dgm:txLinClrLst/>
+    <dgm:txFillClrLst meth="repeat">
+      <a:schemeClr val="dk1"/>
+    </dgm:txFillClrLst>
+    <dgm:txEffectClrLst/>
+  </dgm:styleLbl>
+  <dgm:styleLbl name="revTx">
+    <dgm:fillClrLst meth="repeat">
+      <a:schemeClr val="accent2">
+        <a:alpha val="0"/>
+      </a:schemeClr>
+    </dgm:fillClrLst>
+    <dgm:linClrLst meth="repeat">
+      <a:schemeClr val="accent2">
+        <a:alpha val="0"/>
+      </a:schemeClr>
+    </dgm:linClrLst>
+    <dgm:effectClrLst/>
+    <dgm:txLinClrLst/>
+    <dgm:txFillClrLst meth="repeat">
+      <a:schemeClr val="accent2"/>
+      <a:schemeClr val="accent3"/>
+      <a:schemeClr val="accent4"/>
+      <a:schemeClr val="accent5"/>
+      <a:schemeClr val="accent6"/>
     </dgm:txFillClrLst>
     <dgm:txEffectClrLst/>
   </dgm:styleLbl>
@@ -4712,6 +5649,252 @@
     <dgm:cxn modelId="{117612C1-8012-4E14-A4A2-6D0DE37493BD}" type="presParOf" srcId="{65A856E0-3D03-4BCA-A6D3-C163B474BBDE}" destId="{41C2FE34-D7BD-4E41-86F3-46F82545FFAC}" srcOrd="9" destOrd="0" presId="urn:microsoft.com/office/officeart/2005/8/layout/vProcess5"/>
     <dgm:cxn modelId="{C0B30721-4769-4E4D-9E4C-D77783130003}" type="presParOf" srcId="{65A856E0-3D03-4BCA-A6D3-C163B474BBDE}" destId="{45A068EC-429B-4C5D-9970-EFCAF71190E8}" srcOrd="10" destOrd="0" presId="urn:microsoft.com/office/officeart/2005/8/layout/vProcess5"/>
     <dgm:cxn modelId="{B2E27BCA-6151-42D2-92DF-E7A89CA45A90}" type="presParOf" srcId="{65A856E0-3D03-4BCA-A6D3-C163B474BBDE}" destId="{A63726E2-1F82-453D-8793-15477BFE18FD}" srcOrd="11" destOrd="0" presId="urn:microsoft.com/office/officeart/2005/8/layout/vProcess5"/>
+  </dgm:cxnLst>
+  <dgm:bg/>
+  <dgm:whole/>
+  <dgm:extLst>
+    <a:ext uri="http://schemas.microsoft.com/office/drawing/2008/diagram">
+      <dsp:dataModelExt xmlns:dsp="http://schemas.microsoft.com/office/drawing/2008/diagram" relId="rId6" minVer="http://schemas.openxmlformats.org/drawingml/2006/diagram"/>
+    </a:ext>
+  </dgm:extLst>
+</dgm:dataModel>
+</file>
+
+<file path=ppt/diagrams/data5.xml><?xml version="1.0" encoding="utf-8"?>
+<dgm:dataModel xmlns:dgm="http://schemas.openxmlformats.org/drawingml/2006/diagram" xmlns:a="http://schemas.openxmlformats.org/drawingml/2006/main">
+  <dgm:ptLst>
+    <dgm:pt modelId="{28998F88-3A6D-46E9-BE13-EF5F09912CF1}" type="doc">
+      <dgm:prSet loTypeId="urn:microsoft.com/office/officeart/2018/5/layout/IconLeafLabelList" loCatId="icon" qsTypeId="urn:microsoft.com/office/officeart/2005/8/quickstyle/simple1" qsCatId="simple" csTypeId="urn:microsoft.com/office/officeart/2018/5/colors/Iconchunking_coloredtext_colorful1" csCatId="colorful" phldr="1"/>
+      <dgm:spPr/>
+      <dgm:t>
+        <a:bodyPr/>
+        <a:lstStyle/>
+        <a:p>
+          <a:endParaRPr lang="en-US"/>
+        </a:p>
+      </dgm:t>
+    </dgm:pt>
+    <dgm:pt modelId="{3A526934-F3A0-4264-9D93-EF4FD2D3BA04}">
+      <dgm:prSet/>
+      <dgm:spPr/>
+      <dgm:t>
+        <a:bodyPr/>
+        <a:lstStyle/>
+        <a:p>
+          <a:pPr>
+            <a:defRPr cap="all"/>
+          </a:pPr>
+          <a:r>
+            <a:rPr lang="en-US"/>
+            <a:t>Clone This Repository To Your Repos</a:t>
+          </a:r>
+        </a:p>
+      </dgm:t>
+    </dgm:pt>
+    <dgm:pt modelId="{F21640FD-28B6-4EB7-84A7-5C452946C181}" type="parTrans" cxnId="{5C4668DF-DB38-48C8-823C-196CF7245CE5}">
+      <dgm:prSet/>
+      <dgm:spPr/>
+      <dgm:t>
+        <a:bodyPr/>
+        <a:lstStyle/>
+        <a:p>
+          <a:endParaRPr lang="en-US"/>
+        </a:p>
+      </dgm:t>
+    </dgm:pt>
+    <dgm:pt modelId="{A86A18D4-C9DC-4A5D-AC34-2E71F1CA7FB1}" type="sibTrans" cxnId="{5C4668DF-DB38-48C8-823C-196CF7245CE5}">
+      <dgm:prSet/>
+      <dgm:spPr/>
+      <dgm:t>
+        <a:bodyPr/>
+        <a:lstStyle/>
+        <a:p>
+          <a:endParaRPr lang="en-US"/>
+        </a:p>
+      </dgm:t>
+    </dgm:pt>
+    <dgm:pt modelId="{27651D0C-A969-4380-9C6F-2F07E5C4B996}">
+      <dgm:prSet/>
+      <dgm:spPr/>
+      <dgm:t>
+        <a:bodyPr/>
+        <a:lstStyle/>
+        <a:p>
+          <a:pPr>
+            <a:defRPr cap="all"/>
+          </a:pPr>
+          <a:r>
+            <a:rPr lang="en-US"/>
+            <a:t>https://github.com/JoelAbbott/git-githubPresentation.git</a:t>
+          </a:r>
+        </a:p>
+      </dgm:t>
+    </dgm:pt>
+    <dgm:pt modelId="{FEF90594-1980-47C7-B827-69D69B5974E0}" type="parTrans" cxnId="{3F6A4BB7-89D0-4190-8451-B4E09677BA80}">
+      <dgm:prSet/>
+      <dgm:spPr/>
+      <dgm:t>
+        <a:bodyPr/>
+        <a:lstStyle/>
+        <a:p>
+          <a:endParaRPr lang="en-US"/>
+        </a:p>
+      </dgm:t>
+    </dgm:pt>
+    <dgm:pt modelId="{AE6BE3FB-880C-4FF9-8E76-C72E8DDEF1A9}" type="sibTrans" cxnId="{3F6A4BB7-89D0-4190-8451-B4E09677BA80}">
+      <dgm:prSet/>
+      <dgm:spPr/>
+      <dgm:t>
+        <a:bodyPr/>
+        <a:lstStyle/>
+        <a:p>
+          <a:endParaRPr lang="en-US"/>
+        </a:p>
+      </dgm:t>
+    </dgm:pt>
+    <dgm:pt modelId="{49CDB5A3-205E-476E-A8BA-0C67B7B103FD}" type="pres">
+      <dgm:prSet presAssocID="{28998F88-3A6D-46E9-BE13-EF5F09912CF1}" presName="root" presStyleCnt="0">
+        <dgm:presLayoutVars>
+          <dgm:dir/>
+          <dgm:resizeHandles val="exact"/>
+        </dgm:presLayoutVars>
+      </dgm:prSet>
+      <dgm:spPr/>
+    </dgm:pt>
+    <dgm:pt modelId="{6CBC6500-13F6-464B-AD36-55735C79CF3A}" type="pres">
+      <dgm:prSet presAssocID="{3A526934-F3A0-4264-9D93-EF4FD2D3BA04}" presName="compNode" presStyleCnt="0"/>
+      <dgm:spPr/>
+    </dgm:pt>
+    <dgm:pt modelId="{4F85ED14-3A7B-48EC-A26E-F7B9B8849C65}" type="pres">
+      <dgm:prSet presAssocID="{3A526934-F3A0-4264-9D93-EF4FD2D3BA04}" presName="iconBgRect" presStyleLbl="bgShp" presStyleIdx="0" presStyleCnt="2"/>
+      <dgm:spPr>
+        <a:prstGeom prst="round2DiagRect">
+          <a:avLst>
+            <a:gd name="adj1" fmla="val 29727"/>
+            <a:gd name="adj2" fmla="val 0"/>
+          </a:avLst>
+        </a:prstGeom>
+      </dgm:spPr>
+    </dgm:pt>
+    <dgm:pt modelId="{2FB379EA-7EF0-485F-B704-BBDF70FC2D42}" type="pres">
+      <dgm:prSet presAssocID="{3A526934-F3A0-4264-9D93-EF4FD2D3BA04}" presName="iconRect" presStyleLbl="node1" presStyleIdx="0" presStyleCnt="2"/>
+      <dgm:spPr>
+        <a:blipFill>
+          <a:blip xmlns:r="http://schemas.openxmlformats.org/officeDocument/2006/relationships" r:embed="rId1">
+            <a:extLst>
+              <a:ext uri="{28A0092B-C50C-407E-A947-70E740481C1C}">
+                <a14:useLocalDpi xmlns:a14="http://schemas.microsoft.com/office/drawing/2010/main" val="0"/>
+              </a:ext>
+              <a:ext uri="{96DAC541-7B7A-43D3-8B79-37D633B846F1}">
+                <asvg:svgBlip xmlns:asvg="http://schemas.microsoft.com/office/drawing/2016/SVG/main" r:embed="rId2"/>
+              </a:ext>
+            </a:extLst>
+          </a:blip>
+          <a:stretch>
+            <a:fillRect/>
+          </a:stretch>
+        </a:blipFill>
+        <a:ln>
+          <a:noFill/>
+        </a:ln>
+      </dgm:spPr>
+      <dgm:extLst>
+        <a:ext uri="{E40237B7-FDA0-4F09-8148-C483321AD2D9}">
+          <dgm14:cNvPr xmlns:dgm14="http://schemas.microsoft.com/office/drawing/2010/diagram" id="0" name="" descr="Open Folder"/>
+        </a:ext>
+      </dgm:extLst>
+    </dgm:pt>
+    <dgm:pt modelId="{827ACB86-3520-4B68-A3B0-2FACCF187D82}" type="pres">
+      <dgm:prSet presAssocID="{3A526934-F3A0-4264-9D93-EF4FD2D3BA04}" presName="spaceRect" presStyleCnt="0"/>
+      <dgm:spPr/>
+    </dgm:pt>
+    <dgm:pt modelId="{826FD2CE-2128-45ED-A5D2-4BAC78E8FF4F}" type="pres">
+      <dgm:prSet presAssocID="{3A526934-F3A0-4264-9D93-EF4FD2D3BA04}" presName="textRect" presStyleLbl="revTx" presStyleIdx="0" presStyleCnt="2">
+        <dgm:presLayoutVars>
+          <dgm:chMax val="1"/>
+          <dgm:chPref val="1"/>
+        </dgm:presLayoutVars>
+      </dgm:prSet>
+      <dgm:spPr/>
+    </dgm:pt>
+    <dgm:pt modelId="{6BCC53A2-791B-4300-8B6B-06288C1B4961}" type="pres">
+      <dgm:prSet presAssocID="{A86A18D4-C9DC-4A5D-AC34-2E71F1CA7FB1}" presName="sibTrans" presStyleCnt="0"/>
+      <dgm:spPr/>
+    </dgm:pt>
+    <dgm:pt modelId="{F65F0819-F226-4E15-83B4-EFC633EBE446}" type="pres">
+      <dgm:prSet presAssocID="{27651D0C-A969-4380-9C6F-2F07E5C4B996}" presName="compNode" presStyleCnt="0"/>
+      <dgm:spPr/>
+    </dgm:pt>
+    <dgm:pt modelId="{80F1B253-7156-427E-B212-13BADD17F494}" type="pres">
+      <dgm:prSet presAssocID="{27651D0C-A969-4380-9C6F-2F07E5C4B996}" presName="iconBgRect" presStyleLbl="bgShp" presStyleIdx="1" presStyleCnt="2"/>
+      <dgm:spPr>
+        <a:prstGeom prst="round2DiagRect">
+          <a:avLst>
+            <a:gd name="adj1" fmla="val 29727"/>
+            <a:gd name="adj2" fmla="val 0"/>
+          </a:avLst>
+        </a:prstGeom>
+      </dgm:spPr>
+    </dgm:pt>
+    <dgm:pt modelId="{8A4A3970-3D7C-4B66-AEC0-FC2CB7D70384}" type="pres">
+      <dgm:prSet presAssocID="{27651D0C-A969-4380-9C6F-2F07E5C4B996}" presName="iconRect" presStyleLbl="node1" presStyleIdx="1" presStyleCnt="2"/>
+      <dgm:spPr>
+        <a:blipFill>
+          <a:blip xmlns:r="http://schemas.openxmlformats.org/officeDocument/2006/relationships" r:embed="rId3">
+            <a:extLst>
+              <a:ext uri="{28A0092B-C50C-407E-A947-70E740481C1C}">
+                <a14:useLocalDpi xmlns:a14="http://schemas.microsoft.com/office/drawing/2010/main" val="0"/>
+              </a:ext>
+              <a:ext uri="{96DAC541-7B7A-43D3-8B79-37D633B846F1}">
+                <asvg:svgBlip xmlns:asvg="http://schemas.microsoft.com/office/drawing/2016/SVG/main" r:embed="rId4"/>
+              </a:ext>
+            </a:extLst>
+          </a:blip>
+          <a:stretch>
+            <a:fillRect/>
+          </a:stretch>
+        </a:blipFill>
+        <a:ln>
+          <a:noFill/>
+        </a:ln>
+      </dgm:spPr>
+      <dgm:extLst>
+        <a:ext uri="{E40237B7-FDA0-4F09-8148-C483321AD2D9}">
+          <dgm14:cNvPr xmlns:dgm14="http://schemas.microsoft.com/office/drawing/2010/diagram" id="0" name="" descr="Earth Globe Americas"/>
+        </a:ext>
+      </dgm:extLst>
+    </dgm:pt>
+    <dgm:pt modelId="{86CA7C11-EA78-47A9-A518-A36889E5DA8E}" type="pres">
+      <dgm:prSet presAssocID="{27651D0C-A969-4380-9C6F-2F07E5C4B996}" presName="spaceRect" presStyleCnt="0"/>
+      <dgm:spPr/>
+    </dgm:pt>
+    <dgm:pt modelId="{2C5F4FCD-7226-4067-9029-4D871A86C358}" type="pres">
+      <dgm:prSet presAssocID="{27651D0C-A969-4380-9C6F-2F07E5C4B996}" presName="textRect" presStyleLbl="revTx" presStyleIdx="1" presStyleCnt="2">
+        <dgm:presLayoutVars>
+          <dgm:chMax val="1"/>
+          <dgm:chPref val="1"/>
+        </dgm:presLayoutVars>
+      </dgm:prSet>
+      <dgm:spPr/>
+    </dgm:pt>
+  </dgm:ptLst>
+  <dgm:cxnLst>
+    <dgm:cxn modelId="{172C0434-D009-4FBB-A673-67BD663CB801}" type="presOf" srcId="{3A526934-F3A0-4264-9D93-EF4FD2D3BA04}" destId="{826FD2CE-2128-45ED-A5D2-4BAC78E8FF4F}" srcOrd="0" destOrd="0" presId="urn:microsoft.com/office/officeart/2018/5/layout/IconLeafLabelList"/>
+    <dgm:cxn modelId="{AECEAF89-48D9-464C-BC66-86FF59834537}" type="presOf" srcId="{27651D0C-A969-4380-9C6F-2F07E5C4B996}" destId="{2C5F4FCD-7226-4067-9029-4D871A86C358}" srcOrd="0" destOrd="0" presId="urn:microsoft.com/office/officeart/2018/5/layout/IconLeafLabelList"/>
+    <dgm:cxn modelId="{3F6A4BB7-89D0-4190-8451-B4E09677BA80}" srcId="{28998F88-3A6D-46E9-BE13-EF5F09912CF1}" destId="{27651D0C-A969-4380-9C6F-2F07E5C4B996}" srcOrd="1" destOrd="0" parTransId="{FEF90594-1980-47C7-B827-69D69B5974E0}" sibTransId="{AE6BE3FB-880C-4FF9-8E76-C72E8DDEF1A9}"/>
+    <dgm:cxn modelId="{5C4668DF-DB38-48C8-823C-196CF7245CE5}" srcId="{28998F88-3A6D-46E9-BE13-EF5F09912CF1}" destId="{3A526934-F3A0-4264-9D93-EF4FD2D3BA04}" srcOrd="0" destOrd="0" parTransId="{F21640FD-28B6-4EB7-84A7-5C452946C181}" sibTransId="{A86A18D4-C9DC-4A5D-AC34-2E71F1CA7FB1}"/>
+    <dgm:cxn modelId="{8592F1FA-1ED1-4D71-9B05-77AC7A5977CB}" type="presOf" srcId="{28998F88-3A6D-46E9-BE13-EF5F09912CF1}" destId="{49CDB5A3-205E-476E-A8BA-0C67B7B103FD}" srcOrd="0" destOrd="0" presId="urn:microsoft.com/office/officeart/2018/5/layout/IconLeafLabelList"/>
+    <dgm:cxn modelId="{8E2B06F2-D2B9-41F1-96AF-33C564F1383D}" type="presParOf" srcId="{49CDB5A3-205E-476E-A8BA-0C67B7B103FD}" destId="{6CBC6500-13F6-464B-AD36-55735C79CF3A}" srcOrd="0" destOrd="0" presId="urn:microsoft.com/office/officeart/2018/5/layout/IconLeafLabelList"/>
+    <dgm:cxn modelId="{7E174DB8-F3C6-4750-9B23-744B0DEF7834}" type="presParOf" srcId="{6CBC6500-13F6-464B-AD36-55735C79CF3A}" destId="{4F85ED14-3A7B-48EC-A26E-F7B9B8849C65}" srcOrd="0" destOrd="0" presId="urn:microsoft.com/office/officeart/2018/5/layout/IconLeafLabelList"/>
+    <dgm:cxn modelId="{0AD45FB7-544D-47D8-81A0-7C9C8A511275}" type="presParOf" srcId="{6CBC6500-13F6-464B-AD36-55735C79CF3A}" destId="{2FB379EA-7EF0-485F-B704-BBDF70FC2D42}" srcOrd="1" destOrd="0" presId="urn:microsoft.com/office/officeart/2018/5/layout/IconLeafLabelList"/>
+    <dgm:cxn modelId="{A8AF9D3D-7B99-4E1C-A832-5AB536D8D902}" type="presParOf" srcId="{6CBC6500-13F6-464B-AD36-55735C79CF3A}" destId="{827ACB86-3520-4B68-A3B0-2FACCF187D82}" srcOrd="2" destOrd="0" presId="urn:microsoft.com/office/officeart/2018/5/layout/IconLeafLabelList"/>
+    <dgm:cxn modelId="{4A48D92D-0E47-4529-B8F1-233AEFDF0066}" type="presParOf" srcId="{6CBC6500-13F6-464B-AD36-55735C79CF3A}" destId="{826FD2CE-2128-45ED-A5D2-4BAC78E8FF4F}" srcOrd="3" destOrd="0" presId="urn:microsoft.com/office/officeart/2018/5/layout/IconLeafLabelList"/>
+    <dgm:cxn modelId="{8109DAC1-1FA5-408D-B9A4-34921D5A10C8}" type="presParOf" srcId="{49CDB5A3-205E-476E-A8BA-0C67B7B103FD}" destId="{6BCC53A2-791B-4300-8B6B-06288C1B4961}" srcOrd="1" destOrd="0" presId="urn:microsoft.com/office/officeart/2018/5/layout/IconLeafLabelList"/>
+    <dgm:cxn modelId="{561BB821-BA50-4600-91C8-26280F20EA48}" type="presParOf" srcId="{49CDB5A3-205E-476E-A8BA-0C67B7B103FD}" destId="{F65F0819-F226-4E15-83B4-EFC633EBE446}" srcOrd="2" destOrd="0" presId="urn:microsoft.com/office/officeart/2018/5/layout/IconLeafLabelList"/>
+    <dgm:cxn modelId="{73E2139D-4BA2-4F52-B8F3-DE3DB1CDE676}" type="presParOf" srcId="{F65F0819-F226-4E15-83B4-EFC633EBE446}" destId="{80F1B253-7156-427E-B212-13BADD17F494}" srcOrd="0" destOrd="0" presId="urn:microsoft.com/office/officeart/2018/5/layout/IconLeafLabelList"/>
+    <dgm:cxn modelId="{DA4D30E9-8A4A-4CE3-ADCC-5BD4674A770A}" type="presParOf" srcId="{F65F0819-F226-4E15-83B4-EFC633EBE446}" destId="{8A4A3970-3D7C-4B66-AEC0-FC2CB7D70384}" srcOrd="1" destOrd="0" presId="urn:microsoft.com/office/officeart/2018/5/layout/IconLeafLabelList"/>
+    <dgm:cxn modelId="{06E222B5-F775-4E00-864B-C41C7D5E863A}" type="presParOf" srcId="{F65F0819-F226-4E15-83B4-EFC633EBE446}" destId="{86CA7C11-EA78-47A9-A518-A36889E5DA8E}" srcOrd="2" destOrd="0" presId="urn:microsoft.com/office/officeart/2018/5/layout/IconLeafLabelList"/>
+    <dgm:cxn modelId="{8D32863D-FD88-404C-BED5-68FE093BA1A4}" type="presParOf" srcId="{F65F0819-F226-4E15-83B4-EFC633EBE446}" destId="{2C5F4FCD-7226-4067-9029-4D871A86C358}" srcOrd="3" destOrd="0" presId="urn:microsoft.com/office/officeart/2018/5/layout/IconLeafLabelList"/>
   </dgm:cxnLst>
   <dgm:bg/>
   <dgm:whole/>
@@ -7205,6 +8388,324 @@
 </dsp:drawing>
 </file>
 
+<file path=ppt/diagrams/drawing5.xml><?xml version="1.0" encoding="utf-8"?>
+<dsp:drawing xmlns:dgm="http://schemas.openxmlformats.org/drawingml/2006/diagram" xmlns:dsp="http://schemas.microsoft.com/office/drawing/2008/diagram" xmlns:a="http://schemas.openxmlformats.org/drawingml/2006/main">
+  <dsp:spTree>
+    <dsp:nvGrpSpPr>
+      <dsp:cNvPr id="0" name=""/>
+      <dsp:cNvGrpSpPr/>
+    </dsp:nvGrpSpPr>
+    <dsp:grpSpPr/>
+    <dsp:sp modelId="{4F85ED14-3A7B-48EC-A26E-F7B9B8849C65}">
+      <dsp:nvSpPr>
+        <dsp:cNvPr id="0" name=""/>
+        <dsp:cNvSpPr/>
+      </dsp:nvSpPr>
+      <dsp:spPr>
+        <a:xfrm>
+          <a:off x="2250914" y="296402"/>
+          <a:ext cx="2196000" cy="2196000"/>
+        </a:xfrm>
+        <a:prstGeom prst="round2DiagRect">
+          <a:avLst>
+            <a:gd name="adj1" fmla="val 29727"/>
+            <a:gd name="adj2" fmla="val 0"/>
+          </a:avLst>
+        </a:prstGeom>
+        <a:solidFill>
+          <a:schemeClr val="accent2">
+            <a:hueOff val="0"/>
+            <a:satOff val="0"/>
+            <a:lumOff val="0"/>
+            <a:alphaOff val="0"/>
+          </a:schemeClr>
+        </a:solidFill>
+        <a:ln>
+          <a:noFill/>
+        </a:ln>
+        <a:effectLst/>
+      </dsp:spPr>
+      <dsp:style>
+        <a:lnRef idx="0">
+          <a:scrgbClr r="0" g="0" b="0"/>
+        </a:lnRef>
+        <a:fillRef idx="1">
+          <a:scrgbClr r="0" g="0" b="0"/>
+        </a:fillRef>
+        <a:effectRef idx="0">
+          <a:scrgbClr r="0" g="0" b="0"/>
+        </a:effectRef>
+        <a:fontRef idx="minor"/>
+      </dsp:style>
+    </dsp:sp>
+    <dsp:sp modelId="{2FB379EA-7EF0-485F-B704-BBDF70FC2D42}">
+      <dsp:nvSpPr>
+        <dsp:cNvPr id="0" name=""/>
+        <dsp:cNvSpPr/>
+      </dsp:nvSpPr>
+      <dsp:spPr>
+        <a:xfrm>
+          <a:off x="2718914" y="764402"/>
+          <a:ext cx="1260000" cy="1260000"/>
+        </a:xfrm>
+        <a:prstGeom prst="rect">
+          <a:avLst/>
+        </a:prstGeom>
+        <a:blipFill>
+          <a:blip xmlns:r="http://schemas.openxmlformats.org/officeDocument/2006/relationships" r:embed="rId1">
+            <a:extLst>
+              <a:ext uri="{28A0092B-C50C-407E-A947-70E740481C1C}">
+                <a14:useLocalDpi xmlns:a14="http://schemas.microsoft.com/office/drawing/2010/main" val="0"/>
+              </a:ext>
+              <a:ext uri="{96DAC541-7B7A-43D3-8B79-37D633B846F1}">
+                <asvg:svgBlip xmlns:asvg="http://schemas.microsoft.com/office/drawing/2016/SVG/main" r:embed="rId2"/>
+              </a:ext>
+            </a:extLst>
+          </a:blip>
+          <a:stretch>
+            <a:fillRect/>
+          </a:stretch>
+        </a:blipFill>
+        <a:ln w="19050" cap="flat" cmpd="sng" algn="ctr">
+          <a:noFill/>
+          <a:prstDash val="solid"/>
+          <a:miter lim="800000"/>
+        </a:ln>
+        <a:effectLst/>
+      </dsp:spPr>
+      <dsp:style>
+        <a:lnRef idx="2">
+          <a:scrgbClr r="0" g="0" b="0"/>
+        </a:lnRef>
+        <a:fillRef idx="1">
+          <a:scrgbClr r="0" g="0" b="0"/>
+        </a:fillRef>
+        <a:effectRef idx="0">
+          <a:scrgbClr r="0" g="0" b="0"/>
+        </a:effectRef>
+        <a:fontRef idx="minor">
+          <a:schemeClr val="lt1"/>
+        </a:fontRef>
+      </dsp:style>
+    </dsp:sp>
+    <dsp:sp modelId="{826FD2CE-2128-45ED-A5D2-4BAC78E8FF4F}">
+      <dsp:nvSpPr>
+        <dsp:cNvPr id="0" name=""/>
+        <dsp:cNvSpPr/>
+      </dsp:nvSpPr>
+      <dsp:spPr>
+        <a:xfrm>
+          <a:off x="1548914" y="3176402"/>
+          <a:ext cx="3600000" cy="720000"/>
+        </a:xfrm>
+        <a:prstGeom prst="rect">
+          <a:avLst/>
+        </a:prstGeom>
+        <a:noFill/>
+        <a:ln>
+          <a:noFill/>
+        </a:ln>
+        <a:effectLst/>
+      </dsp:spPr>
+      <dsp:style>
+        <a:lnRef idx="0">
+          <a:scrgbClr r="0" g="0" b="0"/>
+        </a:lnRef>
+        <a:fillRef idx="0">
+          <a:scrgbClr r="0" g="0" b="0"/>
+        </a:fillRef>
+        <a:effectRef idx="0">
+          <a:scrgbClr r="0" g="0" b="0"/>
+        </a:effectRef>
+        <a:fontRef idx="minor"/>
+      </dsp:style>
+      <dsp:txBody>
+        <a:bodyPr spcFirstLastPara="0" vert="horz" wrap="square" lIns="0" tIns="0" rIns="0" bIns="0" numCol="1" spcCol="1270" anchor="t" anchorCtr="0">
+          <a:noAutofit/>
+        </a:bodyPr>
+        <a:lstStyle/>
+        <a:p>
+          <a:pPr marL="0" lvl="0" indent="0" algn="ctr" defTabSz="711200">
+            <a:lnSpc>
+              <a:spcPct val="90000"/>
+            </a:lnSpc>
+            <a:spcBef>
+              <a:spcPct val="0"/>
+            </a:spcBef>
+            <a:spcAft>
+              <a:spcPct val="35000"/>
+            </a:spcAft>
+            <a:buNone/>
+            <a:defRPr cap="all"/>
+          </a:pPr>
+          <a:r>
+            <a:rPr lang="en-US" sz="1600" kern="1200"/>
+            <a:t>Clone This Repository To Your Repos</a:t>
+          </a:r>
+        </a:p>
+      </dsp:txBody>
+      <dsp:txXfrm>
+        <a:off x="1548914" y="3176402"/>
+        <a:ext cx="3600000" cy="720000"/>
+      </dsp:txXfrm>
+    </dsp:sp>
+    <dsp:sp modelId="{80F1B253-7156-427E-B212-13BADD17F494}">
+      <dsp:nvSpPr>
+        <dsp:cNvPr id="0" name=""/>
+        <dsp:cNvSpPr/>
+      </dsp:nvSpPr>
+      <dsp:spPr>
+        <a:xfrm>
+          <a:off x="6480914" y="296402"/>
+          <a:ext cx="2196000" cy="2196000"/>
+        </a:xfrm>
+        <a:prstGeom prst="round2DiagRect">
+          <a:avLst>
+            <a:gd name="adj1" fmla="val 29727"/>
+            <a:gd name="adj2" fmla="val 0"/>
+          </a:avLst>
+        </a:prstGeom>
+        <a:solidFill>
+          <a:schemeClr val="accent3">
+            <a:hueOff val="0"/>
+            <a:satOff val="0"/>
+            <a:lumOff val="0"/>
+            <a:alphaOff val="0"/>
+          </a:schemeClr>
+        </a:solidFill>
+        <a:ln>
+          <a:noFill/>
+        </a:ln>
+        <a:effectLst/>
+      </dsp:spPr>
+      <dsp:style>
+        <a:lnRef idx="0">
+          <a:scrgbClr r="0" g="0" b="0"/>
+        </a:lnRef>
+        <a:fillRef idx="1">
+          <a:scrgbClr r="0" g="0" b="0"/>
+        </a:fillRef>
+        <a:effectRef idx="0">
+          <a:scrgbClr r="0" g="0" b="0"/>
+        </a:effectRef>
+        <a:fontRef idx="minor"/>
+      </dsp:style>
+    </dsp:sp>
+    <dsp:sp modelId="{8A4A3970-3D7C-4B66-AEC0-FC2CB7D70384}">
+      <dsp:nvSpPr>
+        <dsp:cNvPr id="0" name=""/>
+        <dsp:cNvSpPr/>
+      </dsp:nvSpPr>
+      <dsp:spPr>
+        <a:xfrm>
+          <a:off x="6948914" y="764402"/>
+          <a:ext cx="1260000" cy="1260000"/>
+        </a:xfrm>
+        <a:prstGeom prst="rect">
+          <a:avLst/>
+        </a:prstGeom>
+        <a:blipFill>
+          <a:blip xmlns:r="http://schemas.openxmlformats.org/officeDocument/2006/relationships" r:embed="rId3">
+            <a:extLst>
+              <a:ext uri="{28A0092B-C50C-407E-A947-70E740481C1C}">
+                <a14:useLocalDpi xmlns:a14="http://schemas.microsoft.com/office/drawing/2010/main" val="0"/>
+              </a:ext>
+              <a:ext uri="{96DAC541-7B7A-43D3-8B79-37D633B846F1}">
+                <asvg:svgBlip xmlns:asvg="http://schemas.microsoft.com/office/drawing/2016/SVG/main" r:embed="rId4"/>
+              </a:ext>
+            </a:extLst>
+          </a:blip>
+          <a:stretch>
+            <a:fillRect/>
+          </a:stretch>
+        </a:blipFill>
+        <a:ln w="19050" cap="flat" cmpd="sng" algn="ctr">
+          <a:noFill/>
+          <a:prstDash val="solid"/>
+          <a:miter lim="800000"/>
+        </a:ln>
+        <a:effectLst/>
+      </dsp:spPr>
+      <dsp:style>
+        <a:lnRef idx="2">
+          <a:scrgbClr r="0" g="0" b="0"/>
+        </a:lnRef>
+        <a:fillRef idx="1">
+          <a:scrgbClr r="0" g="0" b="0"/>
+        </a:fillRef>
+        <a:effectRef idx="0">
+          <a:scrgbClr r="0" g="0" b="0"/>
+        </a:effectRef>
+        <a:fontRef idx="minor">
+          <a:schemeClr val="lt1"/>
+        </a:fontRef>
+      </dsp:style>
+    </dsp:sp>
+    <dsp:sp modelId="{2C5F4FCD-7226-4067-9029-4D871A86C358}">
+      <dsp:nvSpPr>
+        <dsp:cNvPr id="0" name=""/>
+        <dsp:cNvSpPr/>
+      </dsp:nvSpPr>
+      <dsp:spPr>
+        <a:xfrm>
+          <a:off x="5778914" y="3176402"/>
+          <a:ext cx="3600000" cy="720000"/>
+        </a:xfrm>
+        <a:prstGeom prst="rect">
+          <a:avLst/>
+        </a:prstGeom>
+        <a:noFill/>
+        <a:ln>
+          <a:noFill/>
+        </a:ln>
+        <a:effectLst/>
+      </dsp:spPr>
+      <dsp:style>
+        <a:lnRef idx="0">
+          <a:scrgbClr r="0" g="0" b="0"/>
+        </a:lnRef>
+        <a:fillRef idx="0">
+          <a:scrgbClr r="0" g="0" b="0"/>
+        </a:fillRef>
+        <a:effectRef idx="0">
+          <a:scrgbClr r="0" g="0" b="0"/>
+        </a:effectRef>
+        <a:fontRef idx="minor"/>
+      </dsp:style>
+      <dsp:txBody>
+        <a:bodyPr spcFirstLastPara="0" vert="horz" wrap="square" lIns="0" tIns="0" rIns="0" bIns="0" numCol="1" spcCol="1270" anchor="t" anchorCtr="0">
+          <a:noAutofit/>
+        </a:bodyPr>
+        <a:lstStyle/>
+        <a:p>
+          <a:pPr marL="0" lvl="0" indent="0" algn="ctr" defTabSz="711200">
+            <a:lnSpc>
+              <a:spcPct val="90000"/>
+            </a:lnSpc>
+            <a:spcBef>
+              <a:spcPct val="0"/>
+            </a:spcBef>
+            <a:spcAft>
+              <a:spcPct val="35000"/>
+            </a:spcAft>
+            <a:buNone/>
+            <a:defRPr cap="all"/>
+          </a:pPr>
+          <a:r>
+            <a:rPr lang="en-US" sz="1600" kern="1200"/>
+            <a:t>https://github.com/JoelAbbott/git-githubPresentation.git</a:t>
+          </a:r>
+        </a:p>
+      </dsp:txBody>
+      <dsp:txXfrm>
+        <a:off x="5778914" y="3176402"/>
+        <a:ext cx="3600000" cy="720000"/>
+      </dsp:txXfrm>
+    </dsp:sp>
+  </dsp:spTree>
+</dsp:drawing>
+</file>
+
 <file path=ppt/diagrams/layout1.xml><?xml version="1.0" encoding="utf-8"?>
 <dgm:layoutDef xmlns:dgm="http://schemas.openxmlformats.org/drawingml/2006/diagram" xmlns:a="http://schemas.openxmlformats.org/drawingml/2006/main" uniqueId="urn:microsoft.com/office/officeart/2005/8/layout/hierarchy1">
   <dgm:title val=""/>
@@ -9455,6 +10956,233 @@
 </dgm:layoutDef>
 </file>
 
+<file path=ppt/diagrams/layout5.xml><?xml version="1.0" encoding="utf-8"?>
+<dgm:layoutDef xmlns:dgm="http://schemas.openxmlformats.org/drawingml/2006/diagram" xmlns:a="http://schemas.openxmlformats.org/drawingml/2006/main" uniqueId="urn:microsoft.com/office/officeart/2018/5/layout/IconLeafLabelList">
+  <dgm:title val="Icon Leaf Label List"/>
+  <dgm:desc val="Use to show non-sequential or grouped chunks of information accompanied by a related visuals. Works best with icons or small pictures with short text captions."/>
+  <dgm:catLst>
+    <dgm:cat type="icon" pri="500"/>
+  </dgm:catLst>
+  <dgm:sampData useDef="1">
+    <dgm:dataModel>
+      <dgm:ptLst/>
+      <dgm:bg/>
+      <dgm:whole/>
+    </dgm:dataModel>
+  </dgm:sampData>
+  <dgm:styleData useDef="1">
+    <dgm:dataModel>
+      <dgm:ptLst/>
+      <dgm:bg/>
+      <dgm:whole/>
+    </dgm:dataModel>
+  </dgm:styleData>
+  <dgm:clrData useDef="1">
+    <dgm:dataModel>
+      <dgm:ptLst/>
+      <dgm:bg/>
+      <dgm:whole/>
+    </dgm:dataModel>
+  </dgm:clrData>
+  <dgm:layoutNode name="root">
+    <dgm:varLst>
+      <dgm:dir/>
+      <dgm:resizeHandles val="exact"/>
+    </dgm:varLst>
+    <dgm:choose name="Name0">
+      <dgm:if name="Name1" axis="self" func="var" arg="dir" op="equ" val="norm">
+        <dgm:alg type="snake">
+          <dgm:param type="grDir" val="tL"/>
+          <dgm:param type="flowDir" val="row"/>
+          <dgm:param type="contDir" val="sameDir"/>
+          <dgm:param type="off" val="ctr"/>
+          <dgm:param type="vertAlign" val="mid"/>
+          <dgm:param type="horzAlign" val="ctr"/>
+        </dgm:alg>
+      </dgm:if>
+      <dgm:else name="Name2">
+        <dgm:alg type="snake">
+          <dgm:param type="grDir" val="tR"/>
+          <dgm:param type="flowDir" val="row"/>
+          <dgm:param type="contDir" val="sameDir"/>
+          <dgm:param type="off" val="ctr"/>
+          <dgm:param type="vertAlign" val="mid"/>
+          <dgm:param type="horzAlign" val="ctr"/>
+        </dgm:alg>
+      </dgm:else>
+    </dgm:choose>
+    <dgm:shape xmlns:r="http://schemas.openxmlformats.org/officeDocument/2006/relationships" r:blip="">
+      <dgm:adjLst/>
+    </dgm:shape>
+    <dgm:presOf/>
+    <dgm:choose name="Name3">
+      <dgm:if name="Name4" axis="ch" ptType="node" func="cnt" op="lte" val="2">
+        <dgm:constrLst>
+          <dgm:constr type="h" for="ch" forName="compNode" refType="h" fact="0.4"/>
+          <dgm:constr type="w" for="ch" forName="compNode" val="100"/>
+          <dgm:constr type="w" for="ch" forName="sibTrans" refType="w" refFor="ch" refForName="compNode" fact="0.175"/>
+          <dgm:constr type="sp" refType="w" refFor="ch" refForName="compNode" op="equ" fact="0.25"/>
+          <dgm:constr type="primFontSz" for="des" ptType="node" op="equ" val="44"/>
+          <dgm:constr type="h" for="des" forName="compNode" op="equ"/>
+          <dgm:constr type="h" for="des" forName="textRect" op="equ"/>
+        </dgm:constrLst>
+      </dgm:if>
+      <dgm:if name="Name5" axis="ch" ptType="node" func="cnt" op="lte" val="3">
+        <dgm:constrLst>
+          <dgm:constr type="h" for="ch" forName="compNode" refType="h" fact="0.4"/>
+          <dgm:constr type="w" for="ch" forName="compNode" val="100"/>
+          <dgm:constr type="w" for="ch" forName="sibTrans" refType="w" refFor="ch" refForName="compNode" fact="0.175"/>
+          <dgm:constr type="sp" refType="w" refFor="ch" refForName="compNode" op="equ" fact="0.25"/>
+          <dgm:constr type="primFontSz" for="des" ptType="node" op="equ" val="40"/>
+          <dgm:constr type="h" for="des" forName="compNode" op="equ"/>
+          <dgm:constr type="h" for="des" forName="textRect" op="equ"/>
+        </dgm:constrLst>
+      </dgm:if>
+      <dgm:if name="Name6" axis="ch" ptType="node" func="cnt" op="lte" val="4">
+        <dgm:constrLst>
+          <dgm:constr type="h" for="ch" forName="compNode" refType="h" fact="0.4"/>
+          <dgm:constr type="w" for="ch" forName="compNode" refType="w"/>
+          <dgm:constr type="w" for="ch" forName="sibTrans" refType="w" refFor="ch" refForName="compNode" fact="0.175"/>
+          <dgm:constr type="sp" refType="w" refFor="ch" refForName="compNode" op="equ" fact="0.25"/>
+          <dgm:constr type="primFontSz" for="des" ptType="node" op="equ" val="32"/>
+          <dgm:constr type="h" for="des" forName="compNode" op="equ"/>
+          <dgm:constr type="h" for="des" forName="textRect" op="equ"/>
+        </dgm:constrLst>
+      </dgm:if>
+      <dgm:else name="Name7">
+        <dgm:constrLst>
+          <dgm:constr type="h" for="ch" forName="compNode" refType="h" fact="0.4"/>
+          <dgm:constr type="w" for="ch" forName="compNode" refType="w"/>
+          <dgm:constr type="w" for="ch" forName="sibTrans" refType="w" refFor="ch" refForName="compNode" fact="0.175"/>
+          <dgm:constr type="sp" refType="w" refFor="ch" refForName="compNode" op="equ" fact="0.25"/>
+          <dgm:constr type="primFontSz" for="des" ptType="node" op="equ" val="24"/>
+          <dgm:constr type="h" for="des" forName="compNode" op="equ"/>
+          <dgm:constr type="h" for="des" forName="textRect" op="equ"/>
+        </dgm:constrLst>
+      </dgm:else>
+    </dgm:choose>
+    <dgm:ruleLst>
+      <dgm:rule type="w" for="ch" forName="compNode" val="50" fact="NaN" max="NaN"/>
+    </dgm:ruleLst>
+    <dgm:forEach name="Name8" axis="ch" ptType="node">
+      <dgm:layoutNode name="compNode">
+        <dgm:alg type="composite"/>
+        <dgm:shape xmlns:r="http://schemas.openxmlformats.org/officeDocument/2006/relationships" r:blip="">
+          <dgm:adjLst/>
+        </dgm:shape>
+        <dgm:presOf axis="self"/>
+        <dgm:constrLst>
+          <dgm:constr type="w" for="ch" forName="iconBgRect" refType="w" fact="0.61"/>
+          <dgm:constr type="h" for="ch" forName="iconBgRect" refType="w" refFor="ch" refForName="iconBgRect"/>
+          <dgm:constr type="t" for="ch" forName="iconBgRect"/>
+          <dgm:constr type="ctrX" for="ch" forName="iconBgRect" refType="w" fact="0.5"/>
+          <dgm:constr type="w" for="ch" forName="iconRect" refType="w" fact="0.35"/>
+          <dgm:constr type="h" for="ch" forName="iconRect" refType="w" refFor="ch" refForName="iconRect"/>
+          <dgm:constr type="ctrX" for="ch" forName="iconRect" refType="ctrX" refFor="ch" refForName="iconBgRect"/>
+          <dgm:constr type="ctrY" for="ch" forName="iconRect" refType="ctrY" refFor="ch" refForName="iconBgRect"/>
+          <dgm:constr type="h" for="ch" forName="spaceRect" refType="w" fact="0.19"/>
+          <dgm:constr type="w" for="ch" forName="spaceRect" refType="w"/>
+          <dgm:constr type="l" for="ch" forName="spaceRect"/>
+          <dgm:constr type="t" for="ch" forName="spaceRect" refType="b" refFor="ch" refForName="iconBgRect"/>
+          <dgm:constr type="h" for="ch" forName="textRect" val="20"/>
+          <dgm:constr type="w" for="ch" forName="textRect" refType="w"/>
+          <dgm:constr type="l" for="ch" forName="textRect"/>
+          <dgm:constr type="t" for="ch" forName="textRect" refType="b" refFor="ch" refForName="spaceRect"/>
+        </dgm:constrLst>
+        <dgm:ruleLst>
+          <dgm:rule type="h" val="INF" fact="NaN" max="NaN"/>
+        </dgm:ruleLst>
+        <dgm:layoutNode name="iconBgRect" styleLbl="bgShp">
+          <dgm:alg type="sp"/>
+          <dgm:shape xmlns:r="http://schemas.openxmlformats.org/officeDocument/2006/relationships" type="round2DiagRect" r:blip="">
+            <dgm:adjLst/>
+            <dgm:extLst>
+              <a:ext uri="{B698B0E9-8C71-41B9-8309-B3DCBF30829C}">
+                <dgm1612:spPr xmlns:dgm1612="http://schemas.microsoft.com/office/drawing/2016/12/diagram">
+                  <a:prstGeom prst="round2DiagRect">
+                    <a:avLst>
+                      <a:gd name="adj1" fmla="val 29727"/>
+                      <a:gd name="adj2" fmla="val 0"/>
+                    </a:avLst>
+                  </a:prstGeom>
+                </dgm1612:spPr>
+              </a:ext>
+            </dgm:extLst>
+          </dgm:shape>
+          <dgm:presOf/>
+          <dgm:constrLst/>
+          <dgm:ruleLst/>
+        </dgm:layoutNode>
+        <dgm:layoutNode name="iconRect" styleLbl="node1">
+          <dgm:alg type="sp"/>
+          <dgm:shape xmlns:r="http://schemas.openxmlformats.org/officeDocument/2006/relationships" type="rect" r:blip="" blipPhldr="1">
+            <dgm:adjLst/>
+          </dgm:shape>
+          <dgm:presOf/>
+          <dgm:constrLst/>
+          <dgm:ruleLst/>
+        </dgm:layoutNode>
+        <dgm:layoutNode name="spaceRect">
+          <dgm:alg type="sp"/>
+          <dgm:shape xmlns:r="http://schemas.openxmlformats.org/officeDocument/2006/relationships" r:blip="">
+            <dgm:adjLst/>
+          </dgm:shape>
+          <dgm:presOf/>
+          <dgm:constrLst/>
+          <dgm:ruleLst/>
+        </dgm:layoutNode>
+        <dgm:layoutNode name="textRect" styleLbl="revTx">
+          <dgm:varLst>
+            <dgm:chMax val="1"/>
+            <dgm:chPref val="1"/>
+          </dgm:varLst>
+          <dgm:alg type="tx">
+            <dgm:param type="txAnchorVert" val="t"/>
+          </dgm:alg>
+          <dgm:shape xmlns:r="http://schemas.openxmlformats.org/officeDocument/2006/relationships" type="rect" r:blip="">
+            <dgm:adjLst/>
+          </dgm:shape>
+          <dgm:presOf axis="self" ptType="node"/>
+          <dgm:constrLst>
+            <dgm:constr type="lMarg"/>
+            <dgm:constr type="rMarg"/>
+            <dgm:constr type="tMarg"/>
+            <dgm:constr type="bMarg"/>
+          </dgm:constrLst>
+          <dgm:ruleLst>
+            <dgm:rule type="primFontSz" val="11" fact="NaN" max="NaN"/>
+            <dgm:rule type="h" val="INF" fact="NaN" max="NaN"/>
+          </dgm:ruleLst>
+        </dgm:layoutNode>
+      </dgm:layoutNode>
+      <dgm:forEach name="Name9" axis="followSib" ptType="sibTrans" cnt="1">
+        <dgm:layoutNode name="sibTrans">
+          <dgm:alg type="sp"/>
+          <dgm:shape xmlns:r="http://schemas.openxmlformats.org/officeDocument/2006/relationships" r:blip="">
+            <dgm:adjLst/>
+          </dgm:shape>
+          <dgm:presOf axis="self"/>
+          <dgm:constrLst/>
+          <dgm:ruleLst/>
+        </dgm:layoutNode>
+      </dgm:forEach>
+    </dgm:forEach>
+  </dgm:layoutNode>
+  <dgm:extLst>
+    <a:ext uri="{68A01E43-0DF5-4B5B-8FA6-DAF915123BFB}">
+      <dgm1612:lstStyle xmlns:dgm1612="http://schemas.microsoft.com/office/drawing/2016/12/diagram">
+        <a:lvl1pPr>
+          <a:lnSpc>
+            <a:spcPct val="100000"/>
+          </a:lnSpc>
+          <a:defRPr cap="all"/>
+        </a:lvl1pPr>
+      </dgm1612:lstStyle>
+    </a:ext>
+  </dgm:extLst>
+</dgm:layoutDef>
+</file>
+
 <file path=ppt/diagrams/quickStyle1.xml><?xml version="1.0" encoding="utf-8"?>
 <dgm:styleDef xmlns:dgm="http://schemas.openxmlformats.org/drawingml/2006/diagram" xmlns:a="http://schemas.openxmlformats.org/drawingml/2006/main" uniqueId="urn:microsoft.com/office/officeart/2005/8/quickstyle/simple1">
   <dgm:title val=""/>
@@ -12558,6 +14286,1040 @@
 </file>
 
 <file path=ppt/diagrams/quickStyle4.xml><?xml version="1.0" encoding="utf-8"?>
+<dgm:styleDef xmlns:dgm="http://schemas.openxmlformats.org/drawingml/2006/diagram" xmlns:a="http://schemas.openxmlformats.org/drawingml/2006/main" uniqueId="urn:microsoft.com/office/officeart/2005/8/quickstyle/simple1">
+  <dgm:title val=""/>
+  <dgm:desc val=""/>
+  <dgm:catLst>
+    <dgm:cat type="simple" pri="10100"/>
+  </dgm:catLst>
+  <dgm:scene3d>
+    <a:camera prst="orthographicFront"/>
+    <a:lightRig rig="threePt" dir="t"/>
+  </dgm:scene3d>
+  <dgm:styleLbl name="node0">
+    <dgm:scene3d>
+      <a:camera prst="orthographicFront"/>
+      <a:lightRig rig="threePt" dir="t"/>
+    </dgm:scene3d>
+    <dgm:sp3d/>
+    <dgm:txPr/>
+    <dgm:style>
+      <a:lnRef idx="2">
+        <a:scrgbClr r="0" g="0" b="0"/>
+      </a:lnRef>
+      <a:fillRef idx="1">
+        <a:scrgbClr r="0" g="0" b="0"/>
+      </a:fillRef>
+      <a:effectRef idx="0">
+        <a:scrgbClr r="0" g="0" b="0"/>
+      </a:effectRef>
+      <a:fontRef idx="minor">
+        <a:schemeClr val="lt1"/>
+      </a:fontRef>
+    </dgm:style>
+  </dgm:styleLbl>
+  <dgm:styleLbl name="lnNode1">
+    <dgm:scene3d>
+      <a:camera prst="orthographicFront"/>
+      <a:lightRig rig="threePt" dir="t"/>
+    </dgm:scene3d>
+    <dgm:sp3d/>
+    <dgm:txPr/>
+    <dgm:style>
+      <a:lnRef idx="2">
+        <a:scrgbClr r="0" g="0" b="0"/>
+      </a:lnRef>
+      <a:fillRef idx="1">
+        <a:scrgbClr r="0" g="0" b="0"/>
+      </a:fillRef>
+      <a:effectRef idx="0">
+        <a:scrgbClr r="0" g="0" b="0"/>
+      </a:effectRef>
+      <a:fontRef idx="minor">
+        <a:schemeClr val="lt1"/>
+      </a:fontRef>
+    </dgm:style>
+  </dgm:styleLbl>
+  <dgm:styleLbl name="vennNode1">
+    <dgm:scene3d>
+      <a:camera prst="orthographicFront"/>
+      <a:lightRig rig="threePt" dir="t"/>
+    </dgm:scene3d>
+    <dgm:sp3d/>
+    <dgm:txPr/>
+    <dgm:style>
+      <a:lnRef idx="2">
+        <a:scrgbClr r="0" g="0" b="0"/>
+      </a:lnRef>
+      <a:fillRef idx="1">
+        <a:scrgbClr r="0" g="0" b="0"/>
+      </a:fillRef>
+      <a:effectRef idx="0">
+        <a:scrgbClr r="0" g="0" b="0"/>
+      </a:effectRef>
+      <a:fontRef idx="minor">
+        <a:schemeClr val="tx1"/>
+      </a:fontRef>
+    </dgm:style>
+  </dgm:styleLbl>
+  <dgm:styleLbl name="alignNode1">
+    <dgm:scene3d>
+      <a:camera prst="orthographicFront"/>
+      <a:lightRig rig="threePt" dir="t"/>
+    </dgm:scene3d>
+    <dgm:sp3d/>
+    <dgm:txPr/>
+    <dgm:style>
+      <a:lnRef idx="2">
+        <a:scrgbClr r="0" g="0" b="0"/>
+      </a:lnRef>
+      <a:fillRef idx="1">
+        <a:scrgbClr r="0" g="0" b="0"/>
+      </a:fillRef>
+      <a:effectRef idx="0">
+        <a:scrgbClr r="0" g="0" b="0"/>
+      </a:effectRef>
+      <a:fontRef idx="minor">
+        <a:schemeClr val="lt1"/>
+      </a:fontRef>
+    </dgm:style>
+  </dgm:styleLbl>
+  <dgm:styleLbl name="node1">
+    <dgm:scene3d>
+      <a:camera prst="orthographicFront"/>
+      <a:lightRig rig="threePt" dir="t"/>
+    </dgm:scene3d>
+    <dgm:sp3d/>
+    <dgm:txPr/>
+    <dgm:style>
+      <a:lnRef idx="2">
+        <a:scrgbClr r="0" g="0" b="0"/>
+      </a:lnRef>
+      <a:fillRef idx="1">
+        <a:scrgbClr r="0" g="0" b="0"/>
+      </a:fillRef>
+      <a:effectRef idx="0">
+        <a:scrgbClr r="0" g="0" b="0"/>
+      </a:effectRef>
+      <a:fontRef idx="minor">
+        <a:schemeClr val="lt1"/>
+      </a:fontRef>
+    </dgm:style>
+  </dgm:styleLbl>
+  <dgm:styleLbl name="node2">
+    <dgm:scene3d>
+      <a:camera prst="orthographicFront"/>
+      <a:lightRig rig="threePt" dir="t"/>
+    </dgm:scene3d>
+    <dgm:sp3d/>
+    <dgm:txPr/>
+    <dgm:style>
+      <a:lnRef idx="2">
+        <a:scrgbClr r="0" g="0" b="0"/>
+      </a:lnRef>
+      <a:fillRef idx="1">
+        <a:scrgbClr r="0" g="0" b="0"/>
+      </a:fillRef>
+      <a:effectRef idx="0">
+        <a:scrgbClr r="0" g="0" b="0"/>
+      </a:effectRef>
+      <a:fontRef idx="minor">
+        <a:schemeClr val="lt1"/>
+      </a:fontRef>
+    </dgm:style>
+  </dgm:styleLbl>
+  <dgm:styleLbl name="node3">
+    <dgm:scene3d>
+      <a:camera prst="orthographicFront"/>
+      <a:lightRig rig="threePt" dir="t"/>
+    </dgm:scene3d>
+    <dgm:sp3d/>
+    <dgm:txPr/>
+    <dgm:style>
+      <a:lnRef idx="2">
+        <a:scrgbClr r="0" g="0" b="0"/>
+      </a:lnRef>
+      <a:fillRef idx="1">
+        <a:scrgbClr r="0" g="0" b="0"/>
+      </a:fillRef>
+      <a:effectRef idx="0">
+        <a:scrgbClr r="0" g="0" b="0"/>
+      </a:effectRef>
+      <a:fontRef idx="minor">
+        <a:schemeClr val="lt1"/>
+      </a:fontRef>
+    </dgm:style>
+  </dgm:styleLbl>
+  <dgm:styleLbl name="node4">
+    <dgm:scene3d>
+      <a:camera prst="orthographicFront"/>
+      <a:lightRig rig="threePt" dir="t"/>
+    </dgm:scene3d>
+    <dgm:sp3d/>
+    <dgm:txPr/>
+    <dgm:style>
+      <a:lnRef idx="2">
+        <a:scrgbClr r="0" g="0" b="0"/>
+      </a:lnRef>
+      <a:fillRef idx="1">
+        <a:scrgbClr r="0" g="0" b="0"/>
+      </a:fillRef>
+      <a:effectRef idx="0">
+        <a:scrgbClr r="0" g="0" b="0"/>
+      </a:effectRef>
+      <a:fontRef idx="minor">
+        <a:schemeClr val="lt1"/>
+      </a:fontRef>
+    </dgm:style>
+  </dgm:styleLbl>
+  <dgm:styleLbl name="fgImgPlace1">
+    <dgm:scene3d>
+      <a:camera prst="orthographicFront"/>
+      <a:lightRig rig="threePt" dir="t"/>
+    </dgm:scene3d>
+    <dgm:sp3d/>
+    <dgm:txPr/>
+    <dgm:style>
+      <a:lnRef idx="2">
+        <a:scrgbClr r="0" g="0" b="0"/>
+      </a:lnRef>
+      <a:fillRef idx="1">
+        <a:scrgbClr r="0" g="0" b="0"/>
+      </a:fillRef>
+      <a:effectRef idx="0">
+        <a:scrgbClr r="0" g="0" b="0"/>
+      </a:effectRef>
+      <a:fontRef idx="minor"/>
+    </dgm:style>
+  </dgm:styleLbl>
+  <dgm:styleLbl name="alignImgPlace1">
+    <dgm:scene3d>
+      <a:camera prst="orthographicFront"/>
+      <a:lightRig rig="threePt" dir="t"/>
+    </dgm:scene3d>
+    <dgm:sp3d/>
+    <dgm:txPr/>
+    <dgm:style>
+      <a:lnRef idx="2">
+        <a:scrgbClr r="0" g="0" b="0"/>
+      </a:lnRef>
+      <a:fillRef idx="1">
+        <a:scrgbClr r="0" g="0" b="0"/>
+      </a:fillRef>
+      <a:effectRef idx="0">
+        <a:scrgbClr r="0" g="0" b="0"/>
+      </a:effectRef>
+      <a:fontRef idx="minor"/>
+    </dgm:style>
+  </dgm:styleLbl>
+  <dgm:styleLbl name="bgImgPlace1">
+    <dgm:scene3d>
+      <a:camera prst="orthographicFront"/>
+      <a:lightRig rig="threePt" dir="t"/>
+    </dgm:scene3d>
+    <dgm:sp3d/>
+    <dgm:txPr/>
+    <dgm:style>
+      <a:lnRef idx="2">
+        <a:scrgbClr r="0" g="0" b="0"/>
+      </a:lnRef>
+      <a:fillRef idx="1">
+        <a:scrgbClr r="0" g="0" b="0"/>
+      </a:fillRef>
+      <a:effectRef idx="0">
+        <a:scrgbClr r="0" g="0" b="0"/>
+      </a:effectRef>
+      <a:fontRef idx="minor"/>
+    </dgm:style>
+  </dgm:styleLbl>
+  <dgm:styleLbl name="sibTrans2D1">
+    <dgm:scene3d>
+      <a:camera prst="orthographicFront"/>
+      <a:lightRig rig="threePt" dir="t"/>
+    </dgm:scene3d>
+    <dgm:sp3d/>
+    <dgm:txPr/>
+    <dgm:style>
+      <a:lnRef idx="0">
+        <a:scrgbClr r="0" g="0" b="0"/>
+      </a:lnRef>
+      <a:fillRef idx="1">
+        <a:scrgbClr r="0" g="0" b="0"/>
+      </a:fillRef>
+      <a:effectRef idx="0">
+        <a:scrgbClr r="0" g="0" b="0"/>
+      </a:effectRef>
+      <a:fontRef idx="minor">
+        <a:schemeClr val="lt1"/>
+      </a:fontRef>
+    </dgm:style>
+  </dgm:styleLbl>
+  <dgm:styleLbl name="fgSibTrans2D1">
+    <dgm:scene3d>
+      <a:camera prst="orthographicFront"/>
+      <a:lightRig rig="threePt" dir="t"/>
+    </dgm:scene3d>
+    <dgm:sp3d/>
+    <dgm:txPr/>
+    <dgm:style>
+      <a:lnRef idx="0">
+        <a:scrgbClr r="0" g="0" b="0"/>
+      </a:lnRef>
+      <a:fillRef idx="1">
+        <a:scrgbClr r="0" g="0" b="0"/>
+      </a:fillRef>
+      <a:effectRef idx="0">
+        <a:scrgbClr r="0" g="0" b="0"/>
+      </a:effectRef>
+      <a:fontRef idx="minor">
+        <a:schemeClr val="lt1"/>
+      </a:fontRef>
+    </dgm:style>
+  </dgm:styleLbl>
+  <dgm:styleLbl name="bgSibTrans2D1">
+    <dgm:scene3d>
+      <a:camera prst="orthographicFront"/>
+      <a:lightRig rig="threePt" dir="t"/>
+    </dgm:scene3d>
+    <dgm:sp3d/>
+    <dgm:txPr/>
+    <dgm:style>
+      <a:lnRef idx="0">
+        <a:scrgbClr r="0" g="0" b="0"/>
+      </a:lnRef>
+      <a:fillRef idx="1">
+        <a:scrgbClr r="0" g="0" b="0"/>
+      </a:fillRef>
+      <a:effectRef idx="0">
+        <a:scrgbClr r="0" g="0" b="0"/>
+      </a:effectRef>
+      <a:fontRef idx="minor">
+        <a:schemeClr val="lt1"/>
+      </a:fontRef>
+    </dgm:style>
+  </dgm:styleLbl>
+  <dgm:styleLbl name="sibTrans1D1">
+    <dgm:scene3d>
+      <a:camera prst="orthographicFront"/>
+      <a:lightRig rig="threePt" dir="t"/>
+    </dgm:scene3d>
+    <dgm:sp3d/>
+    <dgm:txPr/>
+    <dgm:style>
+      <a:lnRef idx="1">
+        <a:scrgbClr r="0" g="0" b="0"/>
+      </a:lnRef>
+      <a:fillRef idx="0">
+        <a:scrgbClr r="0" g="0" b="0"/>
+      </a:fillRef>
+      <a:effectRef idx="0">
+        <a:scrgbClr r="0" g="0" b="0"/>
+      </a:effectRef>
+      <a:fontRef idx="minor"/>
+    </dgm:style>
+  </dgm:styleLbl>
+  <dgm:styleLbl name="callout">
+    <dgm:scene3d>
+      <a:camera prst="orthographicFront"/>
+      <a:lightRig rig="threePt" dir="t"/>
+    </dgm:scene3d>
+    <dgm:sp3d/>
+    <dgm:txPr/>
+    <dgm:style>
+      <a:lnRef idx="2">
+        <a:scrgbClr r="0" g="0" b="0"/>
+      </a:lnRef>
+      <a:fillRef idx="1">
+        <a:scrgbClr r="0" g="0" b="0"/>
+      </a:fillRef>
+      <a:effectRef idx="0">
+        <a:scrgbClr r="0" g="0" b="0"/>
+      </a:effectRef>
+      <a:fontRef idx="minor"/>
+    </dgm:style>
+  </dgm:styleLbl>
+  <dgm:styleLbl name="asst0">
+    <dgm:scene3d>
+      <a:camera prst="orthographicFront"/>
+      <a:lightRig rig="threePt" dir="t"/>
+    </dgm:scene3d>
+    <dgm:sp3d/>
+    <dgm:txPr/>
+    <dgm:style>
+      <a:lnRef idx="2">
+        <a:scrgbClr r="0" g="0" b="0"/>
+      </a:lnRef>
+      <a:fillRef idx="1">
+        <a:scrgbClr r="0" g="0" b="0"/>
+      </a:fillRef>
+      <a:effectRef idx="0">
+        <a:scrgbClr r="0" g="0" b="0"/>
+      </a:effectRef>
+      <a:fontRef idx="minor">
+        <a:schemeClr val="lt1"/>
+      </a:fontRef>
+    </dgm:style>
+  </dgm:styleLbl>
+  <dgm:styleLbl name="asst1">
+    <dgm:scene3d>
+      <a:camera prst="orthographicFront"/>
+      <a:lightRig rig="threePt" dir="t"/>
+    </dgm:scene3d>
+    <dgm:sp3d/>
+    <dgm:txPr/>
+    <dgm:style>
+      <a:lnRef idx="2">
+        <a:scrgbClr r="0" g="0" b="0"/>
+      </a:lnRef>
+      <a:fillRef idx="1">
+        <a:scrgbClr r="0" g="0" b="0"/>
+      </a:fillRef>
+      <a:effectRef idx="0">
+        <a:scrgbClr r="0" g="0" b="0"/>
+      </a:effectRef>
+      <a:fontRef idx="minor">
+        <a:schemeClr val="lt1"/>
+      </a:fontRef>
+    </dgm:style>
+  </dgm:styleLbl>
+  <dgm:styleLbl name="asst2">
+    <dgm:scene3d>
+      <a:camera prst="orthographicFront"/>
+      <a:lightRig rig="threePt" dir="t"/>
+    </dgm:scene3d>
+    <dgm:sp3d/>
+    <dgm:txPr/>
+    <dgm:style>
+      <a:lnRef idx="2">
+        <a:scrgbClr r="0" g="0" b="0"/>
+      </a:lnRef>
+      <a:fillRef idx="1">
+        <a:scrgbClr r="0" g="0" b="0"/>
+      </a:fillRef>
+      <a:effectRef idx="0">
+        <a:scrgbClr r="0" g="0" b="0"/>
+      </a:effectRef>
+      <a:fontRef idx="minor">
+        <a:schemeClr val="lt1"/>
+      </a:fontRef>
+    </dgm:style>
+  </dgm:styleLbl>
+  <dgm:styleLbl name="asst3">
+    <dgm:scene3d>
+      <a:camera prst="orthographicFront"/>
+      <a:lightRig rig="threePt" dir="t"/>
+    </dgm:scene3d>
+    <dgm:sp3d/>
+    <dgm:txPr/>
+    <dgm:style>
+      <a:lnRef idx="2">
+        <a:scrgbClr r="0" g="0" b="0"/>
+      </a:lnRef>
+      <a:fillRef idx="1">
+        <a:scrgbClr r="0" g="0" b="0"/>
+      </a:fillRef>
+      <a:effectRef idx="0">
+        <a:scrgbClr r="0" g="0" b="0"/>
+      </a:effectRef>
+      <a:fontRef idx="minor">
+        <a:schemeClr val="lt1"/>
+      </a:fontRef>
+    </dgm:style>
+  </dgm:styleLbl>
+  <dgm:styleLbl name="asst4">
+    <dgm:scene3d>
+      <a:camera prst="orthographicFront"/>
+      <a:lightRig rig="threePt" dir="t"/>
+    </dgm:scene3d>
+    <dgm:sp3d/>
+    <dgm:txPr/>
+    <dgm:style>
+      <a:lnRef idx="2">
+        <a:scrgbClr r="0" g="0" b="0"/>
+      </a:lnRef>
+      <a:fillRef idx="1">
+        <a:scrgbClr r="0" g="0" b="0"/>
+      </a:fillRef>
+      <a:effectRef idx="0">
+        <a:scrgbClr r="0" g="0" b="0"/>
+      </a:effectRef>
+      <a:fontRef idx="minor">
+        <a:schemeClr val="lt1"/>
+      </a:fontRef>
+    </dgm:style>
+  </dgm:styleLbl>
+  <dgm:styleLbl name="parChTrans2D1">
+    <dgm:scene3d>
+      <a:camera prst="orthographicFront"/>
+      <a:lightRig rig="threePt" dir="t"/>
+    </dgm:scene3d>
+    <dgm:sp3d/>
+    <dgm:txPr/>
+    <dgm:style>
+      <a:lnRef idx="2">
+        <a:scrgbClr r="0" g="0" b="0"/>
+      </a:lnRef>
+      <a:fillRef idx="1">
+        <a:scrgbClr r="0" g="0" b="0"/>
+      </a:fillRef>
+      <a:effectRef idx="0">
+        <a:scrgbClr r="0" g="0" b="0"/>
+      </a:effectRef>
+      <a:fontRef idx="minor">
+        <a:schemeClr val="lt1"/>
+      </a:fontRef>
+    </dgm:style>
+  </dgm:styleLbl>
+  <dgm:styleLbl name="parChTrans2D2">
+    <dgm:scene3d>
+      <a:camera prst="orthographicFront"/>
+      <a:lightRig rig="threePt" dir="t"/>
+    </dgm:scene3d>
+    <dgm:sp3d/>
+    <dgm:txPr/>
+    <dgm:style>
+      <a:lnRef idx="2">
+        <a:scrgbClr r="0" g="0" b="0"/>
+      </a:lnRef>
+      <a:fillRef idx="1">
+        <a:scrgbClr r="0" g="0" b="0"/>
+      </a:fillRef>
+      <a:effectRef idx="0">
+        <a:scrgbClr r="0" g="0" b="0"/>
+      </a:effectRef>
+      <a:fontRef idx="minor">
+        <a:schemeClr val="lt1"/>
+      </a:fontRef>
+    </dgm:style>
+  </dgm:styleLbl>
+  <dgm:styleLbl name="parChTrans2D3">
+    <dgm:scene3d>
+      <a:camera prst="orthographicFront"/>
+      <a:lightRig rig="threePt" dir="t"/>
+    </dgm:scene3d>
+    <dgm:sp3d/>
+    <dgm:txPr/>
+    <dgm:style>
+      <a:lnRef idx="2">
+        <a:scrgbClr r="0" g="0" b="0"/>
+      </a:lnRef>
+      <a:fillRef idx="1">
+        <a:scrgbClr r="0" g="0" b="0"/>
+      </a:fillRef>
+      <a:effectRef idx="0">
+        <a:scrgbClr r="0" g="0" b="0"/>
+      </a:effectRef>
+      <a:fontRef idx="minor">
+        <a:schemeClr val="lt1"/>
+      </a:fontRef>
+    </dgm:style>
+  </dgm:styleLbl>
+  <dgm:styleLbl name="parChTrans2D4">
+    <dgm:scene3d>
+      <a:camera prst="orthographicFront"/>
+      <a:lightRig rig="threePt" dir="t"/>
+    </dgm:scene3d>
+    <dgm:sp3d/>
+    <dgm:txPr/>
+    <dgm:style>
+      <a:lnRef idx="2">
+        <a:scrgbClr r="0" g="0" b="0"/>
+      </a:lnRef>
+      <a:fillRef idx="1">
+        <a:scrgbClr r="0" g="0" b="0"/>
+      </a:fillRef>
+      <a:effectRef idx="0">
+        <a:scrgbClr r="0" g="0" b="0"/>
+      </a:effectRef>
+      <a:fontRef idx="minor">
+        <a:schemeClr val="lt1"/>
+      </a:fontRef>
+    </dgm:style>
+  </dgm:styleLbl>
+  <dgm:styleLbl name="parChTrans1D1">
+    <dgm:scene3d>
+      <a:camera prst="orthographicFront"/>
+      <a:lightRig rig="threePt" dir="t"/>
+    </dgm:scene3d>
+    <dgm:sp3d/>
+    <dgm:txPr/>
+    <dgm:style>
+      <a:lnRef idx="2">
+        <a:scrgbClr r="0" g="0" b="0"/>
+      </a:lnRef>
+      <a:fillRef idx="0">
+        <a:scrgbClr r="0" g="0" b="0"/>
+      </a:fillRef>
+      <a:effectRef idx="0">
+        <a:scrgbClr r="0" g="0" b="0"/>
+      </a:effectRef>
+      <a:fontRef idx="minor"/>
+    </dgm:style>
+  </dgm:styleLbl>
+  <dgm:styleLbl name="parChTrans1D2">
+    <dgm:scene3d>
+      <a:camera prst="orthographicFront"/>
+      <a:lightRig rig="threePt" dir="t"/>
+    </dgm:scene3d>
+    <dgm:sp3d/>
+    <dgm:txPr/>
+    <dgm:style>
+      <a:lnRef idx="2">
+        <a:scrgbClr r="0" g="0" b="0"/>
+      </a:lnRef>
+      <a:fillRef idx="0">
+        <a:scrgbClr r="0" g="0" b="0"/>
+      </a:fillRef>
+      <a:effectRef idx="0">
+        <a:scrgbClr r="0" g="0" b="0"/>
+      </a:effectRef>
+      <a:fontRef idx="minor"/>
+    </dgm:style>
+  </dgm:styleLbl>
+  <dgm:styleLbl name="parChTrans1D3">
+    <dgm:scene3d>
+      <a:camera prst="orthographicFront"/>
+      <a:lightRig rig="threePt" dir="t"/>
+    </dgm:scene3d>
+    <dgm:sp3d/>
+    <dgm:txPr/>
+    <dgm:style>
+      <a:lnRef idx="2">
+        <a:scrgbClr r="0" g="0" b="0"/>
+      </a:lnRef>
+      <a:fillRef idx="0">
+        <a:scrgbClr r="0" g="0" b="0"/>
+      </a:fillRef>
+      <a:effectRef idx="0">
+        <a:scrgbClr r="0" g="0" b="0"/>
+      </a:effectRef>
+      <a:fontRef idx="minor"/>
+    </dgm:style>
+  </dgm:styleLbl>
+  <dgm:styleLbl name="parChTrans1D4">
+    <dgm:scene3d>
+      <a:camera prst="orthographicFront"/>
+      <a:lightRig rig="threePt" dir="t"/>
+    </dgm:scene3d>
+    <dgm:sp3d/>
+    <dgm:txPr/>
+    <dgm:style>
+      <a:lnRef idx="2">
+        <a:scrgbClr r="0" g="0" b="0"/>
+      </a:lnRef>
+      <a:fillRef idx="0">
+        <a:scrgbClr r="0" g="0" b="0"/>
+      </a:fillRef>
+      <a:effectRef idx="0">
+        <a:scrgbClr r="0" g="0" b="0"/>
+      </a:effectRef>
+      <a:fontRef idx="minor"/>
+    </dgm:style>
+  </dgm:styleLbl>
+  <dgm:styleLbl name="fgAcc1">
+    <dgm:scene3d>
+      <a:camera prst="orthographicFront"/>
+      <a:lightRig rig="threePt" dir="t"/>
+    </dgm:scene3d>
+    <dgm:sp3d/>
+    <dgm:txPr/>
+    <dgm:style>
+      <a:lnRef idx="2">
+        <a:scrgbClr r="0" g="0" b="0"/>
+      </a:lnRef>
+      <a:fillRef idx="1">
+        <a:scrgbClr r="0" g="0" b="0"/>
+      </a:fillRef>
+      <a:effectRef idx="0">
+        <a:scrgbClr r="0" g="0" b="0"/>
+      </a:effectRef>
+      <a:fontRef idx="minor"/>
+    </dgm:style>
+  </dgm:styleLbl>
+  <dgm:styleLbl name="conFgAcc1">
+    <dgm:scene3d>
+      <a:camera prst="orthographicFront"/>
+      <a:lightRig rig="threePt" dir="t"/>
+    </dgm:scene3d>
+    <dgm:sp3d/>
+    <dgm:txPr/>
+    <dgm:style>
+      <a:lnRef idx="2">
+        <a:scrgbClr r="0" g="0" b="0"/>
+      </a:lnRef>
+      <a:fillRef idx="1">
+        <a:scrgbClr r="0" g="0" b="0"/>
+      </a:fillRef>
+      <a:effectRef idx="0">
+        <a:scrgbClr r="0" g="0" b="0"/>
+      </a:effectRef>
+      <a:fontRef idx="minor"/>
+    </dgm:style>
+  </dgm:styleLbl>
+  <dgm:styleLbl name="alignAcc1">
+    <dgm:scene3d>
+      <a:camera prst="orthographicFront"/>
+      <a:lightRig rig="threePt" dir="t"/>
+    </dgm:scene3d>
+    <dgm:sp3d/>
+    <dgm:txPr/>
+    <dgm:style>
+      <a:lnRef idx="2">
+        <a:scrgbClr r="0" g="0" b="0"/>
+      </a:lnRef>
+      <a:fillRef idx="1">
+        <a:scrgbClr r="0" g="0" b="0"/>
+      </a:fillRef>
+      <a:effectRef idx="0">
+        <a:scrgbClr r="0" g="0" b="0"/>
+      </a:effectRef>
+      <a:fontRef idx="minor"/>
+    </dgm:style>
+  </dgm:styleLbl>
+  <dgm:styleLbl name="trAlignAcc1">
+    <dgm:scene3d>
+      <a:camera prst="orthographicFront"/>
+      <a:lightRig rig="threePt" dir="t"/>
+    </dgm:scene3d>
+    <dgm:sp3d/>
+    <dgm:txPr/>
+    <dgm:style>
+      <a:lnRef idx="1">
+        <a:scrgbClr r="0" g="0" b="0"/>
+      </a:lnRef>
+      <a:fillRef idx="1">
+        <a:scrgbClr r="0" g="0" b="0"/>
+      </a:fillRef>
+      <a:effectRef idx="0">
+        <a:scrgbClr r="0" g="0" b="0"/>
+      </a:effectRef>
+      <a:fontRef idx="minor"/>
+    </dgm:style>
+  </dgm:styleLbl>
+  <dgm:styleLbl name="bgAcc1">
+    <dgm:scene3d>
+      <a:camera prst="orthographicFront"/>
+      <a:lightRig rig="threePt" dir="t"/>
+    </dgm:scene3d>
+    <dgm:sp3d/>
+    <dgm:txPr/>
+    <dgm:style>
+      <a:lnRef idx="2">
+        <a:scrgbClr r="0" g="0" b="0"/>
+      </a:lnRef>
+      <a:fillRef idx="1">
+        <a:scrgbClr r="0" g="0" b="0"/>
+      </a:fillRef>
+      <a:effectRef idx="0">
+        <a:scrgbClr r="0" g="0" b="0"/>
+      </a:effectRef>
+      <a:fontRef idx="minor"/>
+    </dgm:style>
+  </dgm:styleLbl>
+  <dgm:styleLbl name="solidFgAcc1">
+    <dgm:scene3d>
+      <a:camera prst="orthographicFront"/>
+      <a:lightRig rig="threePt" dir="t"/>
+    </dgm:scene3d>
+    <dgm:sp3d/>
+    <dgm:txPr/>
+    <dgm:style>
+      <a:lnRef idx="2">
+        <a:scrgbClr r="0" g="0" b="0"/>
+      </a:lnRef>
+      <a:fillRef idx="1">
+        <a:scrgbClr r="0" g="0" b="0"/>
+      </a:fillRef>
+      <a:effectRef idx="0">
+        <a:scrgbClr r="0" g="0" b="0"/>
+      </a:effectRef>
+      <a:fontRef idx="minor"/>
+    </dgm:style>
+  </dgm:styleLbl>
+  <dgm:styleLbl name="solidAlignAcc1">
+    <dgm:scene3d>
+      <a:camera prst="orthographicFront"/>
+      <a:lightRig rig="threePt" dir="t"/>
+    </dgm:scene3d>
+    <dgm:sp3d/>
+    <dgm:txPr/>
+    <dgm:style>
+      <a:lnRef idx="2">
+        <a:scrgbClr r="0" g="0" b="0"/>
+      </a:lnRef>
+      <a:fillRef idx="1">
+        <a:scrgbClr r="0" g="0" b="0"/>
+      </a:fillRef>
+      <a:effectRef idx="0">
+        <a:scrgbClr r="0" g="0" b="0"/>
+      </a:effectRef>
+      <a:fontRef idx="minor"/>
+    </dgm:style>
+  </dgm:styleLbl>
+  <dgm:styleLbl name="solidBgAcc1">
+    <dgm:scene3d>
+      <a:camera prst="orthographicFront"/>
+      <a:lightRig rig="threePt" dir="t"/>
+    </dgm:scene3d>
+    <dgm:sp3d/>
+    <dgm:txPr/>
+    <dgm:style>
+      <a:lnRef idx="2">
+        <a:scrgbClr r="0" g="0" b="0"/>
+      </a:lnRef>
+      <a:fillRef idx="1">
+        <a:scrgbClr r="0" g="0" b="0"/>
+      </a:fillRef>
+      <a:effectRef idx="0">
+        <a:scrgbClr r="0" g="0" b="0"/>
+      </a:effectRef>
+      <a:fontRef idx="minor"/>
+    </dgm:style>
+  </dgm:styleLbl>
+  <dgm:styleLbl name="fgAccFollowNode1">
+    <dgm:scene3d>
+      <a:camera prst="orthographicFront"/>
+      <a:lightRig rig="threePt" dir="t"/>
+    </dgm:scene3d>
+    <dgm:sp3d/>
+    <dgm:txPr/>
+    <dgm:style>
+      <a:lnRef idx="2">
+        <a:scrgbClr r="0" g="0" b="0"/>
+      </a:lnRef>
+      <a:fillRef idx="1">
+        <a:scrgbClr r="0" g="0" b="0"/>
+      </a:fillRef>
+      <a:effectRef idx="0">
+        <a:scrgbClr r="0" g="0" b="0"/>
+      </a:effectRef>
+      <a:fontRef idx="minor"/>
+    </dgm:style>
+  </dgm:styleLbl>
+  <dgm:styleLbl name="alignAccFollowNode1">
+    <dgm:scene3d>
+      <a:camera prst="orthographicFront"/>
+      <a:lightRig rig="threePt" dir="t"/>
+    </dgm:scene3d>
+    <dgm:sp3d/>
+    <dgm:txPr/>
+    <dgm:style>
+      <a:lnRef idx="2">
+        <a:scrgbClr r="0" g="0" b="0"/>
+      </a:lnRef>
+      <a:fillRef idx="1">
+        <a:scrgbClr r="0" g="0" b="0"/>
+      </a:fillRef>
+      <a:effectRef idx="0">
+        <a:scrgbClr r="0" g="0" b="0"/>
+      </a:effectRef>
+      <a:fontRef idx="minor"/>
+    </dgm:style>
+  </dgm:styleLbl>
+  <dgm:styleLbl name="bgAccFollowNode1">
+    <dgm:scene3d>
+      <a:camera prst="orthographicFront"/>
+      <a:lightRig rig="threePt" dir="t"/>
+    </dgm:scene3d>
+    <dgm:sp3d/>
+    <dgm:txPr/>
+    <dgm:style>
+      <a:lnRef idx="2">
+        <a:scrgbClr r="0" g="0" b="0"/>
+      </a:lnRef>
+      <a:fillRef idx="1">
+        <a:scrgbClr r="0" g="0" b="0"/>
+      </a:fillRef>
+      <a:effectRef idx="0">
+        <a:scrgbClr r="0" g="0" b="0"/>
+      </a:effectRef>
+      <a:fontRef idx="minor"/>
+    </dgm:style>
+  </dgm:styleLbl>
+  <dgm:styleLbl name="fgAcc0">
+    <dgm:scene3d>
+      <a:camera prst="orthographicFront"/>
+      <a:lightRig rig="threePt" dir="t"/>
+    </dgm:scene3d>
+    <dgm:sp3d/>
+    <dgm:txPr/>
+    <dgm:style>
+      <a:lnRef idx="2">
+        <a:scrgbClr r="0" g="0" b="0"/>
+      </a:lnRef>
+      <a:fillRef idx="1">
+        <a:scrgbClr r="0" g="0" b="0"/>
+      </a:fillRef>
+      <a:effectRef idx="0">
+        <a:scrgbClr r="0" g="0" b="0"/>
+      </a:effectRef>
+      <a:fontRef idx="minor"/>
+    </dgm:style>
+  </dgm:styleLbl>
+  <dgm:styleLbl name="fgAcc2">
+    <dgm:scene3d>
+      <a:camera prst="orthographicFront"/>
+      <a:lightRig rig="threePt" dir="t"/>
+    </dgm:scene3d>
+    <dgm:sp3d/>
+    <dgm:txPr/>
+    <dgm:style>
+      <a:lnRef idx="2">
+        <a:scrgbClr r="0" g="0" b="0"/>
+      </a:lnRef>
+      <a:fillRef idx="1">
+        <a:scrgbClr r="0" g="0" b="0"/>
+      </a:fillRef>
+      <a:effectRef idx="0">
+        <a:scrgbClr r="0" g="0" b="0"/>
+      </a:effectRef>
+      <a:fontRef idx="minor"/>
+    </dgm:style>
+  </dgm:styleLbl>
+  <dgm:styleLbl name="fgAcc3">
+    <dgm:scene3d>
+      <a:camera prst="orthographicFront"/>
+      <a:lightRig rig="threePt" dir="t"/>
+    </dgm:scene3d>
+    <dgm:sp3d/>
+    <dgm:txPr/>
+    <dgm:style>
+      <a:lnRef idx="2">
+        <a:scrgbClr r="0" g="0" b="0"/>
+      </a:lnRef>
+      <a:fillRef idx="1">
+        <a:scrgbClr r="0" g="0" b="0"/>
+      </a:fillRef>
+      <a:effectRef idx="0">
+        <a:scrgbClr r="0" g="0" b="0"/>
+      </a:effectRef>
+      <a:fontRef idx="minor"/>
+    </dgm:style>
+  </dgm:styleLbl>
+  <dgm:styleLbl name="fgAcc4">
+    <dgm:scene3d>
+      <a:camera prst="orthographicFront"/>
+      <a:lightRig rig="threePt" dir="t"/>
+    </dgm:scene3d>
+    <dgm:sp3d/>
+    <dgm:txPr/>
+    <dgm:style>
+      <a:lnRef idx="2">
+        <a:scrgbClr r="0" g="0" b="0"/>
+      </a:lnRef>
+      <a:fillRef idx="1">
+        <a:scrgbClr r="0" g="0" b="0"/>
+      </a:fillRef>
+      <a:effectRef idx="0">
+        <a:scrgbClr r="0" g="0" b="0"/>
+      </a:effectRef>
+      <a:fontRef idx="minor"/>
+    </dgm:style>
+  </dgm:styleLbl>
+  <dgm:styleLbl name="bgShp">
+    <dgm:scene3d>
+      <a:camera prst="orthographicFront"/>
+      <a:lightRig rig="threePt" dir="t"/>
+    </dgm:scene3d>
+    <dgm:sp3d/>
+    <dgm:txPr/>
+    <dgm:style>
+      <a:lnRef idx="0">
+        <a:scrgbClr r="0" g="0" b="0"/>
+      </a:lnRef>
+      <a:fillRef idx="1">
+        <a:scrgbClr r="0" g="0" b="0"/>
+      </a:fillRef>
+      <a:effectRef idx="0">
+        <a:scrgbClr r="0" g="0" b="0"/>
+      </a:effectRef>
+      <a:fontRef idx="minor"/>
+    </dgm:style>
+  </dgm:styleLbl>
+  <dgm:styleLbl name="dkBgShp">
+    <dgm:scene3d>
+      <a:camera prst="orthographicFront"/>
+      <a:lightRig rig="threePt" dir="t"/>
+    </dgm:scene3d>
+    <dgm:sp3d/>
+    <dgm:txPr/>
+    <dgm:style>
+      <a:lnRef idx="0">
+        <a:scrgbClr r="0" g="0" b="0"/>
+      </a:lnRef>
+      <a:fillRef idx="1">
+        <a:scrgbClr r="0" g="0" b="0"/>
+      </a:fillRef>
+      <a:effectRef idx="0">
+        <a:scrgbClr r="0" g="0" b="0"/>
+      </a:effectRef>
+      <a:fontRef idx="minor"/>
+    </dgm:style>
+  </dgm:styleLbl>
+  <dgm:styleLbl name="trBgShp">
+    <dgm:scene3d>
+      <a:camera prst="orthographicFront"/>
+      <a:lightRig rig="threePt" dir="t"/>
+    </dgm:scene3d>
+    <dgm:sp3d/>
+    <dgm:txPr/>
+    <dgm:style>
+      <a:lnRef idx="0">
+        <a:scrgbClr r="0" g="0" b="0"/>
+      </a:lnRef>
+      <a:fillRef idx="1">
+        <a:scrgbClr r="0" g="0" b="0"/>
+      </a:fillRef>
+      <a:effectRef idx="0">
+        <a:scrgbClr r="0" g="0" b="0"/>
+      </a:effectRef>
+      <a:fontRef idx="minor"/>
+    </dgm:style>
+  </dgm:styleLbl>
+  <dgm:styleLbl name="fgShp">
+    <dgm:scene3d>
+      <a:camera prst="orthographicFront"/>
+      <a:lightRig rig="threePt" dir="t"/>
+    </dgm:scene3d>
+    <dgm:sp3d/>
+    <dgm:txPr/>
+    <dgm:style>
+      <a:lnRef idx="2">
+        <a:scrgbClr r="0" g="0" b="0"/>
+      </a:lnRef>
+      <a:fillRef idx="1">
+        <a:scrgbClr r="0" g="0" b="0"/>
+      </a:fillRef>
+      <a:effectRef idx="0">
+        <a:scrgbClr r="0" g="0" b="0"/>
+      </a:effectRef>
+      <a:fontRef idx="minor"/>
+    </dgm:style>
+  </dgm:styleLbl>
+  <dgm:styleLbl name="revTx">
+    <dgm:scene3d>
+      <a:camera prst="orthographicFront"/>
+      <a:lightRig rig="threePt" dir="t"/>
+    </dgm:scene3d>
+    <dgm:sp3d/>
+    <dgm:txPr/>
+    <dgm:style>
+      <a:lnRef idx="0">
+        <a:scrgbClr r="0" g="0" b="0"/>
+      </a:lnRef>
+      <a:fillRef idx="0">
+        <a:scrgbClr r="0" g="0" b="0"/>
+      </a:fillRef>
+      <a:effectRef idx="0">
+        <a:scrgbClr r="0" g="0" b="0"/>
+      </a:effectRef>
+      <a:fontRef idx="minor"/>
+    </dgm:style>
+  </dgm:styleLbl>
+</dgm:styleDef>
+</file>
+
+<file path=ppt/diagrams/quickStyle5.xml><?xml version="1.0" encoding="utf-8"?>
 <dgm:styleDef xmlns:dgm="http://schemas.openxmlformats.org/drawingml/2006/diagram" xmlns:a="http://schemas.openxmlformats.org/drawingml/2006/main" uniqueId="urn:microsoft.com/office/officeart/2005/8/quickstyle/simple1">
   <dgm:title val=""/>
   <dgm:desc val=""/>
@@ -14005,7 +16767,7 @@
           <a:p>
             <a:fld id="{57202EEF-A7E0-4B11-9905-8AEFEC87D93F}" type="slidenum">
               <a:rPr lang="en-US" smtClean="0"/>
-              <a:t>3</a:t>
+              <a:t>6</a:t>
             </a:fld>
             <a:endParaRPr lang="en-US"/>
           </a:p>
@@ -17243,6 +20005,2943 @@
           <p:cNvPr id="2" name="Title 1">
             <a:extLst>
               <a:ext uri="{FF2B5EF4-FFF2-40B4-BE49-F238E27FC236}">
+                <a16:creationId xmlns:a16="http://schemas.microsoft.com/office/drawing/2014/main" id="{91AB72F6-7B76-CD11-150D-641BCE44EBF1}"/>
+              </a:ext>
+            </a:extLst>
+          </p:cNvPr>
+          <p:cNvSpPr>
+            <a:spLocks noGrp="1"/>
+          </p:cNvSpPr>
+          <p:nvPr>
+            <p:ph type="title"/>
+          </p:nvPr>
+        </p:nvSpPr>
+        <p:spPr/>
+        <p:txBody>
+          <a:bodyPr/>
+          <a:lstStyle/>
+          <a:p>
+            <a:endParaRPr lang="en-US"/>
+          </a:p>
+        </p:txBody>
+      </p:sp>
+      <p:pic>
+        <p:nvPicPr>
+          <p:cNvPr id="5" name="Content Placeholder 4" descr="A close-up of a computer&#10;&#10;Description automatically generated">
+            <a:extLst>
+              <a:ext uri="{FF2B5EF4-FFF2-40B4-BE49-F238E27FC236}">
+                <a16:creationId xmlns:a16="http://schemas.microsoft.com/office/drawing/2014/main" id="{C52F0E46-2006-FFA6-2799-FB7B9396BBB3}"/>
+              </a:ext>
+            </a:extLst>
+          </p:cNvPr>
+          <p:cNvPicPr>
+            <a:picLocks noGrp="1" noChangeAspect="1"/>
+          </p:cNvPicPr>
+          <p:nvPr>
+            <p:ph idx="1"/>
+          </p:nvPr>
+        </p:nvPicPr>
+        <p:blipFill>
+          <a:blip r:embed="rId2">
+            <a:extLst>
+              <a:ext uri="{28A0092B-C50C-407E-A947-70E740481C1C}">
+                <a14:useLocalDpi xmlns:a14="http://schemas.microsoft.com/office/drawing/2010/main" val="0"/>
+              </a:ext>
+            </a:extLst>
+          </a:blip>
+          <a:stretch>
+            <a:fillRect/>
+          </a:stretch>
+        </p:blipFill>
+        <p:spPr>
+          <a:xfrm>
+            <a:off x="0" y="0"/>
+            <a:ext cx="12112387" cy="6858000"/>
+          </a:xfrm>
+        </p:spPr>
+      </p:pic>
+    </p:spTree>
+    <p:extLst>
+      <p:ext uri="{BB962C8B-B14F-4D97-AF65-F5344CB8AC3E}">
+        <p14:creationId xmlns:p14="http://schemas.microsoft.com/office/powerpoint/2010/main" val="3012357891"/>
+      </p:ext>
+    </p:extLst>
+  </p:cSld>
+  <p:clrMapOvr>
+    <a:masterClrMapping/>
+  </p:clrMapOvr>
+</p:sld>
+</file>
+
+<file path=ppt/slides/slide10.xml><?xml version="1.0" encoding="utf-8"?>
+<p:sld xmlns:a="http://schemas.openxmlformats.org/drawingml/2006/main" xmlns:r="http://schemas.openxmlformats.org/officeDocument/2006/relationships" xmlns:p="http://schemas.openxmlformats.org/presentationml/2006/main">
+  <p:cSld>
+    <p:bg>
+      <p:bgPr>
+        <a:solidFill>
+          <a:schemeClr val="bg1">
+            <a:tint val="95000"/>
+            <a:satMod val="170000"/>
+          </a:schemeClr>
+        </a:solidFill>
+        <a:effectLst/>
+      </p:bgPr>
+    </p:bg>
+    <p:spTree>
+      <p:nvGrpSpPr>
+        <p:cNvPr id="1" name=""/>
+        <p:cNvGrpSpPr/>
+        <p:nvPr/>
+      </p:nvGrpSpPr>
+      <p:grpSpPr>
+        <a:xfrm>
+          <a:off x="0" y="0"/>
+          <a:ext cx="0" cy="0"/>
+          <a:chOff x="0" y="0"/>
+          <a:chExt cx="0" cy="0"/>
+        </a:xfrm>
+      </p:grpSpPr>
+      <p:sp>
+        <p:nvSpPr>
+          <p:cNvPr id="9" name="Freeform: Shape 8">
+            <a:extLst>
+              <a:ext uri="{FF2B5EF4-FFF2-40B4-BE49-F238E27FC236}">
+                <a16:creationId xmlns:a16="http://schemas.microsoft.com/office/drawing/2014/main" id="{1DE7243B-5109-444B-8FAF-7437C66BC0E9}"/>
+              </a:ext>
+              <a:ext uri="{C183D7F6-B498-43B3-948B-1728B52AA6E4}">
+                <adec:decorative xmlns:adec="http://schemas.microsoft.com/office/drawing/2017/decorative" val="1"/>
+              </a:ext>
+            </a:extLst>
+          </p:cNvPr>
+          <p:cNvSpPr>
+            <a:spLocks noGrp="1" noRot="1" noChangeAspect="1" noMove="1" noResize="1" noEditPoints="1" noAdjustHandles="1" noChangeArrowheads="1" noChangeShapeType="1" noTextEdit="1"/>
+          </p:cNvSpPr>
+          <p:nvPr>
+            <p:extLst>
+              <p:ext uri="{386F3935-93C4-4BCD-93E2-E3B085C9AB24}">
+                <p16:designElem xmlns:p16="http://schemas.microsoft.com/office/powerpoint/2015/main" val="1"/>
+              </p:ext>
+            </p:extLst>
+          </p:nvPr>
+        </p:nvSpPr>
+        <p:spPr>
+          <a:xfrm flipH="1">
+            <a:off x="0" y="0"/>
+            <a:ext cx="4421332" cy="6858000"/>
+          </a:xfrm>
+          <a:custGeom>
+            <a:avLst/>
+            <a:gdLst>
+              <a:gd name="connsiteX0" fmla="*/ 4421332 w 4421332"/>
+              <a:gd name="connsiteY0" fmla="*/ 0 h 6858000"/>
+              <a:gd name="connsiteX1" fmla="*/ 69075 w 4421332"/>
+              <a:gd name="connsiteY1" fmla="*/ 0 h 6858000"/>
+              <a:gd name="connsiteX2" fmla="*/ 35131 w 4421332"/>
+              <a:gd name="connsiteY2" fmla="*/ 267128 h 6858000"/>
+              <a:gd name="connsiteX3" fmla="*/ 0 w 4421332"/>
+              <a:gd name="connsiteY3" fmla="*/ 962845 h 6858000"/>
+              <a:gd name="connsiteX4" fmla="*/ 3276103 w 4421332"/>
+              <a:gd name="connsiteY4" fmla="*/ 6782205 h 6858000"/>
+              <a:gd name="connsiteX5" fmla="*/ 3407923 w 4421332"/>
+              <a:gd name="connsiteY5" fmla="*/ 6858000 h 6858000"/>
+              <a:gd name="connsiteX6" fmla="*/ 4421332 w 4421332"/>
+              <a:gd name="connsiteY6" fmla="*/ 6858000 h 6858000"/>
+            </a:gdLst>
+            <a:ahLst/>
+            <a:cxnLst>
+              <a:cxn ang="0">
+                <a:pos x="connsiteX0" y="connsiteY0"/>
+              </a:cxn>
+              <a:cxn ang="0">
+                <a:pos x="connsiteX1" y="connsiteY1"/>
+              </a:cxn>
+              <a:cxn ang="0">
+                <a:pos x="connsiteX2" y="connsiteY2"/>
+              </a:cxn>
+              <a:cxn ang="0">
+                <a:pos x="connsiteX3" y="connsiteY3"/>
+              </a:cxn>
+              <a:cxn ang="0">
+                <a:pos x="connsiteX4" y="connsiteY4"/>
+              </a:cxn>
+              <a:cxn ang="0">
+                <a:pos x="connsiteX5" y="connsiteY5"/>
+              </a:cxn>
+              <a:cxn ang="0">
+                <a:pos x="connsiteX6" y="connsiteY6"/>
+              </a:cxn>
+            </a:cxnLst>
+            <a:rect l="l" t="t" r="r" b="b"/>
+            <a:pathLst>
+              <a:path w="4421332" h="6858000">
+                <a:moveTo>
+                  <a:pt x="4421332" y="0"/>
+                </a:moveTo>
+                <a:lnTo>
+                  <a:pt x="69075" y="0"/>
+                </a:lnTo>
+                <a:lnTo>
+                  <a:pt x="35131" y="267128"/>
+                </a:lnTo>
+                <a:cubicBezTo>
+                  <a:pt x="11901" y="495874"/>
+                  <a:pt x="0" y="727970"/>
+                  <a:pt x="0" y="962845"/>
+                </a:cubicBezTo>
+                <a:cubicBezTo>
+                  <a:pt x="0" y="3429034"/>
+                  <a:pt x="1312002" y="5588789"/>
+                  <a:pt x="3276103" y="6782205"/>
+                </a:cubicBezTo>
+                <a:lnTo>
+                  <a:pt x="3407923" y="6858000"/>
+                </a:lnTo>
+                <a:lnTo>
+                  <a:pt x="4421332" y="6858000"/>
+                </a:lnTo>
+                <a:close/>
+              </a:path>
+            </a:pathLst>
+          </a:custGeom>
+          <a:solidFill>
+            <a:srgbClr val="FFFFFF">
+              <a:alpha val="80000"/>
+            </a:srgbClr>
+          </a:solidFill>
+          <a:ln>
+            <a:noFill/>
+          </a:ln>
+        </p:spPr>
+        <p:style>
+          <a:lnRef idx="2">
+            <a:schemeClr val="accent1">
+              <a:shade val="50000"/>
+            </a:schemeClr>
+          </a:lnRef>
+          <a:fillRef idx="1">
+            <a:schemeClr val="accent1"/>
+          </a:fillRef>
+          <a:effectRef idx="0">
+            <a:schemeClr val="accent1"/>
+          </a:effectRef>
+          <a:fontRef idx="minor">
+            <a:schemeClr val="lt1"/>
+          </a:fontRef>
+        </p:style>
+        <p:txBody>
+          <a:bodyPr wrap="square" rtlCol="0" anchor="ctr">
+            <a:noAutofit/>
+          </a:bodyPr>
+          <a:lstStyle/>
+          <a:p>
+            <a:pPr marL="0" marR="0" lvl="0" indent="0" algn="ctr" defTabSz="914400" rtl="0" eaLnBrk="1" fontAlgn="auto" latinLnBrk="0" hangingPunct="1">
+              <a:lnSpc>
+                <a:spcPct val="100000"/>
+              </a:lnSpc>
+              <a:spcBef>
+                <a:spcPts val="0"/>
+              </a:spcBef>
+              <a:spcAft>
+                <a:spcPts val="0"/>
+              </a:spcAft>
+              <a:buClrTx/>
+              <a:buSzTx/>
+              <a:buFontTx/>
+              <a:buNone/>
+              <a:tabLst/>
+              <a:defRPr/>
+            </a:pPr>
+            <a:endParaRPr kumimoji="0" lang="en-US" sz="1800" b="0" i="0" u="none" strike="noStrike" kern="1200" cap="none" spc="0" normalizeH="0" baseline="0" noProof="0">
+              <a:ln>
+                <a:noFill/>
+              </a:ln>
+              <a:solidFill>
+                <a:prstClr val="white"/>
+              </a:solidFill>
+              <a:effectLst/>
+              <a:uLnTx/>
+              <a:uFillTx/>
+              <a:latin typeface="Calibri" panose="020F0502020204030204"/>
+              <a:ea typeface="+mn-ea"/>
+              <a:cs typeface="+mn-cs"/>
+            </a:endParaRPr>
+          </a:p>
+        </p:txBody>
+      </p:sp>
+      <p:sp>
+        <p:nvSpPr>
+          <p:cNvPr id="11" name="Freeform: Shape 10">
+            <a:extLst>
+              <a:ext uri="{FF2B5EF4-FFF2-40B4-BE49-F238E27FC236}">
+                <a16:creationId xmlns:a16="http://schemas.microsoft.com/office/drawing/2014/main" id="{4C5D6221-DA7B-4611-AA26-7D8E349FDE96}"/>
+              </a:ext>
+              <a:ext uri="{C183D7F6-B498-43B3-948B-1728B52AA6E4}">
+                <adec:decorative xmlns:adec="http://schemas.microsoft.com/office/drawing/2017/decorative" val="1"/>
+              </a:ext>
+            </a:extLst>
+          </p:cNvPr>
+          <p:cNvSpPr>
+            <a:spLocks noGrp="1" noRot="1" noChangeAspect="1" noMove="1" noResize="1" noEditPoints="1" noAdjustHandles="1" noChangeArrowheads="1" noChangeShapeType="1" noTextEdit="1"/>
+          </p:cNvSpPr>
+          <p:nvPr>
+            <p:extLst>
+              <p:ext uri="{386F3935-93C4-4BCD-93E2-E3B085C9AB24}">
+                <p16:designElem xmlns:p16="http://schemas.microsoft.com/office/powerpoint/2015/main" val="1"/>
+              </p:ext>
+            </p:extLst>
+          </p:nvPr>
+        </p:nvSpPr>
+        <p:spPr>
+          <a:xfrm>
+            <a:off x="1" y="0"/>
+            <a:ext cx="4232227" cy="6858000"/>
+          </a:xfrm>
+          <a:custGeom>
+            <a:avLst/>
+            <a:gdLst>
+              <a:gd name="connsiteX0" fmla="*/ 0 w 4232227"/>
+              <a:gd name="connsiteY0" fmla="*/ 0 h 6858000"/>
+              <a:gd name="connsiteX1" fmla="*/ 4161853 w 4232227"/>
+              <a:gd name="connsiteY1" fmla="*/ 0 h 6858000"/>
+              <a:gd name="connsiteX2" fmla="*/ 4197953 w 4232227"/>
+              <a:gd name="connsiteY2" fmla="*/ 284091 h 6858000"/>
+              <a:gd name="connsiteX3" fmla="*/ 4232227 w 4232227"/>
+              <a:gd name="connsiteY3" fmla="*/ 962844 h 6858000"/>
+              <a:gd name="connsiteX4" fmla="*/ 758007 w 4232227"/>
+              <a:gd name="connsiteY4" fmla="*/ 6800152 h 6858000"/>
+              <a:gd name="connsiteX5" fmla="*/ 645060 w 4232227"/>
+              <a:gd name="connsiteY5" fmla="*/ 6858000 h 6858000"/>
+              <a:gd name="connsiteX6" fmla="*/ 0 w 4232227"/>
+              <a:gd name="connsiteY6" fmla="*/ 6858000 h 6858000"/>
+            </a:gdLst>
+            <a:ahLst/>
+            <a:cxnLst>
+              <a:cxn ang="0">
+                <a:pos x="connsiteX0" y="connsiteY0"/>
+              </a:cxn>
+              <a:cxn ang="0">
+                <a:pos x="connsiteX1" y="connsiteY1"/>
+              </a:cxn>
+              <a:cxn ang="0">
+                <a:pos x="connsiteX2" y="connsiteY2"/>
+              </a:cxn>
+              <a:cxn ang="0">
+                <a:pos x="connsiteX3" y="connsiteY3"/>
+              </a:cxn>
+              <a:cxn ang="0">
+                <a:pos x="connsiteX4" y="connsiteY4"/>
+              </a:cxn>
+              <a:cxn ang="0">
+                <a:pos x="connsiteX5" y="connsiteY5"/>
+              </a:cxn>
+              <a:cxn ang="0">
+                <a:pos x="connsiteX6" y="connsiteY6"/>
+              </a:cxn>
+            </a:cxnLst>
+            <a:rect l="l" t="t" r="r" b="b"/>
+            <a:pathLst>
+              <a:path w="4232227" h="6858000">
+                <a:moveTo>
+                  <a:pt x="0" y="0"/>
+                </a:moveTo>
+                <a:lnTo>
+                  <a:pt x="4161853" y="0"/>
+                </a:lnTo>
+                <a:lnTo>
+                  <a:pt x="4197953" y="284091"/>
+                </a:lnTo>
+                <a:cubicBezTo>
+                  <a:pt x="4220617" y="507260"/>
+                  <a:pt x="4232227" y="733696"/>
+                  <a:pt x="4232227" y="962844"/>
+                </a:cubicBezTo>
+                <a:cubicBezTo>
+                  <a:pt x="4232227" y="3483472"/>
+                  <a:pt x="2827409" y="5675986"/>
+                  <a:pt x="758007" y="6800152"/>
+                </a:cubicBezTo>
+                <a:lnTo>
+                  <a:pt x="645060" y="6858000"/>
+                </a:lnTo>
+                <a:lnTo>
+                  <a:pt x="0" y="6858000"/>
+                </a:lnTo>
+                <a:close/>
+              </a:path>
+            </a:pathLst>
+          </a:custGeom>
+          <a:solidFill>
+            <a:schemeClr val="tx1">
+              <a:lumMod val="75000"/>
+              <a:lumOff val="25000"/>
+            </a:schemeClr>
+          </a:solidFill>
+          <a:ln>
+            <a:noFill/>
+          </a:ln>
+        </p:spPr>
+        <p:style>
+          <a:lnRef idx="2">
+            <a:schemeClr val="accent1">
+              <a:shade val="50000"/>
+            </a:schemeClr>
+          </a:lnRef>
+          <a:fillRef idx="1">
+            <a:schemeClr val="accent1"/>
+          </a:fillRef>
+          <a:effectRef idx="0">
+            <a:schemeClr val="accent1"/>
+          </a:effectRef>
+          <a:fontRef idx="minor">
+            <a:schemeClr val="lt1"/>
+          </a:fontRef>
+        </p:style>
+        <p:txBody>
+          <a:bodyPr wrap="square" rtlCol="0" anchor="ctr">
+            <a:noAutofit/>
+          </a:bodyPr>
+          <a:lstStyle/>
+          <a:p>
+            <a:pPr marL="0" marR="0" lvl="0" indent="0" algn="ctr" defTabSz="914400" rtl="0" eaLnBrk="1" fontAlgn="auto" latinLnBrk="0" hangingPunct="1">
+              <a:lnSpc>
+                <a:spcPct val="100000"/>
+              </a:lnSpc>
+              <a:spcBef>
+                <a:spcPts val="0"/>
+              </a:spcBef>
+              <a:spcAft>
+                <a:spcPts val="0"/>
+              </a:spcAft>
+              <a:buClrTx/>
+              <a:buSzTx/>
+              <a:buFontTx/>
+              <a:buNone/>
+              <a:tabLst/>
+              <a:defRPr/>
+            </a:pPr>
+            <a:endParaRPr kumimoji="0" lang="en-US" sz="1800" b="0" i="0" u="none" strike="noStrike" kern="1200" cap="none" spc="0" normalizeH="0" baseline="0" noProof="0">
+              <a:ln>
+                <a:noFill/>
+              </a:ln>
+              <a:solidFill>
+                <a:prstClr val="white"/>
+              </a:solidFill>
+              <a:effectLst/>
+              <a:uLnTx/>
+              <a:uFillTx/>
+              <a:latin typeface="Calibri" panose="020F0502020204030204"/>
+              <a:ea typeface="+mn-ea"/>
+              <a:cs typeface="+mn-cs"/>
+            </a:endParaRPr>
+          </a:p>
+        </p:txBody>
+      </p:sp>
+      <p:sp>
+        <p:nvSpPr>
+          <p:cNvPr id="2" name="Title 1">
+            <a:extLst>
+              <a:ext uri="{FF2B5EF4-FFF2-40B4-BE49-F238E27FC236}">
+                <a16:creationId xmlns:a16="http://schemas.microsoft.com/office/drawing/2014/main" id="{E21BEC7C-15E9-3383-054A-A749D189B97A}"/>
+              </a:ext>
+            </a:extLst>
+          </p:cNvPr>
+          <p:cNvSpPr>
+            <a:spLocks noGrp="1"/>
+          </p:cNvSpPr>
+          <p:nvPr>
+            <p:ph type="title"/>
+          </p:nvPr>
+        </p:nvSpPr>
+        <p:spPr>
+          <a:xfrm>
+            <a:off x="804672" y="1412489"/>
+            <a:ext cx="2871095" cy="2127124"/>
+          </a:xfrm>
+        </p:spPr>
+        <p:txBody>
+          <a:bodyPr anchor="t">
+            <a:noAutofit/>
+          </a:bodyPr>
+          <a:lstStyle/>
+          <a:p>
+            <a:r>
+              <a:rPr lang="en-US" sz="3200" dirty="0">
+                <a:solidFill>
+                  <a:schemeClr val="bg1"/>
+                </a:solidFill>
+              </a:rPr>
+              <a:t>Get Files/Code From GitHub To Your Local Machine (pt 2) (Windows PowerShell)</a:t>
+            </a:r>
+          </a:p>
+        </p:txBody>
+      </p:sp>
+      <p:sp>
+        <p:nvSpPr>
+          <p:cNvPr id="3" name="Content Placeholder 2">
+            <a:extLst>
+              <a:ext uri="{FF2B5EF4-FFF2-40B4-BE49-F238E27FC236}">
+                <a16:creationId xmlns:a16="http://schemas.microsoft.com/office/drawing/2014/main" id="{664A1A93-0E1A-BBCA-87F9-4CC92B91880F}"/>
+              </a:ext>
+            </a:extLst>
+          </p:cNvPr>
+          <p:cNvSpPr>
+            <a:spLocks noGrp="1"/>
+          </p:cNvSpPr>
+          <p:nvPr>
+            <p:ph sz="half" idx="1"/>
+          </p:nvPr>
+        </p:nvSpPr>
+        <p:spPr>
+          <a:xfrm>
+            <a:off x="4473070" y="198811"/>
+            <a:ext cx="3535318" cy="5548543"/>
+          </a:xfrm>
+        </p:spPr>
+        <p:txBody>
+          <a:bodyPr>
+            <a:noAutofit/>
+          </a:bodyPr>
+          <a:lstStyle/>
+          <a:p>
+            <a:pPr marL="514350" indent="-514350">
+              <a:buFont typeface="+mj-lt"/>
+              <a:buAutoNum type="arabicPeriod"/>
+            </a:pPr>
+            <a:r>
+              <a:rPr lang="en-US" sz="2000" dirty="0"/>
+              <a:t>Open Windows </a:t>
+            </a:r>
+            <a:r>
+              <a:rPr lang="en-US" sz="2000" dirty="0" err="1"/>
+              <a:t>Powershell</a:t>
+            </a:r>
+            <a:r>
+              <a:rPr lang="en-US" sz="2000" dirty="0"/>
+              <a:t> (start button)</a:t>
+            </a:r>
+          </a:p>
+          <a:p>
+            <a:pPr marL="514350" indent="-514350">
+              <a:buFont typeface="+mj-lt"/>
+              <a:buAutoNum type="arabicPeriod"/>
+            </a:pPr>
+            <a:r>
+              <a:rPr lang="en-US" sz="2000" dirty="0"/>
+              <a:t>Ls   -List The Files In Our current Directory</a:t>
+            </a:r>
+          </a:p>
+          <a:p>
+            <a:pPr marL="514350" indent="-514350">
+              <a:buFont typeface="+mj-lt"/>
+              <a:buAutoNum type="arabicPeriod"/>
+            </a:pPr>
+            <a:r>
+              <a:rPr lang="en-US" sz="2000" dirty="0" err="1"/>
+              <a:t>mkdir</a:t>
+            </a:r>
+            <a:r>
+              <a:rPr lang="en-US" sz="2000" dirty="0"/>
+              <a:t> “_repos”  - Create A New Directory (Store all Repos Here in C)</a:t>
+            </a:r>
+          </a:p>
+          <a:p>
+            <a:pPr marL="514350" indent="-514350">
+              <a:buFont typeface="+mj-lt"/>
+              <a:buAutoNum type="arabicPeriod"/>
+            </a:pPr>
+            <a:r>
+              <a:rPr lang="en-US" sz="2000" dirty="0"/>
+              <a:t>ls   -Check For Our File In The Current Working Directory</a:t>
+            </a:r>
+          </a:p>
+          <a:p>
+            <a:pPr marL="514350" indent="-514350">
+              <a:buFont typeface="+mj-lt"/>
+              <a:buAutoNum type="arabicPeriod"/>
+            </a:pPr>
+            <a:r>
+              <a:rPr lang="en-US" sz="2000" dirty="0"/>
+              <a:t>cd _repos  -Change Current Working Directory To _repos</a:t>
+            </a:r>
+          </a:p>
+          <a:p>
+            <a:pPr marL="514350" indent="-514350">
+              <a:buFont typeface="+mj-lt"/>
+              <a:buAutoNum type="arabicPeriod"/>
+            </a:pPr>
+            <a:r>
+              <a:rPr lang="en-US" sz="2000" dirty="0"/>
+              <a:t>git clone https:/pasteURL</a:t>
+            </a:r>
+          </a:p>
+          <a:p>
+            <a:pPr marL="514350" indent="-514350">
+              <a:buFont typeface="+mj-lt"/>
+              <a:buAutoNum type="arabicPeriod"/>
+            </a:pPr>
+            <a:r>
+              <a:rPr lang="en-US" sz="2000" dirty="0"/>
+              <a:t>ls   -See New Project Listed</a:t>
+            </a:r>
+          </a:p>
+          <a:p>
+            <a:pPr marL="514350" indent="-514350">
+              <a:buFont typeface="+mj-lt"/>
+              <a:buAutoNum type="arabicPeriod"/>
+            </a:pPr>
+            <a:r>
+              <a:rPr lang="en-US" sz="2000" dirty="0"/>
+              <a:t>Open File Explorer, Locate _repo And See Our txt File Opens</a:t>
+            </a:r>
+          </a:p>
+        </p:txBody>
+      </p:sp>
+      <p:pic>
+        <p:nvPicPr>
+          <p:cNvPr id="6" name="Content Placeholder 5">
+            <a:extLst>
+              <a:ext uri="{FF2B5EF4-FFF2-40B4-BE49-F238E27FC236}">
+                <a16:creationId xmlns:a16="http://schemas.microsoft.com/office/drawing/2014/main" id="{36BF903B-1C2F-4B39-D2C1-CAEE812412D5}"/>
+              </a:ext>
+            </a:extLst>
+          </p:cNvPr>
+          <p:cNvPicPr>
+            <a:picLocks noGrp="1" noChangeAspect="1"/>
+          </p:cNvPicPr>
+          <p:nvPr>
+            <p:ph sz="half" idx="2"/>
+          </p:nvPr>
+        </p:nvPicPr>
+        <p:blipFill>
+          <a:blip r:embed="rId2">
+            <a:extLst>
+              <a:ext uri="{28A0092B-C50C-407E-A947-70E740481C1C}">
+                <a14:useLocalDpi xmlns:a14="http://schemas.microsoft.com/office/drawing/2010/main" val="0"/>
+              </a:ext>
+            </a:extLst>
+          </a:blip>
+          <a:stretch>
+            <a:fillRect/>
+          </a:stretch>
+        </p:blipFill>
+        <p:spPr>
+          <a:xfrm>
+            <a:off x="10100675" y="355106"/>
+            <a:ext cx="362001" cy="333422"/>
+          </a:xfrm>
+        </p:spPr>
+      </p:pic>
+      <p:pic>
+        <p:nvPicPr>
+          <p:cNvPr id="8" name="Picture 7">
+            <a:extLst>
+              <a:ext uri="{FF2B5EF4-FFF2-40B4-BE49-F238E27FC236}">
+                <a16:creationId xmlns:a16="http://schemas.microsoft.com/office/drawing/2014/main" id="{C207B2F4-27E6-DB9F-D268-41C48B34C8ED}"/>
+              </a:ext>
+            </a:extLst>
+          </p:cNvPr>
+          <p:cNvPicPr>
+            <a:picLocks noChangeAspect="1"/>
+          </p:cNvPicPr>
+          <p:nvPr/>
+        </p:nvPicPr>
+        <p:blipFill>
+          <a:blip r:embed="rId3">
+            <a:extLst>
+              <a:ext uri="{28A0092B-C50C-407E-A947-70E740481C1C}">
+                <a14:useLocalDpi xmlns:a14="http://schemas.microsoft.com/office/drawing/2010/main" val="0"/>
+              </a:ext>
+            </a:extLst>
+          </a:blip>
+          <a:stretch>
+            <a:fillRect/>
+          </a:stretch>
+        </p:blipFill>
+        <p:spPr>
+          <a:xfrm>
+            <a:off x="8781969" y="1791135"/>
+            <a:ext cx="2902942" cy="444328"/>
+          </a:xfrm>
+          <a:prstGeom prst="rect">
+            <a:avLst/>
+          </a:prstGeom>
+        </p:spPr>
+      </p:pic>
+      <p:pic>
+        <p:nvPicPr>
+          <p:cNvPr id="16" name="Picture 15">
+            <a:extLst>
+              <a:ext uri="{FF2B5EF4-FFF2-40B4-BE49-F238E27FC236}">
+                <a16:creationId xmlns:a16="http://schemas.microsoft.com/office/drawing/2014/main" id="{1FA8FBB0-681F-ABD3-E3AA-D313A0CCA8CE}"/>
+              </a:ext>
+            </a:extLst>
+          </p:cNvPr>
+          <p:cNvPicPr>
+            <a:picLocks noChangeAspect="1"/>
+          </p:cNvPicPr>
+          <p:nvPr/>
+        </p:nvPicPr>
+        <p:blipFill>
+          <a:blip r:embed="rId4">
+            <a:extLst>
+              <a:ext uri="{28A0092B-C50C-407E-A947-70E740481C1C}">
+                <a14:useLocalDpi xmlns:a14="http://schemas.microsoft.com/office/drawing/2010/main" val="0"/>
+              </a:ext>
+            </a:extLst>
+          </a:blip>
+          <a:stretch>
+            <a:fillRect/>
+          </a:stretch>
+        </p:blipFill>
+        <p:spPr>
+          <a:xfrm>
+            <a:off x="9238622" y="3464743"/>
+            <a:ext cx="1944819" cy="438681"/>
+          </a:xfrm>
+          <a:prstGeom prst="rect">
+            <a:avLst/>
+          </a:prstGeom>
+        </p:spPr>
+      </p:pic>
+      <p:pic>
+        <p:nvPicPr>
+          <p:cNvPr id="18" name="Picture 17">
+            <a:extLst>
+              <a:ext uri="{FF2B5EF4-FFF2-40B4-BE49-F238E27FC236}">
+                <a16:creationId xmlns:a16="http://schemas.microsoft.com/office/drawing/2014/main" id="{FC1CDBB0-EE0A-0166-4ABF-279339DEB310}"/>
+              </a:ext>
+            </a:extLst>
+          </p:cNvPr>
+          <p:cNvPicPr>
+            <a:picLocks noChangeAspect="1"/>
+          </p:cNvPicPr>
+          <p:nvPr/>
+        </p:nvPicPr>
+        <p:blipFill>
+          <a:blip r:embed="rId5">
+            <a:extLst>
+              <a:ext uri="{28A0092B-C50C-407E-A947-70E740481C1C}">
+                <a14:useLocalDpi xmlns:a14="http://schemas.microsoft.com/office/drawing/2010/main" val="0"/>
+              </a:ext>
+            </a:extLst>
+          </a:blip>
+          <a:stretch>
+            <a:fillRect/>
+          </a:stretch>
+        </p:blipFill>
+        <p:spPr>
+          <a:xfrm>
+            <a:off x="8621400" y="4401017"/>
+            <a:ext cx="3471760" cy="163542"/>
+          </a:xfrm>
+          <a:prstGeom prst="rect">
+            <a:avLst/>
+          </a:prstGeom>
+        </p:spPr>
+      </p:pic>
+      <p:pic>
+        <p:nvPicPr>
+          <p:cNvPr id="20" name="Picture 19">
+            <a:extLst>
+              <a:ext uri="{FF2B5EF4-FFF2-40B4-BE49-F238E27FC236}">
+                <a16:creationId xmlns:a16="http://schemas.microsoft.com/office/drawing/2014/main" id="{4EAEF9B8-E489-3209-50EA-4E0B32BEBBC4}"/>
+              </a:ext>
+            </a:extLst>
+          </p:cNvPr>
+          <p:cNvPicPr>
+            <a:picLocks noChangeAspect="1"/>
+          </p:cNvPicPr>
+          <p:nvPr/>
+        </p:nvPicPr>
+        <p:blipFill>
+          <a:blip r:embed="rId6">
+            <a:extLst>
+              <a:ext uri="{28A0092B-C50C-407E-A947-70E740481C1C}">
+                <a14:useLocalDpi xmlns:a14="http://schemas.microsoft.com/office/drawing/2010/main" val="0"/>
+              </a:ext>
+            </a:extLst>
+          </a:blip>
+          <a:stretch>
+            <a:fillRect/>
+          </a:stretch>
+        </p:blipFill>
+        <p:spPr>
+          <a:xfrm>
+            <a:off x="8800410" y="5591050"/>
+            <a:ext cx="1188359" cy="477927"/>
+          </a:xfrm>
+          <a:prstGeom prst="rect">
+            <a:avLst/>
+          </a:prstGeom>
+        </p:spPr>
+      </p:pic>
+      <p:pic>
+        <p:nvPicPr>
+          <p:cNvPr id="22" name="Picture 21">
+            <a:extLst>
+              <a:ext uri="{FF2B5EF4-FFF2-40B4-BE49-F238E27FC236}">
+                <a16:creationId xmlns:a16="http://schemas.microsoft.com/office/drawing/2014/main" id="{C162FA61-8A8F-6EFD-411D-062F60AEF55E}"/>
+              </a:ext>
+            </a:extLst>
+          </p:cNvPr>
+          <p:cNvPicPr>
+            <a:picLocks noChangeAspect="1"/>
+          </p:cNvPicPr>
+          <p:nvPr/>
+        </p:nvPicPr>
+        <p:blipFill>
+          <a:blip r:embed="rId7">
+            <a:extLst>
+              <a:ext uri="{28A0092B-C50C-407E-A947-70E740481C1C}">
+                <a14:useLocalDpi xmlns:a14="http://schemas.microsoft.com/office/drawing/2010/main" val="0"/>
+              </a:ext>
+            </a:extLst>
+          </a:blip>
+          <a:stretch>
+            <a:fillRect/>
+          </a:stretch>
+        </p:blipFill>
+        <p:spPr>
+          <a:xfrm>
+            <a:off x="10307019" y="5581148"/>
+            <a:ext cx="1074154" cy="490375"/>
+          </a:xfrm>
+          <a:prstGeom prst="rect">
+            <a:avLst/>
+          </a:prstGeom>
+        </p:spPr>
+      </p:pic>
+      <p:pic>
+        <p:nvPicPr>
+          <p:cNvPr id="24" name="Picture 23">
+            <a:extLst>
+              <a:ext uri="{FF2B5EF4-FFF2-40B4-BE49-F238E27FC236}">
+                <a16:creationId xmlns:a16="http://schemas.microsoft.com/office/drawing/2014/main" id="{209D75C2-0679-142B-1306-A2E9823BC79A}"/>
+              </a:ext>
+            </a:extLst>
+          </p:cNvPr>
+          <p:cNvPicPr>
+            <a:picLocks noChangeAspect="1"/>
+          </p:cNvPicPr>
+          <p:nvPr/>
+        </p:nvPicPr>
+        <p:blipFill>
+          <a:blip r:embed="rId8">
+            <a:extLst>
+              <a:ext uri="{28A0092B-C50C-407E-A947-70E740481C1C}">
+                <a14:useLocalDpi xmlns:a14="http://schemas.microsoft.com/office/drawing/2010/main" val="0"/>
+              </a:ext>
+            </a:extLst>
+          </a:blip>
+          <a:stretch>
+            <a:fillRect/>
+          </a:stretch>
+        </p:blipFill>
+        <p:spPr>
+          <a:xfrm>
+            <a:off x="9988769" y="1040091"/>
+            <a:ext cx="452279" cy="465582"/>
+          </a:xfrm>
+          <a:prstGeom prst="rect">
+            <a:avLst/>
+          </a:prstGeom>
+        </p:spPr>
+      </p:pic>
+      <p:pic>
+        <p:nvPicPr>
+          <p:cNvPr id="25" name="Picture 24">
+            <a:extLst>
+              <a:ext uri="{FF2B5EF4-FFF2-40B4-BE49-F238E27FC236}">
+                <a16:creationId xmlns:a16="http://schemas.microsoft.com/office/drawing/2014/main" id="{346B2E5B-7D06-C0F7-71BE-84D7797B802D}"/>
+              </a:ext>
+            </a:extLst>
+          </p:cNvPr>
+          <p:cNvPicPr>
+            <a:picLocks noChangeAspect="1"/>
+          </p:cNvPicPr>
+          <p:nvPr/>
+        </p:nvPicPr>
+        <p:blipFill>
+          <a:blip r:embed="rId8">
+            <a:extLst>
+              <a:ext uri="{28A0092B-C50C-407E-A947-70E740481C1C}">
+                <a14:useLocalDpi xmlns:a14="http://schemas.microsoft.com/office/drawing/2010/main" val="0"/>
+              </a:ext>
+            </a:extLst>
+          </a:blip>
+          <a:stretch>
+            <a:fillRect/>
+          </a:stretch>
+        </p:blipFill>
+        <p:spPr>
+          <a:xfrm>
+            <a:off x="9939953" y="2623463"/>
+            <a:ext cx="452279" cy="465582"/>
+          </a:xfrm>
+          <a:prstGeom prst="rect">
+            <a:avLst/>
+          </a:prstGeom>
+        </p:spPr>
+      </p:pic>
+      <p:pic>
+        <p:nvPicPr>
+          <p:cNvPr id="26" name="Picture 25">
+            <a:extLst>
+              <a:ext uri="{FF2B5EF4-FFF2-40B4-BE49-F238E27FC236}">
+                <a16:creationId xmlns:a16="http://schemas.microsoft.com/office/drawing/2014/main" id="{A9CD7D0E-4F4C-B5D7-62D7-6A1727575E8B}"/>
+              </a:ext>
+            </a:extLst>
+          </p:cNvPr>
+          <p:cNvPicPr>
+            <a:picLocks noChangeAspect="1"/>
+          </p:cNvPicPr>
+          <p:nvPr/>
+        </p:nvPicPr>
+        <p:blipFill>
+          <a:blip r:embed="rId8">
+            <a:extLst>
+              <a:ext uri="{28A0092B-C50C-407E-A947-70E740481C1C}">
+                <a14:useLocalDpi xmlns:a14="http://schemas.microsoft.com/office/drawing/2010/main" val="0"/>
+              </a:ext>
+            </a:extLst>
+          </a:blip>
+          <a:stretch>
+            <a:fillRect/>
+          </a:stretch>
+        </p:blipFill>
+        <p:spPr>
+          <a:xfrm>
+            <a:off x="9935172" y="4899913"/>
+            <a:ext cx="452279" cy="465582"/>
+          </a:xfrm>
+          <a:prstGeom prst="rect">
+            <a:avLst/>
+          </a:prstGeom>
+        </p:spPr>
+      </p:pic>
+    </p:spTree>
+    <p:extLst>
+      <p:ext uri="{BB962C8B-B14F-4D97-AF65-F5344CB8AC3E}">
+        <p14:creationId xmlns:p14="http://schemas.microsoft.com/office/powerpoint/2010/main" val="2110841292"/>
+      </p:ext>
+    </p:extLst>
+  </p:cSld>
+  <p:clrMapOvr>
+    <a:overrideClrMapping bg1="dk1" tx1="lt1" bg2="dk2" tx2="lt2" accent1="accent1" accent2="accent2" accent3="accent3" accent4="accent4" accent5="accent5" accent6="accent6" hlink="hlink" folHlink="folHlink"/>
+  </p:clrMapOvr>
+</p:sld>
+</file>
+
+<file path=ppt/slides/slide11.xml><?xml version="1.0" encoding="utf-8"?>
+<p:sld xmlns:a="http://schemas.openxmlformats.org/drawingml/2006/main" xmlns:r="http://schemas.openxmlformats.org/officeDocument/2006/relationships" xmlns:p="http://schemas.openxmlformats.org/presentationml/2006/main">
+  <p:cSld>
+    <p:spTree>
+      <p:nvGrpSpPr>
+        <p:cNvPr id="1" name=""/>
+        <p:cNvGrpSpPr/>
+        <p:nvPr/>
+      </p:nvGrpSpPr>
+      <p:grpSpPr>
+        <a:xfrm>
+          <a:off x="0" y="0"/>
+          <a:ext cx="0" cy="0"/>
+          <a:chOff x="0" y="0"/>
+          <a:chExt cx="0" cy="0"/>
+        </a:xfrm>
+      </p:grpSpPr>
+      <p:sp>
+        <p:nvSpPr>
+          <p:cNvPr id="2" name="Title 1">
+            <a:extLst>
+              <a:ext uri="{FF2B5EF4-FFF2-40B4-BE49-F238E27FC236}">
+                <a16:creationId xmlns:a16="http://schemas.microsoft.com/office/drawing/2014/main" id="{338A44A2-C895-F366-055F-AC81581FA19F}"/>
+              </a:ext>
+            </a:extLst>
+          </p:cNvPr>
+          <p:cNvSpPr>
+            <a:spLocks noGrp="1"/>
+          </p:cNvSpPr>
+          <p:nvPr>
+            <p:ph type="title"/>
+          </p:nvPr>
+        </p:nvSpPr>
+        <p:spPr>
+          <a:solidFill>
+            <a:schemeClr val="accent5">
+              <a:lumMod val="20000"/>
+              <a:lumOff val="80000"/>
+            </a:schemeClr>
+          </a:solidFill>
+        </p:spPr>
+        <p:txBody>
+          <a:bodyPr/>
+          <a:lstStyle/>
+          <a:p>
+            <a:r>
+              <a:rPr lang="en-US" dirty="0"/>
+              <a:t>Add Files (With Windows </a:t>
+            </a:r>
+            <a:r>
+              <a:rPr lang="en-US" dirty="0" err="1"/>
+              <a:t>Powershell</a:t>
+            </a:r>
+            <a:r>
+              <a:rPr lang="en-US" dirty="0"/>
+              <a:t>)</a:t>
+            </a:r>
+          </a:p>
+        </p:txBody>
+      </p:sp>
+      <p:sp>
+        <p:nvSpPr>
+          <p:cNvPr id="3" name="Content Placeholder 2">
+            <a:extLst>
+              <a:ext uri="{FF2B5EF4-FFF2-40B4-BE49-F238E27FC236}">
+                <a16:creationId xmlns:a16="http://schemas.microsoft.com/office/drawing/2014/main" id="{C52C900C-2CC6-E580-C46A-D00B83A567A2}"/>
+              </a:ext>
+            </a:extLst>
+          </p:cNvPr>
+          <p:cNvSpPr>
+            <a:spLocks noGrp="1"/>
+          </p:cNvSpPr>
+          <p:nvPr>
+            <p:ph sz="half" idx="1"/>
+          </p:nvPr>
+        </p:nvSpPr>
+        <p:spPr>
+          <a:xfrm>
+            <a:off x="838200" y="1825625"/>
+            <a:ext cx="7826406" cy="4351338"/>
+          </a:xfrm>
+          <a:solidFill>
+            <a:schemeClr val="tx2">
+              <a:lumMod val="10000"/>
+              <a:lumOff val="90000"/>
+            </a:schemeClr>
+          </a:solidFill>
+        </p:spPr>
+        <p:txBody>
+          <a:bodyPr>
+            <a:normAutofit fontScale="85000" lnSpcReduction="20000"/>
+          </a:bodyPr>
+          <a:lstStyle/>
+          <a:p>
+            <a:pPr marL="514350" indent="-514350">
+              <a:buFont typeface="+mj-lt"/>
+              <a:buAutoNum type="arabicPeriod"/>
+            </a:pPr>
+            <a:r>
+              <a:rPr lang="en-US" dirty="0"/>
+              <a:t>Navigate To Your Repo In PowerShell </a:t>
+            </a:r>
+          </a:p>
+          <a:p>
+            <a:pPr marL="514350" indent="-514350">
+              <a:buFont typeface="+mj-lt"/>
+              <a:buAutoNum type="arabicPeriod"/>
+            </a:pPr>
+            <a:r>
+              <a:rPr lang="en-US" dirty="0"/>
+              <a:t>New-item “Bravo.txt”    -Create A New Text File</a:t>
+            </a:r>
+          </a:p>
+          <a:p>
+            <a:pPr marL="514350" indent="-514350">
+              <a:buFont typeface="+mj-lt"/>
+              <a:buAutoNum type="arabicPeriod"/>
+            </a:pPr>
+            <a:r>
+              <a:rPr lang="en-US" dirty="0"/>
+              <a:t>ls  -See The New File Listed</a:t>
+            </a:r>
+          </a:p>
+          <a:p>
+            <a:r>
+              <a:rPr lang="en-US" dirty="0"/>
+              <a:t>Right Now Git Doesn’t Know This Is A File You Want It To Pay Attention Too</a:t>
+            </a:r>
+          </a:p>
+          <a:p>
+            <a:r>
+              <a:rPr lang="en-US" dirty="0"/>
+              <a:t>If Our Text Document Was Just Notes That’s Fine</a:t>
+            </a:r>
+          </a:p>
+          <a:p>
+            <a:r>
+              <a:rPr lang="en-US" dirty="0"/>
+              <a:t>If You Want Git To Know To Pay Attention To It We Have To Tell Git To Add It To Our Index</a:t>
+            </a:r>
+          </a:p>
+          <a:p>
+            <a:pPr marL="514350" indent="-514350">
+              <a:buAutoNum type="arabicPeriod" startAt="4"/>
+            </a:pPr>
+            <a:r>
+              <a:rPr lang="en-US" dirty="0"/>
+              <a:t>git add Charles.txt   - To Add It To Our Index So Git Knows This Is Something We Want To Commit Later </a:t>
+            </a:r>
+          </a:p>
+          <a:p>
+            <a:pPr marL="514350" indent="-514350">
+              <a:buAutoNum type="arabicPeriod" startAt="4"/>
+            </a:pPr>
+            <a:r>
+              <a:rPr lang="en-US" dirty="0"/>
+              <a:t>Git status   -Shows Us Changes That Git Knows To Keep Track Of And Commit Later.</a:t>
+            </a:r>
+          </a:p>
+        </p:txBody>
+      </p:sp>
+      <p:pic>
+        <p:nvPicPr>
+          <p:cNvPr id="6" name="Picture 5">
+            <a:extLst>
+              <a:ext uri="{FF2B5EF4-FFF2-40B4-BE49-F238E27FC236}">
+                <a16:creationId xmlns:a16="http://schemas.microsoft.com/office/drawing/2014/main" id="{F3FE1EC2-DD7E-6EED-0C6D-E546F326B8A9}"/>
+              </a:ext>
+            </a:extLst>
+          </p:cNvPr>
+          <p:cNvPicPr>
+            <a:picLocks noChangeAspect="1"/>
+          </p:cNvPicPr>
+          <p:nvPr/>
+        </p:nvPicPr>
+        <p:blipFill>
+          <a:blip r:embed="rId2">
+            <a:extLst>
+              <a:ext uri="{28A0092B-C50C-407E-A947-70E740481C1C}">
+                <a14:useLocalDpi xmlns:a14="http://schemas.microsoft.com/office/drawing/2010/main" val="0"/>
+              </a:ext>
+            </a:extLst>
+          </a:blip>
+          <a:stretch>
+            <a:fillRect/>
+          </a:stretch>
+        </p:blipFill>
+        <p:spPr>
+          <a:xfrm>
+            <a:off x="8023273" y="1756823"/>
+            <a:ext cx="3410426" cy="381053"/>
+          </a:xfrm>
+          <a:prstGeom prst="rect">
+            <a:avLst/>
+          </a:prstGeom>
+        </p:spPr>
+      </p:pic>
+      <p:pic>
+        <p:nvPicPr>
+          <p:cNvPr id="8" name="Picture 7">
+            <a:extLst>
+              <a:ext uri="{FF2B5EF4-FFF2-40B4-BE49-F238E27FC236}">
+                <a16:creationId xmlns:a16="http://schemas.microsoft.com/office/drawing/2014/main" id="{300377A9-F006-D31B-4F87-344AB85465B2}"/>
+              </a:ext>
+            </a:extLst>
+          </p:cNvPr>
+          <p:cNvPicPr>
+            <a:picLocks noChangeAspect="1"/>
+          </p:cNvPicPr>
+          <p:nvPr/>
+        </p:nvPicPr>
+        <p:blipFill>
+          <a:blip r:embed="rId3">
+            <a:extLst>
+              <a:ext uri="{28A0092B-C50C-407E-A947-70E740481C1C}">
+                <a14:useLocalDpi xmlns:a14="http://schemas.microsoft.com/office/drawing/2010/main" val="0"/>
+              </a:ext>
+            </a:extLst>
+          </a:blip>
+          <a:stretch>
+            <a:fillRect/>
+          </a:stretch>
+        </p:blipFill>
+        <p:spPr>
+          <a:xfrm>
+            <a:off x="8518642" y="2283910"/>
+            <a:ext cx="2915057" cy="247685"/>
+          </a:xfrm>
+          <a:prstGeom prst="rect">
+            <a:avLst/>
+          </a:prstGeom>
+        </p:spPr>
+      </p:pic>
+      <p:pic>
+        <p:nvPicPr>
+          <p:cNvPr id="10" name="Picture 9">
+            <a:extLst>
+              <a:ext uri="{FF2B5EF4-FFF2-40B4-BE49-F238E27FC236}">
+                <a16:creationId xmlns:a16="http://schemas.microsoft.com/office/drawing/2014/main" id="{9F1F7960-2DA5-8DEC-C3B4-71AB74276247}"/>
+              </a:ext>
+            </a:extLst>
+          </p:cNvPr>
+          <p:cNvPicPr>
+            <a:picLocks noChangeAspect="1"/>
+          </p:cNvPicPr>
+          <p:nvPr/>
+        </p:nvPicPr>
+        <p:blipFill>
+          <a:blip r:embed="rId4">
+            <a:extLst>
+              <a:ext uri="{28A0092B-C50C-407E-A947-70E740481C1C}">
+                <a14:useLocalDpi xmlns:a14="http://schemas.microsoft.com/office/drawing/2010/main" val="0"/>
+              </a:ext>
+            </a:extLst>
+          </a:blip>
+          <a:stretch>
+            <a:fillRect/>
+          </a:stretch>
+        </p:blipFill>
+        <p:spPr>
+          <a:xfrm>
+            <a:off x="8880643" y="4733165"/>
+            <a:ext cx="2553056" cy="285790"/>
+          </a:xfrm>
+          <a:prstGeom prst="rect">
+            <a:avLst/>
+          </a:prstGeom>
+        </p:spPr>
+      </p:pic>
+      <p:pic>
+        <p:nvPicPr>
+          <p:cNvPr id="12" name="Picture 11">
+            <a:extLst>
+              <a:ext uri="{FF2B5EF4-FFF2-40B4-BE49-F238E27FC236}">
+                <a16:creationId xmlns:a16="http://schemas.microsoft.com/office/drawing/2014/main" id="{CC7C7589-8E4F-0BF1-9FF0-A33AD6FA22D8}"/>
+              </a:ext>
+            </a:extLst>
+          </p:cNvPr>
+          <p:cNvPicPr>
+            <a:picLocks noChangeAspect="1"/>
+          </p:cNvPicPr>
+          <p:nvPr/>
+        </p:nvPicPr>
+        <p:blipFill>
+          <a:blip r:embed="rId5">
+            <a:extLst>
+              <a:ext uri="{28A0092B-C50C-407E-A947-70E740481C1C}">
+                <a14:useLocalDpi xmlns:a14="http://schemas.microsoft.com/office/drawing/2010/main" val="0"/>
+              </a:ext>
+            </a:extLst>
+          </a:blip>
+          <a:stretch>
+            <a:fillRect/>
+          </a:stretch>
+        </p:blipFill>
+        <p:spPr>
+          <a:xfrm>
+            <a:off x="9418880" y="5245474"/>
+            <a:ext cx="1476581" cy="362001"/>
+          </a:xfrm>
+          <a:prstGeom prst="rect">
+            <a:avLst/>
+          </a:prstGeom>
+        </p:spPr>
+      </p:pic>
+      <p:pic>
+        <p:nvPicPr>
+          <p:cNvPr id="14" name="Picture 13">
+            <a:extLst>
+              <a:ext uri="{FF2B5EF4-FFF2-40B4-BE49-F238E27FC236}">
+                <a16:creationId xmlns:a16="http://schemas.microsoft.com/office/drawing/2014/main" id="{0F1E1E45-0765-090D-C194-3D77D1245079}"/>
+              </a:ext>
+            </a:extLst>
+          </p:cNvPr>
+          <p:cNvPicPr>
+            <a:picLocks noChangeAspect="1"/>
+          </p:cNvPicPr>
+          <p:nvPr/>
+        </p:nvPicPr>
+        <p:blipFill>
+          <a:blip r:embed="rId6">
+            <a:extLst>
+              <a:ext uri="{28A0092B-C50C-407E-A947-70E740481C1C}">
+                <a14:useLocalDpi xmlns:a14="http://schemas.microsoft.com/office/drawing/2010/main" val="0"/>
+              </a:ext>
+            </a:extLst>
+          </a:blip>
+          <a:stretch>
+            <a:fillRect/>
+          </a:stretch>
+        </p:blipFill>
+        <p:spPr>
+          <a:xfrm>
+            <a:off x="6096000" y="5903839"/>
+            <a:ext cx="6056006" cy="735074"/>
+          </a:xfrm>
+          <a:prstGeom prst="rect">
+            <a:avLst/>
+          </a:prstGeom>
+        </p:spPr>
+      </p:pic>
+      <p:cxnSp>
+        <p:nvCxnSpPr>
+          <p:cNvPr id="16" name="Straight Arrow Connector 15">
+            <a:extLst>
+              <a:ext uri="{FF2B5EF4-FFF2-40B4-BE49-F238E27FC236}">
+                <a16:creationId xmlns:a16="http://schemas.microsoft.com/office/drawing/2014/main" id="{3E699E33-BD41-DB6A-513B-099B7AB50BFF}"/>
+              </a:ext>
+            </a:extLst>
+          </p:cNvPr>
+          <p:cNvCxnSpPr>
+            <a:cxnSpLocks/>
+          </p:cNvCxnSpPr>
+          <p:nvPr/>
+        </p:nvCxnSpPr>
+        <p:spPr>
+          <a:xfrm>
+            <a:off x="6267635" y="1987052"/>
+            <a:ext cx="1755638" cy="0"/>
+          </a:xfrm>
+          <a:prstGeom prst="straightConnector1">
+            <a:avLst/>
+          </a:prstGeom>
+          <a:ln>
+            <a:tailEnd type="triangle"/>
+          </a:ln>
+        </p:spPr>
+        <p:style>
+          <a:lnRef idx="2">
+            <a:schemeClr val="accent1"/>
+          </a:lnRef>
+          <a:fillRef idx="0">
+            <a:schemeClr val="accent1"/>
+          </a:fillRef>
+          <a:effectRef idx="1">
+            <a:schemeClr val="accent1"/>
+          </a:effectRef>
+          <a:fontRef idx="minor">
+            <a:schemeClr val="tx1"/>
+          </a:fontRef>
+        </p:style>
+      </p:cxnSp>
+      <p:cxnSp>
+        <p:nvCxnSpPr>
+          <p:cNvPr id="19" name="Straight Arrow Connector 18">
+            <a:extLst>
+              <a:ext uri="{FF2B5EF4-FFF2-40B4-BE49-F238E27FC236}">
+                <a16:creationId xmlns:a16="http://schemas.microsoft.com/office/drawing/2014/main" id="{883A96BD-5DF3-124C-7B78-5B1D6F4D215F}"/>
+              </a:ext>
+            </a:extLst>
+          </p:cNvPr>
+          <p:cNvCxnSpPr>
+            <a:cxnSpLocks/>
+          </p:cNvCxnSpPr>
+          <p:nvPr/>
+        </p:nvCxnSpPr>
+        <p:spPr>
+          <a:xfrm>
+            <a:off x="7741328" y="2432416"/>
+            <a:ext cx="748540" cy="0"/>
+          </a:xfrm>
+          <a:prstGeom prst="straightConnector1">
+            <a:avLst/>
+          </a:prstGeom>
+          <a:ln>
+            <a:tailEnd type="triangle"/>
+          </a:ln>
+        </p:spPr>
+        <p:style>
+          <a:lnRef idx="2">
+            <a:schemeClr val="accent1"/>
+          </a:lnRef>
+          <a:fillRef idx="0">
+            <a:schemeClr val="accent1"/>
+          </a:fillRef>
+          <a:effectRef idx="1">
+            <a:schemeClr val="accent1"/>
+          </a:effectRef>
+          <a:fontRef idx="minor">
+            <a:schemeClr val="tx1"/>
+          </a:fontRef>
+        </p:style>
+      </p:cxnSp>
+      <p:cxnSp>
+        <p:nvCxnSpPr>
+          <p:cNvPr id="20" name="Straight Arrow Connector 19">
+            <a:extLst>
+              <a:ext uri="{FF2B5EF4-FFF2-40B4-BE49-F238E27FC236}">
+                <a16:creationId xmlns:a16="http://schemas.microsoft.com/office/drawing/2014/main" id="{9C0F6FDE-58EE-D766-B832-C5053DA641C9}"/>
+              </a:ext>
+            </a:extLst>
+          </p:cNvPr>
+          <p:cNvCxnSpPr>
+            <a:cxnSpLocks/>
+          </p:cNvCxnSpPr>
+          <p:nvPr/>
+        </p:nvCxnSpPr>
+        <p:spPr>
+          <a:xfrm>
+            <a:off x="7874493" y="4866376"/>
+            <a:ext cx="939963" cy="0"/>
+          </a:xfrm>
+          <a:prstGeom prst="straightConnector1">
+            <a:avLst/>
+          </a:prstGeom>
+          <a:ln>
+            <a:tailEnd type="triangle"/>
+          </a:ln>
+        </p:spPr>
+        <p:style>
+          <a:lnRef idx="2">
+            <a:schemeClr val="accent1"/>
+          </a:lnRef>
+          <a:fillRef idx="0">
+            <a:schemeClr val="accent1"/>
+          </a:fillRef>
+          <a:effectRef idx="1">
+            <a:schemeClr val="accent1"/>
+          </a:effectRef>
+          <a:fontRef idx="minor">
+            <a:schemeClr val="tx1"/>
+          </a:fontRef>
+        </p:style>
+      </p:cxnSp>
+      <p:cxnSp>
+        <p:nvCxnSpPr>
+          <p:cNvPr id="21" name="Straight Arrow Connector 20">
+            <a:extLst>
+              <a:ext uri="{FF2B5EF4-FFF2-40B4-BE49-F238E27FC236}">
+                <a16:creationId xmlns:a16="http://schemas.microsoft.com/office/drawing/2014/main" id="{5C7E911D-0B85-01CC-43E2-DE2E0348BFF9}"/>
+              </a:ext>
+            </a:extLst>
+          </p:cNvPr>
+          <p:cNvCxnSpPr>
+            <a:cxnSpLocks/>
+          </p:cNvCxnSpPr>
+          <p:nvPr/>
+        </p:nvCxnSpPr>
+        <p:spPr>
+          <a:xfrm flipV="1">
+            <a:off x="7936637" y="5471537"/>
+            <a:ext cx="1459824" cy="236805"/>
+          </a:xfrm>
+          <a:prstGeom prst="straightConnector1">
+            <a:avLst/>
+          </a:prstGeom>
+          <a:ln>
+            <a:tailEnd type="triangle"/>
+          </a:ln>
+        </p:spPr>
+        <p:style>
+          <a:lnRef idx="2">
+            <a:schemeClr val="accent1"/>
+          </a:lnRef>
+          <a:fillRef idx="0">
+            <a:schemeClr val="accent1"/>
+          </a:fillRef>
+          <a:effectRef idx="1">
+            <a:schemeClr val="accent1"/>
+          </a:effectRef>
+          <a:fontRef idx="minor">
+            <a:schemeClr val="tx1"/>
+          </a:fontRef>
+        </p:style>
+      </p:cxnSp>
+      <p:cxnSp>
+        <p:nvCxnSpPr>
+          <p:cNvPr id="22" name="Straight Arrow Connector 21">
+            <a:extLst>
+              <a:ext uri="{FF2B5EF4-FFF2-40B4-BE49-F238E27FC236}">
+                <a16:creationId xmlns:a16="http://schemas.microsoft.com/office/drawing/2014/main" id="{A1780BF9-793A-8A5F-2A85-CE741BC02C75}"/>
+              </a:ext>
+            </a:extLst>
+          </p:cNvPr>
+          <p:cNvCxnSpPr>
+            <a:cxnSpLocks/>
+          </p:cNvCxnSpPr>
+          <p:nvPr/>
+        </p:nvCxnSpPr>
+        <p:spPr>
+          <a:xfrm>
+            <a:off x="1562470" y="6343029"/>
+            <a:ext cx="4533530" cy="0"/>
+          </a:xfrm>
+          <a:prstGeom prst="straightConnector1">
+            <a:avLst/>
+          </a:prstGeom>
+          <a:ln>
+            <a:tailEnd type="triangle"/>
+          </a:ln>
+        </p:spPr>
+        <p:style>
+          <a:lnRef idx="2">
+            <a:schemeClr val="accent1"/>
+          </a:lnRef>
+          <a:fillRef idx="0">
+            <a:schemeClr val="accent1"/>
+          </a:fillRef>
+          <a:effectRef idx="1">
+            <a:schemeClr val="accent1"/>
+          </a:effectRef>
+          <a:fontRef idx="minor">
+            <a:schemeClr val="tx1"/>
+          </a:fontRef>
+        </p:style>
+      </p:cxnSp>
+    </p:spTree>
+    <p:extLst>
+      <p:ext uri="{BB962C8B-B14F-4D97-AF65-F5344CB8AC3E}">
+        <p14:creationId xmlns:p14="http://schemas.microsoft.com/office/powerpoint/2010/main" val="4024247060"/>
+      </p:ext>
+    </p:extLst>
+  </p:cSld>
+  <p:clrMapOvr>
+    <a:masterClrMapping/>
+  </p:clrMapOvr>
+</p:sld>
+</file>
+
+<file path=ppt/slides/slide12.xml><?xml version="1.0" encoding="utf-8"?>
+<p:sld xmlns:a="http://schemas.openxmlformats.org/drawingml/2006/main" xmlns:r="http://schemas.openxmlformats.org/officeDocument/2006/relationships" xmlns:p="http://schemas.openxmlformats.org/presentationml/2006/main">
+  <p:cSld>
+    <p:bg>
+      <p:bgPr>
+        <a:solidFill>
+          <a:schemeClr val="bg1"/>
+        </a:solidFill>
+        <a:effectLst/>
+      </p:bgPr>
+    </p:bg>
+    <p:spTree>
+      <p:nvGrpSpPr>
+        <p:cNvPr id="1" name=""/>
+        <p:cNvGrpSpPr/>
+        <p:nvPr/>
+      </p:nvGrpSpPr>
+      <p:grpSpPr>
+        <a:xfrm>
+          <a:off x="0" y="0"/>
+          <a:ext cx="0" cy="0"/>
+          <a:chOff x="0" y="0"/>
+          <a:chExt cx="0" cy="0"/>
+        </a:xfrm>
+      </p:grpSpPr>
+      <p:sp useBgFill="1">
+        <p:nvSpPr>
+          <p:cNvPr id="8" name="Rectangle 7">
+            <a:extLst>
+              <a:ext uri="{FF2B5EF4-FFF2-40B4-BE49-F238E27FC236}">
+                <a16:creationId xmlns:a16="http://schemas.microsoft.com/office/drawing/2014/main" id="{B6CDA21F-E7AF-4C75-8395-33F58D5B0E45}"/>
+              </a:ext>
+              <a:ext uri="{C183D7F6-B498-43B3-948B-1728B52AA6E4}">
+                <adec:decorative xmlns:adec="http://schemas.microsoft.com/office/drawing/2017/decorative" val="1"/>
+              </a:ext>
+            </a:extLst>
+          </p:cNvPr>
+          <p:cNvSpPr>
+            <a:spLocks noGrp="1" noRot="1" noChangeAspect="1" noMove="1" noResize="1" noEditPoints="1" noAdjustHandles="1" noChangeArrowheads="1" noChangeShapeType="1" noTextEdit="1"/>
+          </p:cNvSpPr>
+          <p:nvPr>
+            <p:extLst>
+              <p:ext uri="{386F3935-93C4-4BCD-93E2-E3B085C9AB24}">
+                <p16:designElem xmlns:p16="http://schemas.microsoft.com/office/powerpoint/2015/main" val="1"/>
+              </p:ext>
+            </p:extLst>
+          </p:nvPr>
+        </p:nvSpPr>
+        <p:spPr>
+          <a:xfrm>
+            <a:off x="0" y="0"/>
+            <a:ext cx="12191999" cy="6857365"/>
+          </a:xfrm>
+          <a:prstGeom prst="rect">
+            <a:avLst/>
+          </a:prstGeom>
+          <a:ln>
+            <a:noFill/>
+          </a:ln>
+        </p:spPr>
+        <p:style>
+          <a:lnRef idx="2">
+            <a:schemeClr val="accent1">
+              <a:shade val="50000"/>
+            </a:schemeClr>
+          </a:lnRef>
+          <a:fillRef idx="1">
+            <a:schemeClr val="accent1"/>
+          </a:fillRef>
+          <a:effectRef idx="0">
+            <a:schemeClr val="accent1"/>
+          </a:effectRef>
+          <a:fontRef idx="minor">
+            <a:schemeClr val="lt1"/>
+          </a:fontRef>
+        </p:style>
+        <p:txBody>
+          <a:bodyPr rtlCol="0" anchor="ctr"/>
+          <a:lstStyle/>
+          <a:p>
+            <a:pPr algn="ctr"/>
+            <a:endParaRPr lang="en-US"/>
+          </a:p>
+        </p:txBody>
+      </p:sp>
+      <p:grpSp>
+        <p:nvGrpSpPr>
+          <p:cNvPr id="10" name="Group 9">
+            <a:extLst>
+              <a:ext uri="{FF2B5EF4-FFF2-40B4-BE49-F238E27FC236}">
+                <a16:creationId xmlns:a16="http://schemas.microsoft.com/office/drawing/2014/main" id="{AE1C45F0-260A-458C-96ED-C1F6D2151219}"/>
+              </a:ext>
+              <a:ext uri="{C183D7F6-B498-43B3-948B-1728B52AA6E4}">
+                <adec:decorative xmlns:adec="http://schemas.microsoft.com/office/drawing/2017/decorative" val="1"/>
+              </a:ext>
+            </a:extLst>
+          </p:cNvPr>
+          <p:cNvGrpSpPr>
+            <a:grpSpLocks noGrp="1" noUngrp="1" noRot="1" noChangeAspect="1" noMove="1" noResize="1"/>
+          </p:cNvGrpSpPr>
+          <p:nvPr>
+            <p:extLst>
+              <p:ext uri="{386F3935-93C4-4BCD-93E2-E3B085C9AB24}">
+                <p16:designElem xmlns:p16="http://schemas.microsoft.com/office/powerpoint/2015/main" val="1"/>
+              </p:ext>
+            </p:extLst>
+          </p:nvPr>
+        </p:nvGrpSpPr>
+        <p:grpSpPr>
+          <a:xfrm>
+            <a:off x="4" y="1216597"/>
+            <a:ext cx="731521" cy="673460"/>
+            <a:chOff x="3940602" y="308034"/>
+            <a:chExt cx="2116791" cy="3428999"/>
+          </a:xfrm>
+          <a:solidFill>
+            <a:schemeClr val="accent4"/>
+          </a:solidFill>
+        </p:grpSpPr>
+        <p:sp>
+          <p:nvSpPr>
+            <p:cNvPr id="11" name="Rectangle 10">
+              <a:extLst>
+                <a:ext uri="{FF2B5EF4-FFF2-40B4-BE49-F238E27FC236}">
+                  <a16:creationId xmlns:a16="http://schemas.microsoft.com/office/drawing/2014/main" id="{A6604B49-AD5C-4590-B051-06C8222ECD99}"/>
+                </a:ext>
+                <a:ext uri="{C183D7F6-B498-43B3-948B-1728B52AA6E4}">
+                  <adec:decorative xmlns:adec="http://schemas.microsoft.com/office/drawing/2017/decorative" val="1"/>
+                </a:ext>
+              </a:extLst>
+            </p:cNvPr>
+            <p:cNvSpPr/>
+            <p:nvPr>
+              <p:extLst>
+                <p:ext uri="{386F3935-93C4-4BCD-93E2-E3B085C9AB24}">
+                  <p16:designElem xmlns:p16="http://schemas.microsoft.com/office/powerpoint/2015/main" val="1"/>
+                </p:ext>
+              </p:extLst>
+            </p:nvPr>
+          </p:nvSpPr>
+          <p:spPr>
+            <a:xfrm>
+              <a:off x="3940602" y="308034"/>
+              <a:ext cx="566743" cy="3428999"/>
+            </a:xfrm>
+            <a:prstGeom prst="rect">
+              <a:avLst/>
+            </a:prstGeom>
+            <a:grpFill/>
+            <a:ln>
+              <a:noFill/>
+            </a:ln>
+          </p:spPr>
+          <p:style>
+            <a:lnRef idx="2">
+              <a:schemeClr val="accent1">
+                <a:shade val="50000"/>
+              </a:schemeClr>
+            </a:lnRef>
+            <a:fillRef idx="1">
+              <a:schemeClr val="accent1"/>
+            </a:fillRef>
+            <a:effectRef idx="0">
+              <a:schemeClr val="accent1"/>
+            </a:effectRef>
+            <a:fontRef idx="minor">
+              <a:schemeClr val="lt1"/>
+            </a:fontRef>
+          </p:style>
+          <p:txBody>
+            <a:bodyPr rtlCol="0" anchor="ctr"/>
+            <a:lstStyle/>
+            <a:p>
+              <a:pPr algn="ctr"/>
+              <a:endParaRPr lang="en-US"/>
+            </a:p>
+          </p:txBody>
+        </p:sp>
+        <p:sp>
+          <p:nvSpPr>
+            <p:cNvPr id="12" name="Rectangle 11">
+              <a:extLst>
+                <a:ext uri="{FF2B5EF4-FFF2-40B4-BE49-F238E27FC236}">
+                  <a16:creationId xmlns:a16="http://schemas.microsoft.com/office/drawing/2014/main" id="{743ECCAF-29C5-4537-947C-7EA1292463DB}"/>
+                </a:ext>
+                <a:ext uri="{C183D7F6-B498-43B3-948B-1728B52AA6E4}">
+                  <adec:decorative xmlns:adec="http://schemas.microsoft.com/office/drawing/2017/decorative" val="1"/>
+                </a:ext>
+              </a:extLst>
+            </p:cNvPr>
+            <p:cNvSpPr/>
+            <p:nvPr>
+              <p:extLst>
+                <p:ext uri="{386F3935-93C4-4BCD-93E2-E3B085C9AB24}">
+                  <p16:designElem xmlns:p16="http://schemas.microsoft.com/office/powerpoint/2015/main" val="1"/>
+                </p:ext>
+              </p:extLst>
+            </p:nvPr>
+          </p:nvSpPr>
+          <p:spPr>
+            <a:xfrm>
+              <a:off x="4715626" y="308034"/>
+              <a:ext cx="566743" cy="3428999"/>
+            </a:xfrm>
+            <a:prstGeom prst="rect">
+              <a:avLst/>
+            </a:prstGeom>
+            <a:grpFill/>
+            <a:ln>
+              <a:noFill/>
+            </a:ln>
+          </p:spPr>
+          <p:style>
+            <a:lnRef idx="2">
+              <a:schemeClr val="accent1">
+                <a:shade val="50000"/>
+              </a:schemeClr>
+            </a:lnRef>
+            <a:fillRef idx="1">
+              <a:schemeClr val="accent1"/>
+            </a:fillRef>
+            <a:effectRef idx="0">
+              <a:schemeClr val="accent1"/>
+            </a:effectRef>
+            <a:fontRef idx="minor">
+              <a:schemeClr val="lt1"/>
+            </a:fontRef>
+          </p:style>
+          <p:txBody>
+            <a:bodyPr rtlCol="0" anchor="ctr"/>
+            <a:lstStyle/>
+            <a:p>
+              <a:pPr algn="ctr"/>
+              <a:endParaRPr lang="en-US"/>
+            </a:p>
+          </p:txBody>
+        </p:sp>
+        <p:sp>
+          <p:nvSpPr>
+            <p:cNvPr id="13" name="Rectangle 12">
+              <a:extLst>
+                <a:ext uri="{FF2B5EF4-FFF2-40B4-BE49-F238E27FC236}">
+                  <a16:creationId xmlns:a16="http://schemas.microsoft.com/office/drawing/2014/main" id="{ED49787B-8DE6-4467-AD0A-8DECC6E0C2D6}"/>
+                </a:ext>
+                <a:ext uri="{C183D7F6-B498-43B3-948B-1728B52AA6E4}">
+                  <adec:decorative xmlns:adec="http://schemas.microsoft.com/office/drawing/2017/decorative" val="1"/>
+                </a:ext>
+              </a:extLst>
+            </p:cNvPr>
+            <p:cNvSpPr/>
+            <p:nvPr>
+              <p:extLst>
+                <p:ext uri="{386F3935-93C4-4BCD-93E2-E3B085C9AB24}">
+                  <p16:designElem xmlns:p16="http://schemas.microsoft.com/office/powerpoint/2015/main" val="1"/>
+                </p:ext>
+              </p:extLst>
+            </p:nvPr>
+          </p:nvSpPr>
+          <p:spPr>
+            <a:xfrm>
+              <a:off x="5490650" y="308034"/>
+              <a:ext cx="566743" cy="3428999"/>
+            </a:xfrm>
+            <a:prstGeom prst="rect">
+              <a:avLst/>
+            </a:prstGeom>
+            <a:grpFill/>
+            <a:ln>
+              <a:noFill/>
+            </a:ln>
+          </p:spPr>
+          <p:style>
+            <a:lnRef idx="2">
+              <a:schemeClr val="accent1">
+                <a:shade val="50000"/>
+              </a:schemeClr>
+            </a:lnRef>
+            <a:fillRef idx="1">
+              <a:schemeClr val="accent1"/>
+            </a:fillRef>
+            <a:effectRef idx="0">
+              <a:schemeClr val="accent1"/>
+            </a:effectRef>
+            <a:fontRef idx="minor">
+              <a:schemeClr val="lt1"/>
+            </a:fontRef>
+          </p:style>
+          <p:txBody>
+            <a:bodyPr rtlCol="0" anchor="ctr"/>
+            <a:lstStyle/>
+            <a:p>
+              <a:pPr algn="ctr"/>
+              <a:endParaRPr lang="en-US"/>
+            </a:p>
+          </p:txBody>
+        </p:sp>
+      </p:grpSp>
+      <p:sp>
+        <p:nvSpPr>
+          <p:cNvPr id="15" name="Rectangle 14">
+            <a:extLst>
+              <a:ext uri="{FF2B5EF4-FFF2-40B4-BE49-F238E27FC236}">
+                <a16:creationId xmlns:a16="http://schemas.microsoft.com/office/drawing/2014/main" id="{D5B0017B-2ECA-49AF-B397-DC140825DF8D}"/>
+              </a:ext>
+              <a:ext uri="{C183D7F6-B498-43B3-948B-1728B52AA6E4}">
+                <adec:decorative xmlns:adec="http://schemas.microsoft.com/office/drawing/2017/decorative" val="1"/>
+              </a:ext>
+            </a:extLst>
+          </p:cNvPr>
+          <p:cNvSpPr>
+            <a:spLocks noGrp="1" noRot="1" noChangeAspect="1" noMove="1" noResize="1" noEditPoints="1" noAdjustHandles="1" noChangeArrowheads="1" noChangeShapeType="1" noTextEdit="1"/>
+          </p:cNvSpPr>
+          <p:nvPr>
+            <p:extLst>
+              <p:ext uri="{386F3935-93C4-4BCD-93E2-E3B085C9AB24}">
+                <p16:designElem xmlns:p16="http://schemas.microsoft.com/office/powerpoint/2015/main" val="1"/>
+              </p:ext>
+            </p:extLst>
+          </p:nvPr>
+        </p:nvSpPr>
+        <p:spPr>
+          <a:xfrm>
+            <a:off x="640079" y="613954"/>
+            <a:ext cx="10907487" cy="1894116"/>
+          </a:xfrm>
+          <a:prstGeom prst="rect">
+            <a:avLst/>
+          </a:prstGeom>
+          <a:solidFill>
+            <a:schemeClr val="bg1"/>
+          </a:solidFill>
+          <a:ln>
+            <a:noFill/>
+          </a:ln>
+          <a:effectLst>
+            <a:outerShdw blurRad="139700" dist="127000" dir="5400000" algn="t" rotWithShape="0">
+              <a:prstClr val="black">
+                <a:alpha val="15000"/>
+              </a:prstClr>
+            </a:outerShdw>
+          </a:effectLst>
+        </p:spPr>
+        <p:style>
+          <a:lnRef idx="2">
+            <a:schemeClr val="accent1">
+              <a:shade val="50000"/>
+            </a:schemeClr>
+          </a:lnRef>
+          <a:fillRef idx="1">
+            <a:schemeClr val="accent1"/>
+          </a:fillRef>
+          <a:effectRef idx="0">
+            <a:schemeClr val="accent1"/>
+          </a:effectRef>
+          <a:fontRef idx="minor">
+            <a:schemeClr val="lt1"/>
+          </a:fontRef>
+        </p:style>
+        <p:txBody>
+          <a:bodyPr rtlCol="0" anchor="ctr"/>
+          <a:lstStyle/>
+          <a:p>
+            <a:pPr algn="ctr"/>
+            <a:endParaRPr lang="en-US"/>
+          </a:p>
+        </p:txBody>
+      </p:sp>
+      <p:sp>
+        <p:nvSpPr>
+          <p:cNvPr id="2" name="Title 1">
+            <a:extLst>
+              <a:ext uri="{FF2B5EF4-FFF2-40B4-BE49-F238E27FC236}">
+                <a16:creationId xmlns:a16="http://schemas.microsoft.com/office/drawing/2014/main" id="{527C2658-7FCE-529B-FBE3-C96D28ACFD59}"/>
+              </a:ext>
+            </a:extLst>
+          </p:cNvPr>
+          <p:cNvSpPr>
+            <a:spLocks noGrp="1"/>
+          </p:cNvSpPr>
+          <p:nvPr>
+            <p:ph type="title"/>
+          </p:nvPr>
+        </p:nvSpPr>
+        <p:spPr>
+          <a:xfrm>
+            <a:off x="1043631" y="809898"/>
+            <a:ext cx="9942716" cy="1554480"/>
+          </a:xfrm>
+        </p:spPr>
+        <p:txBody>
+          <a:bodyPr vert="horz" lIns="91440" tIns="45720" rIns="91440" bIns="45720" rtlCol="0" anchor="ctr">
+            <a:normAutofit/>
+          </a:bodyPr>
+          <a:lstStyle/>
+          <a:p>
+            <a:r>
+              <a:rPr lang="en-US" sz="4800" kern="1200">
+                <a:solidFill>
+                  <a:schemeClr val="tx1"/>
+                </a:solidFill>
+                <a:latin typeface="+mj-lt"/>
+                <a:ea typeface="+mj-ea"/>
+                <a:cs typeface="+mj-cs"/>
+              </a:rPr>
+              <a:t>Commit Changes(Windows Powershell)</a:t>
+            </a:r>
+          </a:p>
+        </p:txBody>
+      </p:sp>
+      <p:sp>
+        <p:nvSpPr>
+          <p:cNvPr id="7" name="Content Placeholder 2">
+            <a:extLst>
+              <a:ext uri="{FF2B5EF4-FFF2-40B4-BE49-F238E27FC236}">
+                <a16:creationId xmlns:a16="http://schemas.microsoft.com/office/drawing/2014/main" id="{939A4F37-91DB-0A25-B053-9FFF37850AD2}"/>
+              </a:ext>
+            </a:extLst>
+          </p:cNvPr>
+          <p:cNvSpPr>
+            <a:spLocks noGrp="1"/>
+          </p:cNvSpPr>
+          <p:nvPr>
+            <p:ph sz="half" idx="1"/>
+          </p:nvPr>
+        </p:nvSpPr>
+        <p:spPr>
+          <a:xfrm>
+            <a:off x="1045028" y="3017522"/>
+            <a:ext cx="9941319" cy="3124658"/>
+          </a:xfrm>
+        </p:spPr>
+        <p:txBody>
+          <a:bodyPr vert="horz" lIns="91440" tIns="45720" rIns="91440" bIns="45720" rtlCol="0" anchor="ctr">
+            <a:normAutofit/>
+          </a:bodyPr>
+          <a:lstStyle/>
+          <a:p>
+            <a:pPr marL="0" indent="0">
+              <a:buNone/>
+            </a:pPr>
+            <a:r>
+              <a:rPr lang="en-US" sz="2000" dirty="0"/>
+              <a:t>1. Commit Our Changes And New Files To Be Added To GitHub</a:t>
+            </a:r>
+          </a:p>
+          <a:p>
+            <a:r>
+              <a:rPr lang="en-US" sz="2000" dirty="0"/>
+              <a:t> git commit –m “ Second Commit”  (-m means message)</a:t>
+            </a:r>
+          </a:p>
+          <a:p>
+            <a:pPr marL="0" indent="0">
+              <a:buNone/>
+            </a:pPr>
+            <a:r>
+              <a:rPr lang="en-US" sz="2000" dirty="0"/>
+              <a:t>2. Show Our History</a:t>
+            </a:r>
+          </a:p>
+          <a:p>
+            <a:pPr marL="0"/>
+            <a:r>
+              <a:rPr lang="en-US" sz="2000" dirty="0"/>
+              <a:t>  git log –-all –-decorate –-</a:t>
+            </a:r>
+            <a:r>
+              <a:rPr lang="en-US" sz="2000" dirty="0" err="1"/>
+              <a:t>oneline</a:t>
+            </a:r>
+            <a:r>
+              <a:rPr lang="en-US" sz="2000" dirty="0"/>
+              <a:t> --graph (special formatted way to show history)</a:t>
+            </a:r>
+          </a:p>
+          <a:p>
+            <a:r>
+              <a:rPr lang="en-US" sz="2000" dirty="0"/>
+              <a:t>Head-&gt;main – Locally </a:t>
+            </a:r>
+            <a:r>
+              <a:rPr lang="en-US" sz="2000" dirty="0" err="1"/>
+              <a:t>i</a:t>
+            </a:r>
+            <a:r>
+              <a:rPr lang="en-US" sz="2000" dirty="0"/>
+              <a:t> have these changes, but </a:t>
+            </a:r>
+            <a:r>
+              <a:rPr lang="en-US" sz="2000" dirty="0" err="1"/>
+              <a:t>Github</a:t>
+            </a:r>
+            <a:r>
+              <a:rPr lang="en-US" sz="2000" dirty="0"/>
+              <a:t> doesn’t know about them yet. (see in </a:t>
+            </a:r>
+            <a:r>
+              <a:rPr lang="en-US" sz="2000" dirty="0" err="1"/>
+              <a:t>github</a:t>
+            </a:r>
+            <a:r>
+              <a:rPr lang="en-US" sz="2000" dirty="0"/>
+              <a:t>)</a:t>
+            </a:r>
+          </a:p>
+          <a:p>
+            <a:pPr marL="0" indent="0">
+              <a:buNone/>
+            </a:pPr>
+            <a:r>
+              <a:rPr lang="en-US" sz="2000" dirty="0"/>
+              <a:t>3. git push  - pushes our new files and changes up to </a:t>
+            </a:r>
+            <a:r>
+              <a:rPr lang="en-US" sz="2000" dirty="0" err="1"/>
+              <a:t>github</a:t>
+            </a:r>
+            <a:r>
+              <a:rPr lang="en-US" sz="2000" dirty="0"/>
+              <a:t> (see in </a:t>
+            </a:r>
+            <a:r>
+              <a:rPr lang="en-US" sz="2000" dirty="0" err="1"/>
+              <a:t>github</a:t>
+            </a:r>
+            <a:r>
+              <a:rPr lang="en-US" sz="2000" dirty="0"/>
+              <a:t>)</a:t>
+            </a:r>
+          </a:p>
+          <a:p>
+            <a:r>
+              <a:rPr lang="en-US" sz="2000" dirty="0"/>
+              <a:t>Your first commit through git might require authorization (sign in and continue)</a:t>
+            </a:r>
+          </a:p>
+          <a:p>
+            <a:endParaRPr lang="en-US" sz="2000" dirty="0"/>
+          </a:p>
+          <a:p>
+            <a:endParaRPr lang="en-US" sz="2000" dirty="0"/>
+          </a:p>
+        </p:txBody>
+      </p:sp>
+      <p:cxnSp>
+        <p:nvCxnSpPr>
+          <p:cNvPr id="17" name="Straight Connector 16">
+            <a:extLst>
+              <a:ext uri="{FF2B5EF4-FFF2-40B4-BE49-F238E27FC236}">
+                <a16:creationId xmlns:a16="http://schemas.microsoft.com/office/drawing/2014/main" id="{6CF1BAF6-AD41-4082-B212-8A1F9A2E8779}"/>
+              </a:ext>
+              <a:ext uri="{C183D7F6-B498-43B3-948B-1728B52AA6E4}">
+                <adec:decorative xmlns:adec="http://schemas.microsoft.com/office/drawing/2017/decorative" val="1"/>
+              </a:ext>
+            </a:extLst>
+          </p:cNvPr>
+          <p:cNvCxnSpPr>
+            <a:cxnSpLocks noGrp="1" noRot="1" noChangeAspect="1" noMove="1" noResize="1" noEditPoints="1" noAdjustHandles="1" noChangeArrowheads="1" noChangeShapeType="1"/>
+          </p:cNvCxnSpPr>
+          <p:nvPr>
+            <p:extLst>
+              <p:ext uri="{386F3935-93C4-4BCD-93E2-E3B085C9AB24}">
+                <p16:designElem xmlns:p16="http://schemas.microsoft.com/office/powerpoint/2015/main" val="1"/>
+              </p:ext>
+            </p:extLst>
+          </p:nvPr>
+        </p:nvCxnSpPr>
+        <p:spPr>
+          <a:xfrm flipH="1">
+            <a:off x="838200" y="6485313"/>
+            <a:ext cx="10515600" cy="0"/>
+          </a:xfrm>
+          <a:prstGeom prst="line">
+            <a:avLst/>
+          </a:prstGeom>
+          <a:ln w="57150">
+            <a:solidFill>
+              <a:schemeClr val="accent4"/>
+            </a:solidFill>
+          </a:ln>
+        </p:spPr>
+        <p:style>
+          <a:lnRef idx="1">
+            <a:schemeClr val="accent1"/>
+          </a:lnRef>
+          <a:fillRef idx="0">
+            <a:schemeClr val="accent1"/>
+          </a:fillRef>
+          <a:effectRef idx="0">
+            <a:schemeClr val="accent1"/>
+          </a:effectRef>
+          <a:fontRef idx="minor">
+            <a:schemeClr val="tx1"/>
+          </a:fontRef>
+        </p:style>
+      </p:cxnSp>
+    </p:spTree>
+    <p:extLst>
+      <p:ext uri="{BB962C8B-B14F-4D97-AF65-F5344CB8AC3E}">
+        <p14:creationId xmlns:p14="http://schemas.microsoft.com/office/powerpoint/2010/main" val="755458036"/>
+      </p:ext>
+    </p:extLst>
+  </p:cSld>
+  <p:clrMapOvr>
+    <a:masterClrMapping/>
+  </p:clrMapOvr>
+</p:sld>
+</file>
+
+<file path=ppt/slides/slide13.xml><?xml version="1.0" encoding="utf-8"?>
+<p:sld xmlns:a="http://schemas.openxmlformats.org/drawingml/2006/main" xmlns:r="http://schemas.openxmlformats.org/officeDocument/2006/relationships" xmlns:p="http://schemas.openxmlformats.org/presentationml/2006/main">
+  <p:cSld>
+    <p:spTree>
+      <p:nvGrpSpPr>
+        <p:cNvPr id="1" name=""/>
+        <p:cNvGrpSpPr/>
+        <p:nvPr/>
+      </p:nvGrpSpPr>
+      <p:grpSpPr>
+        <a:xfrm>
+          <a:off x="0" y="0"/>
+          <a:ext cx="0" cy="0"/>
+          <a:chOff x="0" y="0"/>
+          <a:chExt cx="0" cy="0"/>
+        </a:xfrm>
+      </p:grpSpPr>
+      <p:sp>
+        <p:nvSpPr>
+          <p:cNvPr id="2" name="Title 1">
+            <a:extLst>
+              <a:ext uri="{FF2B5EF4-FFF2-40B4-BE49-F238E27FC236}">
+                <a16:creationId xmlns:a16="http://schemas.microsoft.com/office/drawing/2014/main" id="{8A2B0129-46F1-5C8D-1EAE-1D930E4FFC5C}"/>
+              </a:ext>
+            </a:extLst>
+          </p:cNvPr>
+          <p:cNvSpPr>
+            <a:spLocks noGrp="1"/>
+          </p:cNvSpPr>
+          <p:nvPr>
+            <p:ph type="title"/>
+          </p:nvPr>
+        </p:nvSpPr>
+        <p:spPr>
+          <a:solidFill>
+            <a:schemeClr val="bg1">
+              <a:lumMod val="85000"/>
+            </a:schemeClr>
+          </a:solidFill>
+        </p:spPr>
+        <p:txBody>
+          <a:bodyPr/>
+          <a:lstStyle/>
+          <a:p>
+            <a:r>
+              <a:rPr lang="en-US" dirty="0"/>
+              <a:t>Create A New File On Local Machine (2</a:t>
+            </a:r>
+            <a:r>
+              <a:rPr lang="en-US" baseline="30000" dirty="0"/>
+              <a:t>nd</a:t>
+            </a:r>
+            <a:r>
+              <a:rPr lang="en-US" dirty="0"/>
+              <a:t>)</a:t>
+            </a:r>
+          </a:p>
+        </p:txBody>
+      </p:sp>
+      <p:graphicFrame>
+        <p:nvGraphicFramePr>
+          <p:cNvPr id="5" name="Content Placeholder 2">
+            <a:extLst>
+              <a:ext uri="{FF2B5EF4-FFF2-40B4-BE49-F238E27FC236}">
+                <a16:creationId xmlns:a16="http://schemas.microsoft.com/office/drawing/2014/main" id="{0FDACB1F-BCB2-3B59-1E5B-0A90E597A893}"/>
+              </a:ext>
+            </a:extLst>
+          </p:cNvPr>
+          <p:cNvGraphicFramePr>
+            <a:graphicFrameLocks noGrp="1"/>
+          </p:cNvGraphicFramePr>
+          <p:nvPr>
+            <p:ph sz="half" idx="1"/>
+          </p:nvPr>
+        </p:nvGraphicFramePr>
+        <p:xfrm>
+          <a:off x="838200" y="1825625"/>
+          <a:ext cx="8643730" cy="4351338"/>
+        </p:xfrm>
+        <a:graphic>
+          <a:graphicData uri="http://schemas.openxmlformats.org/drawingml/2006/diagram">
+            <dgm:relIds xmlns:dgm="http://schemas.openxmlformats.org/drawingml/2006/diagram" xmlns:r="http://schemas.openxmlformats.org/officeDocument/2006/relationships" r:dm="rId2" r:lo="rId3" r:qs="rId4" r:cs="rId5"/>
+          </a:graphicData>
+        </a:graphic>
+      </p:graphicFrame>
+    </p:spTree>
+    <p:extLst>
+      <p:ext uri="{BB962C8B-B14F-4D97-AF65-F5344CB8AC3E}">
+        <p14:creationId xmlns:p14="http://schemas.microsoft.com/office/powerpoint/2010/main" val="171364255"/>
+      </p:ext>
+    </p:extLst>
+  </p:cSld>
+  <p:clrMapOvr>
+    <a:masterClrMapping/>
+  </p:clrMapOvr>
+</p:sld>
+</file>
+
+<file path=ppt/slides/slide14.xml><?xml version="1.0" encoding="utf-8"?>
+<p:sld xmlns:a="http://schemas.openxmlformats.org/drawingml/2006/main" xmlns:r="http://schemas.openxmlformats.org/officeDocument/2006/relationships" xmlns:p="http://schemas.openxmlformats.org/presentationml/2006/main">
+  <p:cSld>
+    <p:spTree>
+      <p:nvGrpSpPr>
+        <p:cNvPr id="1" name=""/>
+        <p:cNvGrpSpPr/>
+        <p:nvPr/>
+      </p:nvGrpSpPr>
+      <p:grpSpPr>
+        <a:xfrm>
+          <a:off x="0" y="0"/>
+          <a:ext cx="0" cy="0"/>
+          <a:chOff x="0" y="0"/>
+          <a:chExt cx="0" cy="0"/>
+        </a:xfrm>
+      </p:grpSpPr>
+      <p:sp>
+        <p:nvSpPr>
+          <p:cNvPr id="2" name="Title 1">
+            <a:extLst>
+              <a:ext uri="{FF2B5EF4-FFF2-40B4-BE49-F238E27FC236}">
+                <a16:creationId xmlns:a16="http://schemas.microsoft.com/office/drawing/2014/main" id="{FE7672CA-F9E7-D76D-75C6-6E51B87E3DF7}"/>
+              </a:ext>
+            </a:extLst>
+          </p:cNvPr>
+          <p:cNvSpPr>
+            <a:spLocks noGrp="1"/>
+          </p:cNvSpPr>
+          <p:nvPr>
+            <p:ph type="title"/>
+          </p:nvPr>
+        </p:nvSpPr>
+        <p:spPr>
+          <a:solidFill>
+            <a:schemeClr val="accent2">
+              <a:lumMod val="60000"/>
+              <a:lumOff val="40000"/>
+            </a:schemeClr>
+          </a:solidFill>
+        </p:spPr>
+        <p:txBody>
+          <a:bodyPr/>
+          <a:lstStyle/>
+          <a:p>
+            <a:pPr algn="ctr"/>
+            <a:r>
+              <a:rPr lang="en-US" dirty="0"/>
+              <a:t>Git Pull</a:t>
+            </a:r>
+          </a:p>
+        </p:txBody>
+      </p:sp>
+      <p:sp>
+        <p:nvSpPr>
+          <p:cNvPr id="3" name="Content Placeholder 2">
+            <a:extLst>
+              <a:ext uri="{FF2B5EF4-FFF2-40B4-BE49-F238E27FC236}">
+                <a16:creationId xmlns:a16="http://schemas.microsoft.com/office/drawing/2014/main" id="{D2629279-2F3F-4BB4-465E-72F203BA24DE}"/>
+              </a:ext>
+            </a:extLst>
+          </p:cNvPr>
+          <p:cNvSpPr>
+            <a:spLocks noGrp="1"/>
+          </p:cNvSpPr>
+          <p:nvPr>
+            <p:ph sz="half" idx="1"/>
+          </p:nvPr>
+        </p:nvSpPr>
+        <p:spPr>
+          <a:xfrm>
+            <a:off x="838199" y="1825625"/>
+            <a:ext cx="10515599" cy="4351338"/>
+          </a:xfrm>
+          <a:solidFill>
+            <a:schemeClr val="accent3">
+              <a:lumMod val="20000"/>
+              <a:lumOff val="80000"/>
+            </a:schemeClr>
+          </a:solidFill>
+        </p:spPr>
+        <p:txBody>
+          <a:bodyPr anchor="ctr"/>
+          <a:lstStyle/>
+          <a:p>
+            <a:r>
+              <a:rPr lang="en-US" dirty="0"/>
+              <a:t>Copies files from the server to your workspace.</a:t>
+            </a:r>
+          </a:p>
+          <a:p>
+            <a:r>
+              <a:rPr lang="en-US" dirty="0"/>
+              <a:t>Keeps your repository up to date with changes</a:t>
+            </a:r>
+          </a:p>
+          <a:p>
+            <a:r>
+              <a:rPr lang="en-US" dirty="0"/>
+              <a:t>Performs 2 steps: (git fetch) (git merge)</a:t>
+            </a:r>
+          </a:p>
+          <a:p>
+            <a:r>
+              <a:rPr lang="en-US" dirty="0"/>
+              <a:t>Git fetch – downloads changes (without adding them to file system)</a:t>
+            </a:r>
+          </a:p>
+          <a:p>
+            <a:r>
+              <a:rPr lang="en-US" dirty="0"/>
+              <a:t>Git merge – merges those files onto your file system.</a:t>
+            </a:r>
+          </a:p>
+        </p:txBody>
+      </p:sp>
+    </p:spTree>
+    <p:extLst>
+      <p:ext uri="{BB962C8B-B14F-4D97-AF65-F5344CB8AC3E}">
+        <p14:creationId xmlns:p14="http://schemas.microsoft.com/office/powerpoint/2010/main" val="9972245"/>
+      </p:ext>
+    </p:extLst>
+  </p:cSld>
+  <p:clrMapOvr>
+    <a:masterClrMapping/>
+  </p:clrMapOvr>
+</p:sld>
+</file>
+
+<file path=ppt/slides/slide15.xml><?xml version="1.0" encoding="utf-8"?>
+<p:sld xmlns:a="http://schemas.openxmlformats.org/drawingml/2006/main" xmlns:r="http://schemas.openxmlformats.org/officeDocument/2006/relationships" xmlns:p="http://schemas.openxmlformats.org/presentationml/2006/main">
+  <p:cSld>
+    <p:bg>
+      <p:bgPr>
+        <a:solidFill>
+          <a:schemeClr val="bg1"/>
+        </a:solidFill>
+        <a:effectLst/>
+      </p:bgPr>
+    </p:bg>
+    <p:spTree>
+      <p:nvGrpSpPr>
+        <p:cNvPr id="1" name=""/>
+        <p:cNvGrpSpPr/>
+        <p:nvPr/>
+      </p:nvGrpSpPr>
+      <p:grpSpPr>
+        <a:xfrm>
+          <a:off x="0" y="0"/>
+          <a:ext cx="0" cy="0"/>
+          <a:chOff x="0" y="0"/>
+          <a:chExt cx="0" cy="0"/>
+        </a:xfrm>
+      </p:grpSpPr>
+      <p:sp useBgFill="1">
+        <p:nvSpPr>
+          <p:cNvPr id="9" name="Rectangle 8">
+            <a:extLst>
+              <a:ext uri="{FF2B5EF4-FFF2-40B4-BE49-F238E27FC236}">
+                <a16:creationId xmlns:a16="http://schemas.microsoft.com/office/drawing/2014/main" id="{BACC6370-2D7E-4714-9D71-7542949D7D5D}"/>
+              </a:ext>
+              <a:ext uri="{C183D7F6-B498-43B3-948B-1728B52AA6E4}">
+                <adec:decorative xmlns:adec="http://schemas.microsoft.com/office/drawing/2017/decorative" val="1"/>
+              </a:ext>
+            </a:extLst>
+          </p:cNvPr>
+          <p:cNvSpPr>
+            <a:spLocks noGrp="1" noRot="1" noChangeAspect="1" noMove="1" noResize="1" noEditPoints="1" noAdjustHandles="1" noChangeArrowheads="1" noChangeShapeType="1" noTextEdit="1"/>
+          </p:cNvSpPr>
+          <p:nvPr>
+            <p:extLst>
+              <p:ext uri="{386F3935-93C4-4BCD-93E2-E3B085C9AB24}">
+                <p16:designElem xmlns:p16="http://schemas.microsoft.com/office/powerpoint/2015/main" val="1"/>
+              </p:ext>
+            </p:extLst>
+          </p:nvPr>
+        </p:nvSpPr>
+        <p:spPr>
+          <a:xfrm>
+            <a:off x="0" y="0"/>
+            <a:ext cx="12192000" cy="6858000"/>
+          </a:xfrm>
+          <a:prstGeom prst="rect">
+            <a:avLst/>
+          </a:prstGeom>
+          <a:ln w="12700" cap="flat" cmpd="sng" algn="ctr">
+            <a:noFill/>
+            <a:prstDash val="solid"/>
+            <a:miter lim="800000"/>
+          </a:ln>
+          <a:effectLst/>
+          <a:extLst>
+            <a:ext uri="{91240B29-F687-4F45-9708-019B960494DF}">
+              <a14:hiddenLine xmlns:a14="http://schemas.microsoft.com/office/drawing/2010/main" w="12700" cap="flat" cmpd="sng" algn="ctr">
+                <a:solidFill>
+                  <a:schemeClr val="accent1">
+                    <a:shade val="50000"/>
+                  </a:schemeClr>
+                </a:solidFill>
+                <a:prstDash val="solid"/>
+                <a:miter lim="800000"/>
+              </a14:hiddenLine>
+            </a:ext>
+          </a:extLst>
+        </p:spPr>
+        <p:style>
+          <a:lnRef idx="2">
+            <a:schemeClr val="accent1">
+              <a:shade val="50000"/>
+            </a:schemeClr>
+          </a:lnRef>
+          <a:fillRef idx="1">
+            <a:schemeClr val="accent1"/>
+          </a:fillRef>
+          <a:effectRef idx="0">
+            <a:schemeClr val="accent1"/>
+          </a:effectRef>
+          <a:fontRef idx="minor">
+            <a:schemeClr val="lt1"/>
+          </a:fontRef>
+        </p:style>
+        <p:txBody>
+          <a:bodyPr rtlCol="0" anchor="ctr"/>
+          <a:lstStyle/>
+          <a:p>
+            <a:pPr algn="ctr"/>
+            <a:endParaRPr lang="en-US"/>
+          </a:p>
+        </p:txBody>
+      </p:sp>
+      <p:sp>
+        <p:nvSpPr>
+          <p:cNvPr id="11" name="Rectangle 10">
+            <a:extLst>
+              <a:ext uri="{FF2B5EF4-FFF2-40B4-BE49-F238E27FC236}">
+                <a16:creationId xmlns:a16="http://schemas.microsoft.com/office/drawing/2014/main" id="{F68B3F68-107C-434F-AA38-110D5EA91B85}"/>
+              </a:ext>
+              <a:ext uri="{C183D7F6-B498-43B3-948B-1728B52AA6E4}">
+                <adec:decorative xmlns:adec="http://schemas.microsoft.com/office/drawing/2017/decorative" val="1"/>
+              </a:ext>
+            </a:extLst>
+          </p:cNvPr>
+          <p:cNvSpPr>
+            <a:spLocks noGrp="1" noRot="1" noChangeAspect="1" noMove="1" noResize="1" noEditPoints="1" noAdjustHandles="1" noChangeArrowheads="1" noChangeShapeType="1" noTextEdit="1"/>
+          </p:cNvSpPr>
+          <p:nvPr>
+            <p:extLst>
+              <p:ext uri="{386F3935-93C4-4BCD-93E2-E3B085C9AB24}">
+                <p16:designElem xmlns:p16="http://schemas.microsoft.com/office/powerpoint/2015/main" val="1"/>
+              </p:ext>
+            </p:extLst>
+          </p:nvPr>
+        </p:nvSpPr>
+        <p:spPr>
+          <a:xfrm flipH="1">
+            <a:off x="2" y="0"/>
+            <a:ext cx="12191998" cy="1575955"/>
+          </a:xfrm>
+          <a:prstGeom prst="rect">
+            <a:avLst/>
+          </a:prstGeom>
+          <a:gradFill>
+            <a:gsLst>
+              <a:gs pos="0">
+                <a:srgbClr val="000000">
+                  <a:alpha val="96000"/>
+                </a:srgbClr>
+              </a:gs>
+              <a:gs pos="100000">
+                <a:schemeClr val="accent1">
+                  <a:lumMod val="75000"/>
+                </a:schemeClr>
+              </a:gs>
+            </a:gsLst>
+            <a:lin ang="8400000" scaled="0"/>
+          </a:gradFill>
+          <a:ln>
+            <a:noFill/>
+          </a:ln>
+        </p:spPr>
+        <p:style>
+          <a:lnRef idx="2">
+            <a:schemeClr val="accent1">
+              <a:shade val="50000"/>
+            </a:schemeClr>
+          </a:lnRef>
+          <a:fillRef idx="1">
+            <a:schemeClr val="accent1"/>
+          </a:fillRef>
+          <a:effectRef idx="0">
+            <a:schemeClr val="accent1"/>
+          </a:effectRef>
+          <a:fontRef idx="minor">
+            <a:schemeClr val="lt1"/>
+          </a:fontRef>
+        </p:style>
+        <p:txBody>
+          <a:bodyPr rtlCol="0" anchor="ctr"/>
+          <a:lstStyle/>
+          <a:p>
+            <a:pPr algn="ctr"/>
+            <a:endParaRPr lang="en-US"/>
+          </a:p>
+        </p:txBody>
+      </p:sp>
+      <p:sp>
+        <p:nvSpPr>
+          <p:cNvPr id="13" name="Rectangle 12">
+            <a:extLst>
+              <a:ext uri="{FF2B5EF4-FFF2-40B4-BE49-F238E27FC236}">
+                <a16:creationId xmlns:a16="http://schemas.microsoft.com/office/drawing/2014/main" id="{AAD0DBB9-1A4B-4391-81D4-CB19F9AB918A}"/>
+              </a:ext>
+              <a:ext uri="{C183D7F6-B498-43B3-948B-1728B52AA6E4}">
+                <adec:decorative xmlns:adec="http://schemas.microsoft.com/office/drawing/2017/decorative" val="1"/>
+              </a:ext>
+            </a:extLst>
+          </p:cNvPr>
+          <p:cNvSpPr>
+            <a:spLocks noGrp="1" noRot="1" noChangeAspect="1" noMove="1" noResize="1" noEditPoints="1" noAdjustHandles="1" noChangeArrowheads="1" noChangeShapeType="1" noTextEdit="1"/>
+          </p:cNvSpPr>
+          <p:nvPr>
+            <p:extLst>
+              <p:ext uri="{386F3935-93C4-4BCD-93E2-E3B085C9AB24}">
+                <p16:designElem xmlns:p16="http://schemas.microsoft.com/office/powerpoint/2015/main" val="1"/>
+              </p:ext>
+            </p:extLst>
+          </p:nvPr>
+        </p:nvSpPr>
+        <p:spPr>
+          <a:xfrm rot="10800000" flipH="1">
+            <a:off x="8128857" y="0"/>
+            <a:ext cx="4063143" cy="1576412"/>
+          </a:xfrm>
+          <a:prstGeom prst="rect">
+            <a:avLst/>
+          </a:prstGeom>
+          <a:gradFill>
+            <a:gsLst>
+              <a:gs pos="19000">
+                <a:schemeClr val="accent1">
+                  <a:lumMod val="50000"/>
+                  <a:alpha val="68000"/>
+                </a:schemeClr>
+              </a:gs>
+              <a:gs pos="100000">
+                <a:schemeClr val="accent1">
+                  <a:alpha val="79000"/>
+                </a:schemeClr>
+              </a:gs>
+            </a:gsLst>
+            <a:lin ang="19200000" scaled="0"/>
+          </a:gradFill>
+          <a:ln>
+            <a:noFill/>
+          </a:ln>
+        </p:spPr>
+        <p:style>
+          <a:lnRef idx="2">
+            <a:schemeClr val="accent1">
+              <a:shade val="50000"/>
+            </a:schemeClr>
+          </a:lnRef>
+          <a:fillRef idx="1">
+            <a:schemeClr val="accent1"/>
+          </a:fillRef>
+          <a:effectRef idx="0">
+            <a:schemeClr val="accent1"/>
+          </a:effectRef>
+          <a:fontRef idx="minor">
+            <a:schemeClr val="lt1"/>
+          </a:fontRef>
+        </p:style>
+        <p:txBody>
+          <a:bodyPr rtlCol="0" anchor="ctr"/>
+          <a:lstStyle/>
+          <a:p>
+            <a:pPr algn="ctr"/>
+            <a:endParaRPr lang="en-US"/>
+          </a:p>
+        </p:txBody>
+      </p:sp>
+      <p:sp>
+        <p:nvSpPr>
+          <p:cNvPr id="15" name="Rectangle 14">
+            <a:extLst>
+              <a:ext uri="{FF2B5EF4-FFF2-40B4-BE49-F238E27FC236}">
+                <a16:creationId xmlns:a16="http://schemas.microsoft.com/office/drawing/2014/main" id="{063BBA22-50EA-4C4D-BE05-F1CE4E63AA56}"/>
+              </a:ext>
+              <a:ext uri="{C183D7F6-B498-43B3-948B-1728B52AA6E4}">
+                <adec:decorative xmlns:adec="http://schemas.microsoft.com/office/drawing/2017/decorative" val="1"/>
+              </a:ext>
+            </a:extLst>
+          </p:cNvPr>
+          <p:cNvSpPr>
+            <a:spLocks noGrp="1" noRot="1" noChangeAspect="1" noMove="1" noResize="1" noEditPoints="1" noAdjustHandles="1" noChangeArrowheads="1" noChangeShapeType="1" noTextEdit="1"/>
+          </p:cNvSpPr>
+          <p:nvPr>
+            <p:extLst>
+              <p:ext uri="{386F3935-93C4-4BCD-93E2-E3B085C9AB24}">
+                <p16:designElem xmlns:p16="http://schemas.microsoft.com/office/powerpoint/2015/main" val="1"/>
+              </p:ext>
+            </p:extLst>
+          </p:nvPr>
+        </p:nvSpPr>
+        <p:spPr>
+          <a:xfrm rot="5400000">
+            <a:off x="5307777" y="-5307778"/>
+            <a:ext cx="1576446" cy="12192002"/>
+          </a:xfrm>
+          <a:prstGeom prst="rect">
+            <a:avLst/>
+          </a:prstGeom>
+          <a:gradFill>
+            <a:gsLst>
+              <a:gs pos="23000">
+                <a:schemeClr val="accent1">
+                  <a:alpha val="0"/>
+                </a:schemeClr>
+              </a:gs>
+              <a:gs pos="99000">
+                <a:srgbClr val="000000">
+                  <a:alpha val="74000"/>
+                </a:srgbClr>
+              </a:gs>
+            </a:gsLst>
+            <a:lin ang="20400000" scaled="0"/>
+          </a:gradFill>
+          <a:ln>
+            <a:noFill/>
+          </a:ln>
+        </p:spPr>
+        <p:style>
+          <a:lnRef idx="2">
+            <a:schemeClr val="accent1">
+              <a:shade val="50000"/>
+            </a:schemeClr>
+          </a:lnRef>
+          <a:fillRef idx="1">
+            <a:schemeClr val="accent1"/>
+          </a:fillRef>
+          <a:effectRef idx="0">
+            <a:schemeClr val="accent1"/>
+          </a:effectRef>
+          <a:fontRef idx="minor">
+            <a:schemeClr val="lt1"/>
+          </a:fontRef>
+        </p:style>
+        <p:txBody>
+          <a:bodyPr rtlCol="0" anchor="ctr"/>
+          <a:lstStyle/>
+          <a:p>
+            <a:pPr algn="ctr"/>
+            <a:endParaRPr lang="en-US" dirty="0"/>
+          </a:p>
+        </p:txBody>
+      </p:sp>
+      <p:sp>
+        <p:nvSpPr>
+          <p:cNvPr id="2" name="Title 1">
+            <a:extLst>
+              <a:ext uri="{FF2B5EF4-FFF2-40B4-BE49-F238E27FC236}">
+                <a16:creationId xmlns:a16="http://schemas.microsoft.com/office/drawing/2014/main" id="{008DEB64-3D97-36F9-8013-446BFAD41B08}"/>
+              </a:ext>
+            </a:extLst>
+          </p:cNvPr>
+          <p:cNvSpPr>
+            <a:spLocks noGrp="1"/>
+          </p:cNvSpPr>
+          <p:nvPr>
+            <p:ph type="title"/>
+          </p:nvPr>
+        </p:nvSpPr>
+        <p:spPr>
+          <a:xfrm>
+            <a:off x="1371597" y="348865"/>
+            <a:ext cx="10044023" cy="877729"/>
+          </a:xfrm>
+        </p:spPr>
+        <p:txBody>
+          <a:bodyPr vert="horz" lIns="91440" tIns="45720" rIns="91440" bIns="45720" rtlCol="0" anchor="ctr">
+            <a:normAutofit/>
+          </a:bodyPr>
+          <a:lstStyle/>
+          <a:p>
+            <a:r>
+              <a:rPr lang="en-US" sz="4000" kern="1200">
+                <a:solidFill>
+                  <a:srgbClr val="FFFFFF"/>
+                </a:solidFill>
+                <a:latin typeface="+mj-lt"/>
+                <a:ea typeface="+mj-ea"/>
+                <a:cs typeface="+mj-cs"/>
+              </a:rPr>
+              <a:t>Clone This Entire Presentation With Cheat Sheet</a:t>
+            </a:r>
+          </a:p>
+        </p:txBody>
+      </p:sp>
+      <p:graphicFrame>
+        <p:nvGraphicFramePr>
+          <p:cNvPr id="5" name="Content Placeholder 2">
+            <a:extLst>
+              <a:ext uri="{FF2B5EF4-FFF2-40B4-BE49-F238E27FC236}">
+                <a16:creationId xmlns:a16="http://schemas.microsoft.com/office/drawing/2014/main" id="{AE5D3C5D-FFD8-3C17-FFA1-03BA152D90EA}"/>
+              </a:ext>
+            </a:extLst>
+          </p:cNvPr>
+          <p:cNvGraphicFramePr>
+            <a:graphicFrameLocks noGrp="1"/>
+          </p:cNvGraphicFramePr>
+          <p:nvPr>
+            <p:ph sz="half" idx="1"/>
+            <p:extLst>
+              <p:ext uri="{D42A27DB-BD31-4B8C-83A1-F6EECF244321}">
+                <p14:modId xmlns:p14="http://schemas.microsoft.com/office/powerpoint/2010/main" val="711859558"/>
+              </p:ext>
+            </p:extLst>
+          </p:nvPr>
+        </p:nvGraphicFramePr>
+        <p:xfrm>
+          <a:off x="644056" y="2112579"/>
+          <a:ext cx="10927829" cy="4192805"/>
+        </p:xfrm>
+        <a:graphic>
+          <a:graphicData uri="http://schemas.openxmlformats.org/drawingml/2006/diagram">
+            <dgm:relIds xmlns:dgm="http://schemas.openxmlformats.org/drawingml/2006/diagram" xmlns:r="http://schemas.openxmlformats.org/officeDocument/2006/relationships" r:dm="rId2" r:lo="rId3" r:qs="rId4" r:cs="rId5"/>
+          </a:graphicData>
+        </a:graphic>
+      </p:graphicFrame>
+    </p:spTree>
+    <p:extLst>
+      <p:ext uri="{BB962C8B-B14F-4D97-AF65-F5344CB8AC3E}">
+        <p14:creationId xmlns:p14="http://schemas.microsoft.com/office/powerpoint/2010/main" val="1504042234"/>
+      </p:ext>
+    </p:extLst>
+  </p:cSld>
+  <p:clrMapOvr>
+    <a:masterClrMapping/>
+  </p:clrMapOvr>
+</p:sld>
+</file>
+
+<file path=ppt/slides/slide2.xml><?xml version="1.0" encoding="utf-8"?>
+<p:sld xmlns:a="http://schemas.openxmlformats.org/drawingml/2006/main" xmlns:r="http://schemas.openxmlformats.org/officeDocument/2006/relationships" xmlns:p="http://schemas.openxmlformats.org/presentationml/2006/main">
+  <p:cSld>
+    <p:spTree>
+      <p:nvGrpSpPr>
+        <p:cNvPr id="1" name=""/>
+        <p:cNvGrpSpPr/>
+        <p:nvPr/>
+      </p:nvGrpSpPr>
+      <p:grpSpPr>
+        <a:xfrm>
+          <a:off x="0" y="0"/>
+          <a:ext cx="0" cy="0"/>
+          <a:chOff x="0" y="0"/>
+          <a:chExt cx="0" cy="0"/>
+        </a:xfrm>
+      </p:grpSpPr>
+      <p:sp>
+        <p:nvSpPr>
+          <p:cNvPr id="2" name="Title 1">
+            <a:extLst>
+              <a:ext uri="{FF2B5EF4-FFF2-40B4-BE49-F238E27FC236}">
+                <a16:creationId xmlns:a16="http://schemas.microsoft.com/office/drawing/2014/main" id="{1C66E46F-0338-B148-002B-AC35A08E79B0}"/>
+              </a:ext>
+            </a:extLst>
+          </p:cNvPr>
+          <p:cNvSpPr>
+            <a:spLocks noGrp="1"/>
+          </p:cNvSpPr>
+          <p:nvPr>
+            <p:ph type="title"/>
+          </p:nvPr>
+        </p:nvSpPr>
+        <p:spPr/>
+        <p:txBody>
+          <a:bodyPr/>
+          <a:lstStyle/>
+          <a:p>
+            <a:endParaRPr lang="en-US"/>
+          </a:p>
+        </p:txBody>
+      </p:sp>
+      <p:pic>
+        <p:nvPicPr>
+          <p:cNvPr id="5" name="Content Placeholder 4" descr="A computer screen with text&#10;&#10;Description automatically generated">
+            <a:extLst>
+              <a:ext uri="{FF2B5EF4-FFF2-40B4-BE49-F238E27FC236}">
+                <a16:creationId xmlns:a16="http://schemas.microsoft.com/office/drawing/2014/main" id="{D7B436EE-B1A9-5FA5-115F-D2A2DCFC159C}"/>
+              </a:ext>
+            </a:extLst>
+          </p:cNvPr>
+          <p:cNvPicPr>
+            <a:picLocks noGrp="1" noChangeAspect="1"/>
+          </p:cNvPicPr>
+          <p:nvPr>
+            <p:ph idx="1"/>
+          </p:nvPr>
+        </p:nvPicPr>
+        <p:blipFill>
+          <a:blip r:embed="rId2">
+            <a:extLst>
+              <a:ext uri="{28A0092B-C50C-407E-A947-70E740481C1C}">
+                <a14:useLocalDpi xmlns:a14="http://schemas.microsoft.com/office/drawing/2010/main" val="0"/>
+              </a:ext>
+            </a:extLst>
+          </a:blip>
+          <a:stretch>
+            <a:fillRect/>
+          </a:stretch>
+        </p:blipFill>
+        <p:spPr>
+          <a:xfrm>
+            <a:off x="273627" y="125409"/>
+            <a:ext cx="11644746" cy="6607182"/>
+          </a:xfrm>
+        </p:spPr>
+      </p:pic>
+    </p:spTree>
+    <p:extLst>
+      <p:ext uri="{BB962C8B-B14F-4D97-AF65-F5344CB8AC3E}">
+        <p14:creationId xmlns:p14="http://schemas.microsoft.com/office/powerpoint/2010/main" val="837376553"/>
+      </p:ext>
+    </p:extLst>
+  </p:cSld>
+  <p:clrMapOvr>
+    <a:masterClrMapping/>
+  </p:clrMapOvr>
+</p:sld>
+</file>
+
+<file path=ppt/slides/slide3.xml><?xml version="1.0" encoding="utf-8"?>
+<p:sld xmlns:a="http://schemas.openxmlformats.org/drawingml/2006/main" xmlns:r="http://schemas.openxmlformats.org/officeDocument/2006/relationships" xmlns:p="http://schemas.openxmlformats.org/presentationml/2006/main">
+  <p:cSld>
+    <p:spTree>
+      <p:nvGrpSpPr>
+        <p:cNvPr id="1" name=""/>
+        <p:cNvGrpSpPr/>
+        <p:nvPr/>
+      </p:nvGrpSpPr>
+      <p:grpSpPr>
+        <a:xfrm>
+          <a:off x="0" y="0"/>
+          <a:ext cx="0" cy="0"/>
+          <a:chOff x="0" y="0"/>
+          <a:chExt cx="0" cy="0"/>
+        </a:xfrm>
+      </p:grpSpPr>
+      <p:sp>
+        <p:nvSpPr>
+          <p:cNvPr id="2" name="Title 1">
+            <a:extLst>
+              <a:ext uri="{FF2B5EF4-FFF2-40B4-BE49-F238E27FC236}">
+                <a16:creationId xmlns:a16="http://schemas.microsoft.com/office/drawing/2014/main" id="{36EA8F6A-1244-07F4-CA4F-9308BF3031CC}"/>
+              </a:ext>
+            </a:extLst>
+          </p:cNvPr>
+          <p:cNvSpPr>
+            <a:spLocks noGrp="1"/>
+          </p:cNvSpPr>
+          <p:nvPr>
+            <p:ph type="title"/>
+          </p:nvPr>
+        </p:nvSpPr>
+        <p:spPr/>
+        <p:txBody>
+          <a:bodyPr/>
+          <a:lstStyle/>
+          <a:p>
+            <a:endParaRPr lang="en-US"/>
+          </a:p>
+        </p:txBody>
+      </p:sp>
+      <p:pic>
+        <p:nvPicPr>
+          <p:cNvPr id="5" name="Content Placeholder 4" descr="A screenshot of a computer&#10;&#10;Description automatically generated">
+            <a:extLst>
+              <a:ext uri="{FF2B5EF4-FFF2-40B4-BE49-F238E27FC236}">
+                <a16:creationId xmlns:a16="http://schemas.microsoft.com/office/drawing/2014/main" id="{3282A359-F820-9BB7-0EDF-BA1D55EBB466}"/>
+              </a:ext>
+            </a:extLst>
+          </p:cNvPr>
+          <p:cNvPicPr>
+            <a:picLocks noGrp="1" noChangeAspect="1"/>
+          </p:cNvPicPr>
+          <p:nvPr>
+            <p:ph idx="1"/>
+          </p:nvPr>
+        </p:nvPicPr>
+        <p:blipFill>
+          <a:blip r:embed="rId2">
+            <a:extLst>
+              <a:ext uri="{28A0092B-C50C-407E-A947-70E740481C1C}">
+                <a14:useLocalDpi xmlns:a14="http://schemas.microsoft.com/office/drawing/2010/main" val="0"/>
+              </a:ext>
+            </a:extLst>
+          </a:blip>
+          <a:stretch>
+            <a:fillRect/>
+          </a:stretch>
+        </p:blipFill>
+        <p:spPr>
+          <a:xfrm>
+            <a:off x="67399" y="33923"/>
+            <a:ext cx="12057202" cy="6790154"/>
+          </a:xfrm>
+        </p:spPr>
+      </p:pic>
+    </p:spTree>
+    <p:extLst>
+      <p:ext uri="{BB962C8B-B14F-4D97-AF65-F5344CB8AC3E}">
+        <p14:creationId xmlns:p14="http://schemas.microsoft.com/office/powerpoint/2010/main" val="3534424921"/>
+      </p:ext>
+    </p:extLst>
+  </p:cSld>
+  <p:clrMapOvr>
+    <a:masterClrMapping/>
+  </p:clrMapOvr>
+</p:sld>
+</file>
+
+<file path=ppt/slides/slide4.xml><?xml version="1.0" encoding="utf-8"?>
+<p:sld xmlns:a="http://schemas.openxmlformats.org/drawingml/2006/main" xmlns:r="http://schemas.openxmlformats.org/officeDocument/2006/relationships" xmlns:p="http://schemas.openxmlformats.org/presentationml/2006/main">
+  <p:cSld>
+    <p:spTree>
+      <p:nvGrpSpPr>
+        <p:cNvPr id="1" name=""/>
+        <p:cNvGrpSpPr/>
+        <p:nvPr/>
+      </p:nvGrpSpPr>
+      <p:grpSpPr>
+        <a:xfrm>
+          <a:off x="0" y="0"/>
+          <a:ext cx="0" cy="0"/>
+          <a:chOff x="0" y="0"/>
+          <a:chExt cx="0" cy="0"/>
+        </a:xfrm>
+      </p:grpSpPr>
+      <p:sp>
+        <p:nvSpPr>
+          <p:cNvPr id="2" name="Title 1">
+            <a:extLst>
+              <a:ext uri="{FF2B5EF4-FFF2-40B4-BE49-F238E27FC236}">
                 <a16:creationId xmlns:a16="http://schemas.microsoft.com/office/drawing/2014/main" id="{233280F3-554B-0701-F227-C0150427756E}"/>
               </a:ext>
             </a:extLst>
@@ -17425,234 +23124,7 @@
 </p:sld>
 </file>
 
-<file path=ppt/slides/slide10.xml><?xml version="1.0" encoding="utf-8"?>
-<p:sld xmlns:a="http://schemas.openxmlformats.org/drawingml/2006/main" xmlns:r="http://schemas.openxmlformats.org/officeDocument/2006/relationships" xmlns:p="http://schemas.openxmlformats.org/presentationml/2006/main">
-  <p:cSld>
-    <p:spTree>
-      <p:nvGrpSpPr>
-        <p:cNvPr id="1" name=""/>
-        <p:cNvGrpSpPr/>
-        <p:nvPr/>
-      </p:nvGrpSpPr>
-      <p:grpSpPr>
-        <a:xfrm>
-          <a:off x="0" y="0"/>
-          <a:ext cx="0" cy="0"/>
-          <a:chOff x="0" y="0"/>
-          <a:chExt cx="0" cy="0"/>
-        </a:xfrm>
-      </p:grpSpPr>
-      <p:sp>
-        <p:nvSpPr>
-          <p:cNvPr id="2" name="Title 1">
-            <a:extLst>
-              <a:ext uri="{FF2B5EF4-FFF2-40B4-BE49-F238E27FC236}">
-                <a16:creationId xmlns:a16="http://schemas.microsoft.com/office/drawing/2014/main" id="{8A2B0129-46F1-5C8D-1EAE-1D930E4FFC5C}"/>
-              </a:ext>
-            </a:extLst>
-          </p:cNvPr>
-          <p:cNvSpPr>
-            <a:spLocks noGrp="1"/>
-          </p:cNvSpPr>
-          <p:nvPr>
-            <p:ph type="title"/>
-          </p:nvPr>
-        </p:nvSpPr>
-        <p:spPr>
-          <a:solidFill>
-            <a:schemeClr val="bg1">
-              <a:lumMod val="85000"/>
-            </a:schemeClr>
-          </a:solidFill>
-        </p:spPr>
-        <p:txBody>
-          <a:bodyPr/>
-          <a:lstStyle/>
-          <a:p>
-            <a:r>
-              <a:rPr lang="en-US" dirty="0"/>
-              <a:t>Create A New File On Local Machine (2</a:t>
-            </a:r>
-            <a:r>
-              <a:rPr lang="en-US" baseline="30000" dirty="0"/>
-              <a:t>nd</a:t>
-            </a:r>
-            <a:r>
-              <a:rPr lang="en-US" dirty="0"/>
-              <a:t>)</a:t>
-            </a:r>
-          </a:p>
-        </p:txBody>
-      </p:sp>
-      <p:graphicFrame>
-        <p:nvGraphicFramePr>
-          <p:cNvPr id="5" name="Content Placeholder 2">
-            <a:extLst>
-              <a:ext uri="{FF2B5EF4-FFF2-40B4-BE49-F238E27FC236}">
-                <a16:creationId xmlns:a16="http://schemas.microsoft.com/office/drawing/2014/main" id="{0FDACB1F-BCB2-3B59-1E5B-0A90E597A893}"/>
-              </a:ext>
-            </a:extLst>
-          </p:cNvPr>
-          <p:cNvGraphicFramePr>
-            <a:graphicFrameLocks noGrp="1"/>
-          </p:cNvGraphicFramePr>
-          <p:nvPr>
-            <p:ph sz="half" idx="1"/>
-          </p:nvPr>
-        </p:nvGraphicFramePr>
-        <p:xfrm>
-          <a:off x="838200" y="1825625"/>
-          <a:ext cx="8643730" cy="4351338"/>
-        </p:xfrm>
-        <a:graphic>
-          <a:graphicData uri="http://schemas.openxmlformats.org/drawingml/2006/diagram">
-            <dgm:relIds xmlns:dgm="http://schemas.openxmlformats.org/drawingml/2006/diagram" xmlns:r="http://schemas.openxmlformats.org/officeDocument/2006/relationships" r:dm="rId2" r:lo="rId3" r:qs="rId4" r:cs="rId5"/>
-          </a:graphicData>
-        </a:graphic>
-      </p:graphicFrame>
-    </p:spTree>
-    <p:extLst>
-      <p:ext uri="{BB962C8B-B14F-4D97-AF65-F5344CB8AC3E}">
-        <p14:creationId xmlns:p14="http://schemas.microsoft.com/office/powerpoint/2010/main" val="171364255"/>
-      </p:ext>
-    </p:extLst>
-  </p:cSld>
-  <p:clrMapOvr>
-    <a:masterClrMapping/>
-  </p:clrMapOvr>
-</p:sld>
-</file>
-
-<file path=ppt/slides/slide11.xml><?xml version="1.0" encoding="utf-8"?>
-<p:sld xmlns:a="http://schemas.openxmlformats.org/drawingml/2006/main" xmlns:r="http://schemas.openxmlformats.org/officeDocument/2006/relationships" xmlns:p="http://schemas.openxmlformats.org/presentationml/2006/main">
-  <p:cSld>
-    <p:spTree>
-      <p:nvGrpSpPr>
-        <p:cNvPr id="1" name=""/>
-        <p:cNvGrpSpPr/>
-        <p:nvPr/>
-      </p:nvGrpSpPr>
-      <p:grpSpPr>
-        <a:xfrm>
-          <a:off x="0" y="0"/>
-          <a:ext cx="0" cy="0"/>
-          <a:chOff x="0" y="0"/>
-          <a:chExt cx="0" cy="0"/>
-        </a:xfrm>
-      </p:grpSpPr>
-      <p:sp>
-        <p:nvSpPr>
-          <p:cNvPr id="2" name="Title 1">
-            <a:extLst>
-              <a:ext uri="{FF2B5EF4-FFF2-40B4-BE49-F238E27FC236}">
-                <a16:creationId xmlns:a16="http://schemas.microsoft.com/office/drawing/2014/main" id="{FE7672CA-F9E7-D76D-75C6-6E51B87E3DF7}"/>
-              </a:ext>
-            </a:extLst>
-          </p:cNvPr>
-          <p:cNvSpPr>
-            <a:spLocks noGrp="1"/>
-          </p:cNvSpPr>
-          <p:nvPr>
-            <p:ph type="title"/>
-          </p:nvPr>
-        </p:nvSpPr>
-        <p:spPr>
-          <a:solidFill>
-            <a:schemeClr val="accent2">
-              <a:lumMod val="60000"/>
-              <a:lumOff val="40000"/>
-            </a:schemeClr>
-          </a:solidFill>
-        </p:spPr>
-        <p:txBody>
-          <a:bodyPr/>
-          <a:lstStyle/>
-          <a:p>
-            <a:pPr algn="ctr"/>
-            <a:r>
-              <a:rPr lang="en-US" dirty="0"/>
-              <a:t>Git Pull</a:t>
-            </a:r>
-          </a:p>
-        </p:txBody>
-      </p:sp>
-      <p:sp>
-        <p:nvSpPr>
-          <p:cNvPr id="3" name="Content Placeholder 2">
-            <a:extLst>
-              <a:ext uri="{FF2B5EF4-FFF2-40B4-BE49-F238E27FC236}">
-                <a16:creationId xmlns:a16="http://schemas.microsoft.com/office/drawing/2014/main" id="{D2629279-2F3F-4BB4-465E-72F203BA24DE}"/>
-              </a:ext>
-            </a:extLst>
-          </p:cNvPr>
-          <p:cNvSpPr>
-            <a:spLocks noGrp="1"/>
-          </p:cNvSpPr>
-          <p:nvPr>
-            <p:ph sz="half" idx="1"/>
-          </p:nvPr>
-        </p:nvSpPr>
-        <p:spPr>
-          <a:xfrm>
-            <a:off x="838199" y="1825625"/>
-            <a:ext cx="10515599" cy="4351338"/>
-          </a:xfrm>
-          <a:solidFill>
-            <a:schemeClr val="accent3">
-              <a:lumMod val="20000"/>
-              <a:lumOff val="80000"/>
-            </a:schemeClr>
-          </a:solidFill>
-        </p:spPr>
-        <p:txBody>
-          <a:bodyPr anchor="ctr"/>
-          <a:lstStyle/>
-          <a:p>
-            <a:r>
-              <a:rPr lang="en-US" dirty="0"/>
-              <a:t>Copies files from the server to your workspace.</a:t>
-            </a:r>
-          </a:p>
-          <a:p>
-            <a:r>
-              <a:rPr lang="en-US" dirty="0"/>
-              <a:t>Keeps your repository up to date with changes</a:t>
-            </a:r>
-          </a:p>
-          <a:p>
-            <a:r>
-              <a:rPr lang="en-US" dirty="0"/>
-              <a:t>Performs 2 steps: (git fetch) (git merge)</a:t>
-            </a:r>
-          </a:p>
-          <a:p>
-            <a:r>
-              <a:rPr lang="en-US" dirty="0"/>
-              <a:t>Git fetch – downloads changes (without adding them to file system)</a:t>
-            </a:r>
-          </a:p>
-          <a:p>
-            <a:r>
-              <a:rPr lang="en-US" dirty="0"/>
-              <a:t>Git merge – merges those files onto your file system.</a:t>
-            </a:r>
-          </a:p>
-        </p:txBody>
-      </p:sp>
-    </p:spTree>
-    <p:extLst>
-      <p:ext uri="{BB962C8B-B14F-4D97-AF65-F5344CB8AC3E}">
-        <p14:creationId xmlns:p14="http://schemas.microsoft.com/office/powerpoint/2010/main" val="9972245"/>
-      </p:ext>
-    </p:extLst>
-  </p:cSld>
-  <p:clrMapOvr>
-    <a:masterClrMapping/>
-  </p:clrMapOvr>
-</p:sld>
-</file>
-
-<file path=ppt/slides/slide2.xml><?xml version="1.0" encoding="utf-8"?>
+<file path=ppt/slides/slide5.xml><?xml version="1.0" encoding="utf-8"?>
 <p:sld xmlns:a="http://schemas.openxmlformats.org/drawingml/2006/main" xmlns:r="http://schemas.openxmlformats.org/officeDocument/2006/relationships" xmlns:p="http://schemas.openxmlformats.org/presentationml/2006/main">
   <p:cSld>
     <p:spTree>
@@ -17868,7 +23340,7 @@
 </p:sld>
 </file>
 
-<file path=ppt/slides/slide3.xml><?xml version="1.0" encoding="utf-8"?>
+<file path=ppt/slides/slide6.xml><?xml version="1.0" encoding="utf-8"?>
 <p:sld xmlns:a="http://schemas.openxmlformats.org/drawingml/2006/main" xmlns:r="http://schemas.openxmlformats.org/officeDocument/2006/relationships" xmlns:p="http://schemas.openxmlformats.org/presentationml/2006/main">
   <p:cSld>
     <p:spTree>
@@ -18091,7 +23563,7 @@
 </p:sld>
 </file>
 
-<file path=ppt/slides/slide4.xml><?xml version="1.0" encoding="utf-8"?>
+<file path=ppt/slides/slide7.xml><?xml version="1.0" encoding="utf-8"?>
 <p:sld xmlns:a="http://schemas.openxmlformats.org/drawingml/2006/main" xmlns:r="http://schemas.openxmlformats.org/officeDocument/2006/relationships" xmlns:p="http://schemas.openxmlformats.org/presentationml/2006/main">
   <p:cSld>
     <p:spTree>
@@ -19421,7 +24893,7 @@
 </p:sld>
 </file>
 
-<file path=ppt/slides/slide5.xml><?xml version="1.0" encoding="utf-8"?>
+<file path=ppt/slides/slide8.xml><?xml version="1.0" encoding="utf-8"?>
 <p:sld xmlns:a="http://schemas.openxmlformats.org/drawingml/2006/main" xmlns:r="http://schemas.openxmlformats.org/officeDocument/2006/relationships" xmlns:p="http://schemas.openxmlformats.org/presentationml/2006/main">
   <p:cSld>
     <p:spTree>
@@ -19862,7 +25334,7 @@
 </p:sld>
 </file>
 
-<file path=ppt/slides/slide6.xml><?xml version="1.0" encoding="utf-8"?>
+<file path=ppt/slides/slide9.xml><?xml version="1.0" encoding="utf-8"?>
 <p:sld xmlns:a="http://schemas.openxmlformats.org/drawingml/2006/main" xmlns:r="http://schemas.openxmlformats.org/officeDocument/2006/relationships" xmlns:p="http://schemas.openxmlformats.org/presentationml/2006/main">
   <p:cSld>
     <p:spTree>
@@ -19948,2033 +25420,6 @@
     <p:extLst>
       <p:ext uri="{BB962C8B-B14F-4D97-AF65-F5344CB8AC3E}">
         <p14:creationId xmlns:p14="http://schemas.microsoft.com/office/powerpoint/2010/main" val="1919929085"/>
-      </p:ext>
-    </p:extLst>
-  </p:cSld>
-  <p:clrMapOvr>
-    <a:masterClrMapping/>
-  </p:clrMapOvr>
-</p:sld>
-</file>
-
-<file path=ppt/slides/slide7.xml><?xml version="1.0" encoding="utf-8"?>
-<p:sld xmlns:a="http://schemas.openxmlformats.org/drawingml/2006/main" xmlns:r="http://schemas.openxmlformats.org/officeDocument/2006/relationships" xmlns:p="http://schemas.openxmlformats.org/presentationml/2006/main">
-  <p:cSld>
-    <p:bg>
-      <p:bgPr>
-        <a:solidFill>
-          <a:schemeClr val="bg1">
-            <a:tint val="95000"/>
-            <a:satMod val="170000"/>
-          </a:schemeClr>
-        </a:solidFill>
-        <a:effectLst/>
-      </p:bgPr>
-    </p:bg>
-    <p:spTree>
-      <p:nvGrpSpPr>
-        <p:cNvPr id="1" name=""/>
-        <p:cNvGrpSpPr/>
-        <p:nvPr/>
-      </p:nvGrpSpPr>
-      <p:grpSpPr>
-        <a:xfrm>
-          <a:off x="0" y="0"/>
-          <a:ext cx="0" cy="0"/>
-          <a:chOff x="0" y="0"/>
-          <a:chExt cx="0" cy="0"/>
-        </a:xfrm>
-      </p:grpSpPr>
-      <p:sp>
-        <p:nvSpPr>
-          <p:cNvPr id="9" name="Freeform: Shape 8">
-            <a:extLst>
-              <a:ext uri="{FF2B5EF4-FFF2-40B4-BE49-F238E27FC236}">
-                <a16:creationId xmlns:a16="http://schemas.microsoft.com/office/drawing/2014/main" id="{1DE7243B-5109-444B-8FAF-7437C66BC0E9}"/>
-              </a:ext>
-              <a:ext uri="{C183D7F6-B498-43B3-948B-1728B52AA6E4}">
-                <adec:decorative xmlns:adec="http://schemas.microsoft.com/office/drawing/2017/decorative" val="1"/>
-              </a:ext>
-            </a:extLst>
-          </p:cNvPr>
-          <p:cNvSpPr>
-            <a:spLocks noGrp="1" noRot="1" noChangeAspect="1" noMove="1" noResize="1" noEditPoints="1" noAdjustHandles="1" noChangeArrowheads="1" noChangeShapeType="1" noTextEdit="1"/>
-          </p:cNvSpPr>
-          <p:nvPr>
-            <p:extLst>
-              <p:ext uri="{386F3935-93C4-4BCD-93E2-E3B085C9AB24}">
-                <p16:designElem xmlns:p16="http://schemas.microsoft.com/office/powerpoint/2015/main" val="1"/>
-              </p:ext>
-            </p:extLst>
-          </p:nvPr>
-        </p:nvSpPr>
-        <p:spPr>
-          <a:xfrm flipH="1">
-            <a:off x="0" y="0"/>
-            <a:ext cx="4421332" cy="6858000"/>
-          </a:xfrm>
-          <a:custGeom>
-            <a:avLst/>
-            <a:gdLst>
-              <a:gd name="connsiteX0" fmla="*/ 4421332 w 4421332"/>
-              <a:gd name="connsiteY0" fmla="*/ 0 h 6858000"/>
-              <a:gd name="connsiteX1" fmla="*/ 69075 w 4421332"/>
-              <a:gd name="connsiteY1" fmla="*/ 0 h 6858000"/>
-              <a:gd name="connsiteX2" fmla="*/ 35131 w 4421332"/>
-              <a:gd name="connsiteY2" fmla="*/ 267128 h 6858000"/>
-              <a:gd name="connsiteX3" fmla="*/ 0 w 4421332"/>
-              <a:gd name="connsiteY3" fmla="*/ 962845 h 6858000"/>
-              <a:gd name="connsiteX4" fmla="*/ 3276103 w 4421332"/>
-              <a:gd name="connsiteY4" fmla="*/ 6782205 h 6858000"/>
-              <a:gd name="connsiteX5" fmla="*/ 3407923 w 4421332"/>
-              <a:gd name="connsiteY5" fmla="*/ 6858000 h 6858000"/>
-              <a:gd name="connsiteX6" fmla="*/ 4421332 w 4421332"/>
-              <a:gd name="connsiteY6" fmla="*/ 6858000 h 6858000"/>
-            </a:gdLst>
-            <a:ahLst/>
-            <a:cxnLst>
-              <a:cxn ang="0">
-                <a:pos x="connsiteX0" y="connsiteY0"/>
-              </a:cxn>
-              <a:cxn ang="0">
-                <a:pos x="connsiteX1" y="connsiteY1"/>
-              </a:cxn>
-              <a:cxn ang="0">
-                <a:pos x="connsiteX2" y="connsiteY2"/>
-              </a:cxn>
-              <a:cxn ang="0">
-                <a:pos x="connsiteX3" y="connsiteY3"/>
-              </a:cxn>
-              <a:cxn ang="0">
-                <a:pos x="connsiteX4" y="connsiteY4"/>
-              </a:cxn>
-              <a:cxn ang="0">
-                <a:pos x="connsiteX5" y="connsiteY5"/>
-              </a:cxn>
-              <a:cxn ang="0">
-                <a:pos x="connsiteX6" y="connsiteY6"/>
-              </a:cxn>
-            </a:cxnLst>
-            <a:rect l="l" t="t" r="r" b="b"/>
-            <a:pathLst>
-              <a:path w="4421332" h="6858000">
-                <a:moveTo>
-                  <a:pt x="4421332" y="0"/>
-                </a:moveTo>
-                <a:lnTo>
-                  <a:pt x="69075" y="0"/>
-                </a:lnTo>
-                <a:lnTo>
-                  <a:pt x="35131" y="267128"/>
-                </a:lnTo>
-                <a:cubicBezTo>
-                  <a:pt x="11901" y="495874"/>
-                  <a:pt x="0" y="727970"/>
-                  <a:pt x="0" y="962845"/>
-                </a:cubicBezTo>
-                <a:cubicBezTo>
-                  <a:pt x="0" y="3429034"/>
-                  <a:pt x="1312002" y="5588789"/>
-                  <a:pt x="3276103" y="6782205"/>
-                </a:cubicBezTo>
-                <a:lnTo>
-                  <a:pt x="3407923" y="6858000"/>
-                </a:lnTo>
-                <a:lnTo>
-                  <a:pt x="4421332" y="6858000"/>
-                </a:lnTo>
-                <a:close/>
-              </a:path>
-            </a:pathLst>
-          </a:custGeom>
-          <a:solidFill>
-            <a:srgbClr val="FFFFFF">
-              <a:alpha val="80000"/>
-            </a:srgbClr>
-          </a:solidFill>
-          <a:ln>
-            <a:noFill/>
-          </a:ln>
-        </p:spPr>
-        <p:style>
-          <a:lnRef idx="2">
-            <a:schemeClr val="accent1">
-              <a:shade val="50000"/>
-            </a:schemeClr>
-          </a:lnRef>
-          <a:fillRef idx="1">
-            <a:schemeClr val="accent1"/>
-          </a:fillRef>
-          <a:effectRef idx="0">
-            <a:schemeClr val="accent1"/>
-          </a:effectRef>
-          <a:fontRef idx="minor">
-            <a:schemeClr val="lt1"/>
-          </a:fontRef>
-        </p:style>
-        <p:txBody>
-          <a:bodyPr wrap="square" rtlCol="0" anchor="ctr">
-            <a:noAutofit/>
-          </a:bodyPr>
-          <a:lstStyle/>
-          <a:p>
-            <a:pPr marL="0" marR="0" lvl="0" indent="0" algn="ctr" defTabSz="914400" rtl="0" eaLnBrk="1" fontAlgn="auto" latinLnBrk="0" hangingPunct="1">
-              <a:lnSpc>
-                <a:spcPct val="100000"/>
-              </a:lnSpc>
-              <a:spcBef>
-                <a:spcPts val="0"/>
-              </a:spcBef>
-              <a:spcAft>
-                <a:spcPts val="0"/>
-              </a:spcAft>
-              <a:buClrTx/>
-              <a:buSzTx/>
-              <a:buFontTx/>
-              <a:buNone/>
-              <a:tabLst/>
-              <a:defRPr/>
-            </a:pPr>
-            <a:endParaRPr kumimoji="0" lang="en-US" sz="1800" b="0" i="0" u="none" strike="noStrike" kern="1200" cap="none" spc="0" normalizeH="0" baseline="0" noProof="0">
-              <a:ln>
-                <a:noFill/>
-              </a:ln>
-              <a:solidFill>
-                <a:prstClr val="white"/>
-              </a:solidFill>
-              <a:effectLst/>
-              <a:uLnTx/>
-              <a:uFillTx/>
-              <a:latin typeface="Calibri" panose="020F0502020204030204"/>
-              <a:ea typeface="+mn-ea"/>
-              <a:cs typeface="+mn-cs"/>
-            </a:endParaRPr>
-          </a:p>
-        </p:txBody>
-      </p:sp>
-      <p:sp>
-        <p:nvSpPr>
-          <p:cNvPr id="11" name="Freeform: Shape 10">
-            <a:extLst>
-              <a:ext uri="{FF2B5EF4-FFF2-40B4-BE49-F238E27FC236}">
-                <a16:creationId xmlns:a16="http://schemas.microsoft.com/office/drawing/2014/main" id="{4C5D6221-DA7B-4611-AA26-7D8E349FDE96}"/>
-              </a:ext>
-              <a:ext uri="{C183D7F6-B498-43B3-948B-1728B52AA6E4}">
-                <adec:decorative xmlns:adec="http://schemas.microsoft.com/office/drawing/2017/decorative" val="1"/>
-              </a:ext>
-            </a:extLst>
-          </p:cNvPr>
-          <p:cNvSpPr>
-            <a:spLocks noGrp="1" noRot="1" noChangeAspect="1" noMove="1" noResize="1" noEditPoints="1" noAdjustHandles="1" noChangeArrowheads="1" noChangeShapeType="1" noTextEdit="1"/>
-          </p:cNvSpPr>
-          <p:nvPr>
-            <p:extLst>
-              <p:ext uri="{386F3935-93C4-4BCD-93E2-E3B085C9AB24}">
-                <p16:designElem xmlns:p16="http://schemas.microsoft.com/office/powerpoint/2015/main" val="1"/>
-              </p:ext>
-            </p:extLst>
-          </p:nvPr>
-        </p:nvSpPr>
-        <p:spPr>
-          <a:xfrm>
-            <a:off x="1" y="0"/>
-            <a:ext cx="4232227" cy="6858000"/>
-          </a:xfrm>
-          <a:custGeom>
-            <a:avLst/>
-            <a:gdLst>
-              <a:gd name="connsiteX0" fmla="*/ 0 w 4232227"/>
-              <a:gd name="connsiteY0" fmla="*/ 0 h 6858000"/>
-              <a:gd name="connsiteX1" fmla="*/ 4161853 w 4232227"/>
-              <a:gd name="connsiteY1" fmla="*/ 0 h 6858000"/>
-              <a:gd name="connsiteX2" fmla="*/ 4197953 w 4232227"/>
-              <a:gd name="connsiteY2" fmla="*/ 284091 h 6858000"/>
-              <a:gd name="connsiteX3" fmla="*/ 4232227 w 4232227"/>
-              <a:gd name="connsiteY3" fmla="*/ 962844 h 6858000"/>
-              <a:gd name="connsiteX4" fmla="*/ 758007 w 4232227"/>
-              <a:gd name="connsiteY4" fmla="*/ 6800152 h 6858000"/>
-              <a:gd name="connsiteX5" fmla="*/ 645060 w 4232227"/>
-              <a:gd name="connsiteY5" fmla="*/ 6858000 h 6858000"/>
-              <a:gd name="connsiteX6" fmla="*/ 0 w 4232227"/>
-              <a:gd name="connsiteY6" fmla="*/ 6858000 h 6858000"/>
-            </a:gdLst>
-            <a:ahLst/>
-            <a:cxnLst>
-              <a:cxn ang="0">
-                <a:pos x="connsiteX0" y="connsiteY0"/>
-              </a:cxn>
-              <a:cxn ang="0">
-                <a:pos x="connsiteX1" y="connsiteY1"/>
-              </a:cxn>
-              <a:cxn ang="0">
-                <a:pos x="connsiteX2" y="connsiteY2"/>
-              </a:cxn>
-              <a:cxn ang="0">
-                <a:pos x="connsiteX3" y="connsiteY3"/>
-              </a:cxn>
-              <a:cxn ang="0">
-                <a:pos x="connsiteX4" y="connsiteY4"/>
-              </a:cxn>
-              <a:cxn ang="0">
-                <a:pos x="connsiteX5" y="connsiteY5"/>
-              </a:cxn>
-              <a:cxn ang="0">
-                <a:pos x="connsiteX6" y="connsiteY6"/>
-              </a:cxn>
-            </a:cxnLst>
-            <a:rect l="l" t="t" r="r" b="b"/>
-            <a:pathLst>
-              <a:path w="4232227" h="6858000">
-                <a:moveTo>
-                  <a:pt x="0" y="0"/>
-                </a:moveTo>
-                <a:lnTo>
-                  <a:pt x="4161853" y="0"/>
-                </a:lnTo>
-                <a:lnTo>
-                  <a:pt x="4197953" y="284091"/>
-                </a:lnTo>
-                <a:cubicBezTo>
-                  <a:pt x="4220617" y="507260"/>
-                  <a:pt x="4232227" y="733696"/>
-                  <a:pt x="4232227" y="962844"/>
-                </a:cubicBezTo>
-                <a:cubicBezTo>
-                  <a:pt x="4232227" y="3483472"/>
-                  <a:pt x="2827409" y="5675986"/>
-                  <a:pt x="758007" y="6800152"/>
-                </a:cubicBezTo>
-                <a:lnTo>
-                  <a:pt x="645060" y="6858000"/>
-                </a:lnTo>
-                <a:lnTo>
-                  <a:pt x="0" y="6858000"/>
-                </a:lnTo>
-                <a:close/>
-              </a:path>
-            </a:pathLst>
-          </a:custGeom>
-          <a:solidFill>
-            <a:schemeClr val="tx1">
-              <a:lumMod val="75000"/>
-              <a:lumOff val="25000"/>
-            </a:schemeClr>
-          </a:solidFill>
-          <a:ln>
-            <a:noFill/>
-          </a:ln>
-        </p:spPr>
-        <p:style>
-          <a:lnRef idx="2">
-            <a:schemeClr val="accent1">
-              <a:shade val="50000"/>
-            </a:schemeClr>
-          </a:lnRef>
-          <a:fillRef idx="1">
-            <a:schemeClr val="accent1"/>
-          </a:fillRef>
-          <a:effectRef idx="0">
-            <a:schemeClr val="accent1"/>
-          </a:effectRef>
-          <a:fontRef idx="minor">
-            <a:schemeClr val="lt1"/>
-          </a:fontRef>
-        </p:style>
-        <p:txBody>
-          <a:bodyPr wrap="square" rtlCol="0" anchor="ctr">
-            <a:noAutofit/>
-          </a:bodyPr>
-          <a:lstStyle/>
-          <a:p>
-            <a:pPr marL="0" marR="0" lvl="0" indent="0" algn="ctr" defTabSz="914400" rtl="0" eaLnBrk="1" fontAlgn="auto" latinLnBrk="0" hangingPunct="1">
-              <a:lnSpc>
-                <a:spcPct val="100000"/>
-              </a:lnSpc>
-              <a:spcBef>
-                <a:spcPts val="0"/>
-              </a:spcBef>
-              <a:spcAft>
-                <a:spcPts val="0"/>
-              </a:spcAft>
-              <a:buClrTx/>
-              <a:buSzTx/>
-              <a:buFontTx/>
-              <a:buNone/>
-              <a:tabLst/>
-              <a:defRPr/>
-            </a:pPr>
-            <a:endParaRPr kumimoji="0" lang="en-US" sz="1800" b="0" i="0" u="none" strike="noStrike" kern="1200" cap="none" spc="0" normalizeH="0" baseline="0" noProof="0">
-              <a:ln>
-                <a:noFill/>
-              </a:ln>
-              <a:solidFill>
-                <a:prstClr val="white"/>
-              </a:solidFill>
-              <a:effectLst/>
-              <a:uLnTx/>
-              <a:uFillTx/>
-              <a:latin typeface="Calibri" panose="020F0502020204030204"/>
-              <a:ea typeface="+mn-ea"/>
-              <a:cs typeface="+mn-cs"/>
-            </a:endParaRPr>
-          </a:p>
-        </p:txBody>
-      </p:sp>
-      <p:sp>
-        <p:nvSpPr>
-          <p:cNvPr id="2" name="Title 1">
-            <a:extLst>
-              <a:ext uri="{FF2B5EF4-FFF2-40B4-BE49-F238E27FC236}">
-                <a16:creationId xmlns:a16="http://schemas.microsoft.com/office/drawing/2014/main" id="{E21BEC7C-15E9-3383-054A-A749D189B97A}"/>
-              </a:ext>
-            </a:extLst>
-          </p:cNvPr>
-          <p:cNvSpPr>
-            <a:spLocks noGrp="1"/>
-          </p:cNvSpPr>
-          <p:nvPr>
-            <p:ph type="title"/>
-          </p:nvPr>
-        </p:nvSpPr>
-        <p:spPr>
-          <a:xfrm>
-            <a:off x="804672" y="1412489"/>
-            <a:ext cx="2871095" cy="2127124"/>
-          </a:xfrm>
-        </p:spPr>
-        <p:txBody>
-          <a:bodyPr anchor="t">
-            <a:noAutofit/>
-          </a:bodyPr>
-          <a:lstStyle/>
-          <a:p>
-            <a:r>
-              <a:rPr lang="en-US" sz="3200" dirty="0">
-                <a:solidFill>
-                  <a:schemeClr val="bg1"/>
-                </a:solidFill>
-              </a:rPr>
-              <a:t>Get Files/Code From GitHub To Your Local Machine (pt 2) (Windows PowerShell)</a:t>
-            </a:r>
-          </a:p>
-        </p:txBody>
-      </p:sp>
-      <p:sp>
-        <p:nvSpPr>
-          <p:cNvPr id="3" name="Content Placeholder 2">
-            <a:extLst>
-              <a:ext uri="{FF2B5EF4-FFF2-40B4-BE49-F238E27FC236}">
-                <a16:creationId xmlns:a16="http://schemas.microsoft.com/office/drawing/2014/main" id="{664A1A93-0E1A-BBCA-87F9-4CC92B91880F}"/>
-              </a:ext>
-            </a:extLst>
-          </p:cNvPr>
-          <p:cNvSpPr>
-            <a:spLocks noGrp="1"/>
-          </p:cNvSpPr>
-          <p:nvPr>
-            <p:ph sz="half" idx="1"/>
-          </p:nvPr>
-        </p:nvSpPr>
-        <p:spPr>
-          <a:xfrm>
-            <a:off x="4473070" y="198811"/>
-            <a:ext cx="3535318" cy="5548543"/>
-          </a:xfrm>
-        </p:spPr>
-        <p:txBody>
-          <a:bodyPr>
-            <a:noAutofit/>
-          </a:bodyPr>
-          <a:lstStyle/>
-          <a:p>
-            <a:pPr marL="514350" indent="-514350">
-              <a:buFont typeface="+mj-lt"/>
-              <a:buAutoNum type="arabicPeriod"/>
-            </a:pPr>
-            <a:r>
-              <a:rPr lang="en-US" sz="2000" dirty="0"/>
-              <a:t>Open Windows </a:t>
-            </a:r>
-            <a:r>
-              <a:rPr lang="en-US" sz="2000" dirty="0" err="1"/>
-              <a:t>Powershell</a:t>
-            </a:r>
-            <a:r>
-              <a:rPr lang="en-US" sz="2000" dirty="0"/>
-              <a:t> (start button)</a:t>
-            </a:r>
-          </a:p>
-          <a:p>
-            <a:pPr marL="514350" indent="-514350">
-              <a:buFont typeface="+mj-lt"/>
-              <a:buAutoNum type="arabicPeriod"/>
-            </a:pPr>
-            <a:r>
-              <a:rPr lang="en-US" sz="2000" dirty="0"/>
-              <a:t>Ls   -List The Files In Our current Directory</a:t>
-            </a:r>
-          </a:p>
-          <a:p>
-            <a:pPr marL="514350" indent="-514350">
-              <a:buFont typeface="+mj-lt"/>
-              <a:buAutoNum type="arabicPeriod"/>
-            </a:pPr>
-            <a:r>
-              <a:rPr lang="en-US" sz="2000" dirty="0" err="1"/>
-              <a:t>mkdir</a:t>
-            </a:r>
-            <a:r>
-              <a:rPr lang="en-US" sz="2000" dirty="0"/>
-              <a:t> “_repos”  - Create A New Directory (Store all Repos Here in C)</a:t>
-            </a:r>
-          </a:p>
-          <a:p>
-            <a:pPr marL="514350" indent="-514350">
-              <a:buFont typeface="+mj-lt"/>
-              <a:buAutoNum type="arabicPeriod"/>
-            </a:pPr>
-            <a:r>
-              <a:rPr lang="en-US" sz="2000" dirty="0"/>
-              <a:t>ls   -Check For Our File In The Current Working Directory</a:t>
-            </a:r>
-          </a:p>
-          <a:p>
-            <a:pPr marL="514350" indent="-514350">
-              <a:buFont typeface="+mj-lt"/>
-              <a:buAutoNum type="arabicPeriod"/>
-            </a:pPr>
-            <a:r>
-              <a:rPr lang="en-US" sz="2000" dirty="0"/>
-              <a:t>cd _repos  -Change Current Working Directory To _repos</a:t>
-            </a:r>
-          </a:p>
-          <a:p>
-            <a:pPr marL="514350" indent="-514350">
-              <a:buFont typeface="+mj-lt"/>
-              <a:buAutoNum type="arabicPeriod"/>
-            </a:pPr>
-            <a:r>
-              <a:rPr lang="en-US" sz="2000" dirty="0"/>
-              <a:t>git clone https:/pasteURL</a:t>
-            </a:r>
-          </a:p>
-          <a:p>
-            <a:pPr marL="514350" indent="-514350">
-              <a:buFont typeface="+mj-lt"/>
-              <a:buAutoNum type="arabicPeriod"/>
-            </a:pPr>
-            <a:r>
-              <a:rPr lang="en-US" sz="2000" dirty="0"/>
-              <a:t>ls   -See New Project Listed</a:t>
-            </a:r>
-          </a:p>
-          <a:p>
-            <a:pPr marL="514350" indent="-514350">
-              <a:buFont typeface="+mj-lt"/>
-              <a:buAutoNum type="arabicPeriod"/>
-            </a:pPr>
-            <a:r>
-              <a:rPr lang="en-US" sz="2000" dirty="0"/>
-              <a:t>Open File Explorer, Locate _repo And See Our txt File Opens</a:t>
-            </a:r>
-          </a:p>
-        </p:txBody>
-      </p:sp>
-      <p:pic>
-        <p:nvPicPr>
-          <p:cNvPr id="6" name="Content Placeholder 5">
-            <a:extLst>
-              <a:ext uri="{FF2B5EF4-FFF2-40B4-BE49-F238E27FC236}">
-                <a16:creationId xmlns:a16="http://schemas.microsoft.com/office/drawing/2014/main" id="{36BF903B-1C2F-4B39-D2C1-CAEE812412D5}"/>
-              </a:ext>
-            </a:extLst>
-          </p:cNvPr>
-          <p:cNvPicPr>
-            <a:picLocks noGrp="1" noChangeAspect="1"/>
-          </p:cNvPicPr>
-          <p:nvPr>
-            <p:ph sz="half" idx="2"/>
-          </p:nvPr>
-        </p:nvPicPr>
-        <p:blipFill>
-          <a:blip r:embed="rId2">
-            <a:extLst>
-              <a:ext uri="{28A0092B-C50C-407E-A947-70E740481C1C}">
-                <a14:useLocalDpi xmlns:a14="http://schemas.microsoft.com/office/drawing/2010/main" val="0"/>
-              </a:ext>
-            </a:extLst>
-          </a:blip>
-          <a:stretch>
-            <a:fillRect/>
-          </a:stretch>
-        </p:blipFill>
-        <p:spPr>
-          <a:xfrm>
-            <a:off x="10100675" y="355106"/>
-            <a:ext cx="362001" cy="333422"/>
-          </a:xfrm>
-        </p:spPr>
-      </p:pic>
-      <p:pic>
-        <p:nvPicPr>
-          <p:cNvPr id="8" name="Picture 7">
-            <a:extLst>
-              <a:ext uri="{FF2B5EF4-FFF2-40B4-BE49-F238E27FC236}">
-                <a16:creationId xmlns:a16="http://schemas.microsoft.com/office/drawing/2014/main" id="{C207B2F4-27E6-DB9F-D268-41C48B34C8ED}"/>
-              </a:ext>
-            </a:extLst>
-          </p:cNvPr>
-          <p:cNvPicPr>
-            <a:picLocks noChangeAspect="1"/>
-          </p:cNvPicPr>
-          <p:nvPr/>
-        </p:nvPicPr>
-        <p:blipFill>
-          <a:blip r:embed="rId3">
-            <a:extLst>
-              <a:ext uri="{28A0092B-C50C-407E-A947-70E740481C1C}">
-                <a14:useLocalDpi xmlns:a14="http://schemas.microsoft.com/office/drawing/2010/main" val="0"/>
-              </a:ext>
-            </a:extLst>
-          </a:blip>
-          <a:stretch>
-            <a:fillRect/>
-          </a:stretch>
-        </p:blipFill>
-        <p:spPr>
-          <a:xfrm>
-            <a:off x="8781969" y="1791135"/>
-            <a:ext cx="2902942" cy="444328"/>
-          </a:xfrm>
-          <a:prstGeom prst="rect">
-            <a:avLst/>
-          </a:prstGeom>
-        </p:spPr>
-      </p:pic>
-      <p:pic>
-        <p:nvPicPr>
-          <p:cNvPr id="16" name="Picture 15">
-            <a:extLst>
-              <a:ext uri="{FF2B5EF4-FFF2-40B4-BE49-F238E27FC236}">
-                <a16:creationId xmlns:a16="http://schemas.microsoft.com/office/drawing/2014/main" id="{1FA8FBB0-681F-ABD3-E3AA-D313A0CCA8CE}"/>
-              </a:ext>
-            </a:extLst>
-          </p:cNvPr>
-          <p:cNvPicPr>
-            <a:picLocks noChangeAspect="1"/>
-          </p:cNvPicPr>
-          <p:nvPr/>
-        </p:nvPicPr>
-        <p:blipFill>
-          <a:blip r:embed="rId4">
-            <a:extLst>
-              <a:ext uri="{28A0092B-C50C-407E-A947-70E740481C1C}">
-                <a14:useLocalDpi xmlns:a14="http://schemas.microsoft.com/office/drawing/2010/main" val="0"/>
-              </a:ext>
-            </a:extLst>
-          </a:blip>
-          <a:stretch>
-            <a:fillRect/>
-          </a:stretch>
-        </p:blipFill>
-        <p:spPr>
-          <a:xfrm>
-            <a:off x="9238622" y="3464743"/>
-            <a:ext cx="1944819" cy="438681"/>
-          </a:xfrm>
-          <a:prstGeom prst="rect">
-            <a:avLst/>
-          </a:prstGeom>
-        </p:spPr>
-      </p:pic>
-      <p:pic>
-        <p:nvPicPr>
-          <p:cNvPr id="18" name="Picture 17">
-            <a:extLst>
-              <a:ext uri="{FF2B5EF4-FFF2-40B4-BE49-F238E27FC236}">
-                <a16:creationId xmlns:a16="http://schemas.microsoft.com/office/drawing/2014/main" id="{FC1CDBB0-EE0A-0166-4ABF-279339DEB310}"/>
-              </a:ext>
-            </a:extLst>
-          </p:cNvPr>
-          <p:cNvPicPr>
-            <a:picLocks noChangeAspect="1"/>
-          </p:cNvPicPr>
-          <p:nvPr/>
-        </p:nvPicPr>
-        <p:blipFill>
-          <a:blip r:embed="rId5">
-            <a:extLst>
-              <a:ext uri="{28A0092B-C50C-407E-A947-70E740481C1C}">
-                <a14:useLocalDpi xmlns:a14="http://schemas.microsoft.com/office/drawing/2010/main" val="0"/>
-              </a:ext>
-            </a:extLst>
-          </a:blip>
-          <a:stretch>
-            <a:fillRect/>
-          </a:stretch>
-        </p:blipFill>
-        <p:spPr>
-          <a:xfrm>
-            <a:off x="8621400" y="4401017"/>
-            <a:ext cx="3471760" cy="163542"/>
-          </a:xfrm>
-          <a:prstGeom prst="rect">
-            <a:avLst/>
-          </a:prstGeom>
-        </p:spPr>
-      </p:pic>
-      <p:pic>
-        <p:nvPicPr>
-          <p:cNvPr id="20" name="Picture 19">
-            <a:extLst>
-              <a:ext uri="{FF2B5EF4-FFF2-40B4-BE49-F238E27FC236}">
-                <a16:creationId xmlns:a16="http://schemas.microsoft.com/office/drawing/2014/main" id="{4EAEF9B8-E489-3209-50EA-4E0B32BEBBC4}"/>
-              </a:ext>
-            </a:extLst>
-          </p:cNvPr>
-          <p:cNvPicPr>
-            <a:picLocks noChangeAspect="1"/>
-          </p:cNvPicPr>
-          <p:nvPr/>
-        </p:nvPicPr>
-        <p:blipFill>
-          <a:blip r:embed="rId6">
-            <a:extLst>
-              <a:ext uri="{28A0092B-C50C-407E-A947-70E740481C1C}">
-                <a14:useLocalDpi xmlns:a14="http://schemas.microsoft.com/office/drawing/2010/main" val="0"/>
-              </a:ext>
-            </a:extLst>
-          </a:blip>
-          <a:stretch>
-            <a:fillRect/>
-          </a:stretch>
-        </p:blipFill>
-        <p:spPr>
-          <a:xfrm>
-            <a:off x="8800410" y="5591050"/>
-            <a:ext cx="1188359" cy="477927"/>
-          </a:xfrm>
-          <a:prstGeom prst="rect">
-            <a:avLst/>
-          </a:prstGeom>
-        </p:spPr>
-      </p:pic>
-      <p:pic>
-        <p:nvPicPr>
-          <p:cNvPr id="22" name="Picture 21">
-            <a:extLst>
-              <a:ext uri="{FF2B5EF4-FFF2-40B4-BE49-F238E27FC236}">
-                <a16:creationId xmlns:a16="http://schemas.microsoft.com/office/drawing/2014/main" id="{C162FA61-8A8F-6EFD-411D-062F60AEF55E}"/>
-              </a:ext>
-            </a:extLst>
-          </p:cNvPr>
-          <p:cNvPicPr>
-            <a:picLocks noChangeAspect="1"/>
-          </p:cNvPicPr>
-          <p:nvPr/>
-        </p:nvPicPr>
-        <p:blipFill>
-          <a:blip r:embed="rId7">
-            <a:extLst>
-              <a:ext uri="{28A0092B-C50C-407E-A947-70E740481C1C}">
-                <a14:useLocalDpi xmlns:a14="http://schemas.microsoft.com/office/drawing/2010/main" val="0"/>
-              </a:ext>
-            </a:extLst>
-          </a:blip>
-          <a:stretch>
-            <a:fillRect/>
-          </a:stretch>
-        </p:blipFill>
-        <p:spPr>
-          <a:xfrm>
-            <a:off x="10307019" y="5581148"/>
-            <a:ext cx="1074154" cy="490375"/>
-          </a:xfrm>
-          <a:prstGeom prst="rect">
-            <a:avLst/>
-          </a:prstGeom>
-        </p:spPr>
-      </p:pic>
-      <p:pic>
-        <p:nvPicPr>
-          <p:cNvPr id="24" name="Picture 23">
-            <a:extLst>
-              <a:ext uri="{FF2B5EF4-FFF2-40B4-BE49-F238E27FC236}">
-                <a16:creationId xmlns:a16="http://schemas.microsoft.com/office/drawing/2014/main" id="{209D75C2-0679-142B-1306-A2E9823BC79A}"/>
-              </a:ext>
-            </a:extLst>
-          </p:cNvPr>
-          <p:cNvPicPr>
-            <a:picLocks noChangeAspect="1"/>
-          </p:cNvPicPr>
-          <p:nvPr/>
-        </p:nvPicPr>
-        <p:blipFill>
-          <a:blip r:embed="rId8">
-            <a:extLst>
-              <a:ext uri="{28A0092B-C50C-407E-A947-70E740481C1C}">
-                <a14:useLocalDpi xmlns:a14="http://schemas.microsoft.com/office/drawing/2010/main" val="0"/>
-              </a:ext>
-            </a:extLst>
-          </a:blip>
-          <a:stretch>
-            <a:fillRect/>
-          </a:stretch>
-        </p:blipFill>
-        <p:spPr>
-          <a:xfrm>
-            <a:off x="9988769" y="1040091"/>
-            <a:ext cx="452279" cy="465582"/>
-          </a:xfrm>
-          <a:prstGeom prst="rect">
-            <a:avLst/>
-          </a:prstGeom>
-        </p:spPr>
-      </p:pic>
-      <p:pic>
-        <p:nvPicPr>
-          <p:cNvPr id="25" name="Picture 24">
-            <a:extLst>
-              <a:ext uri="{FF2B5EF4-FFF2-40B4-BE49-F238E27FC236}">
-                <a16:creationId xmlns:a16="http://schemas.microsoft.com/office/drawing/2014/main" id="{346B2E5B-7D06-C0F7-71BE-84D7797B802D}"/>
-              </a:ext>
-            </a:extLst>
-          </p:cNvPr>
-          <p:cNvPicPr>
-            <a:picLocks noChangeAspect="1"/>
-          </p:cNvPicPr>
-          <p:nvPr/>
-        </p:nvPicPr>
-        <p:blipFill>
-          <a:blip r:embed="rId8">
-            <a:extLst>
-              <a:ext uri="{28A0092B-C50C-407E-A947-70E740481C1C}">
-                <a14:useLocalDpi xmlns:a14="http://schemas.microsoft.com/office/drawing/2010/main" val="0"/>
-              </a:ext>
-            </a:extLst>
-          </a:blip>
-          <a:stretch>
-            <a:fillRect/>
-          </a:stretch>
-        </p:blipFill>
-        <p:spPr>
-          <a:xfrm>
-            <a:off x="9939953" y="2623463"/>
-            <a:ext cx="452279" cy="465582"/>
-          </a:xfrm>
-          <a:prstGeom prst="rect">
-            <a:avLst/>
-          </a:prstGeom>
-        </p:spPr>
-      </p:pic>
-      <p:pic>
-        <p:nvPicPr>
-          <p:cNvPr id="26" name="Picture 25">
-            <a:extLst>
-              <a:ext uri="{FF2B5EF4-FFF2-40B4-BE49-F238E27FC236}">
-                <a16:creationId xmlns:a16="http://schemas.microsoft.com/office/drawing/2014/main" id="{A9CD7D0E-4F4C-B5D7-62D7-6A1727575E8B}"/>
-              </a:ext>
-            </a:extLst>
-          </p:cNvPr>
-          <p:cNvPicPr>
-            <a:picLocks noChangeAspect="1"/>
-          </p:cNvPicPr>
-          <p:nvPr/>
-        </p:nvPicPr>
-        <p:blipFill>
-          <a:blip r:embed="rId8">
-            <a:extLst>
-              <a:ext uri="{28A0092B-C50C-407E-A947-70E740481C1C}">
-                <a14:useLocalDpi xmlns:a14="http://schemas.microsoft.com/office/drawing/2010/main" val="0"/>
-              </a:ext>
-            </a:extLst>
-          </a:blip>
-          <a:stretch>
-            <a:fillRect/>
-          </a:stretch>
-        </p:blipFill>
-        <p:spPr>
-          <a:xfrm>
-            <a:off x="9935172" y="4899913"/>
-            <a:ext cx="452279" cy="465582"/>
-          </a:xfrm>
-          <a:prstGeom prst="rect">
-            <a:avLst/>
-          </a:prstGeom>
-        </p:spPr>
-      </p:pic>
-    </p:spTree>
-    <p:extLst>
-      <p:ext uri="{BB962C8B-B14F-4D97-AF65-F5344CB8AC3E}">
-        <p14:creationId xmlns:p14="http://schemas.microsoft.com/office/powerpoint/2010/main" val="2110841292"/>
-      </p:ext>
-    </p:extLst>
-  </p:cSld>
-  <p:clrMapOvr>
-    <a:overrideClrMapping bg1="dk1" tx1="lt1" bg2="dk2" tx2="lt2" accent1="accent1" accent2="accent2" accent3="accent3" accent4="accent4" accent5="accent5" accent6="accent6" hlink="hlink" folHlink="folHlink"/>
-  </p:clrMapOvr>
-</p:sld>
-</file>
-
-<file path=ppt/slides/slide8.xml><?xml version="1.0" encoding="utf-8"?>
-<p:sld xmlns:a="http://schemas.openxmlformats.org/drawingml/2006/main" xmlns:r="http://schemas.openxmlformats.org/officeDocument/2006/relationships" xmlns:p="http://schemas.openxmlformats.org/presentationml/2006/main">
-  <p:cSld>
-    <p:spTree>
-      <p:nvGrpSpPr>
-        <p:cNvPr id="1" name=""/>
-        <p:cNvGrpSpPr/>
-        <p:nvPr/>
-      </p:nvGrpSpPr>
-      <p:grpSpPr>
-        <a:xfrm>
-          <a:off x="0" y="0"/>
-          <a:ext cx="0" cy="0"/>
-          <a:chOff x="0" y="0"/>
-          <a:chExt cx="0" cy="0"/>
-        </a:xfrm>
-      </p:grpSpPr>
-      <p:sp>
-        <p:nvSpPr>
-          <p:cNvPr id="2" name="Title 1">
-            <a:extLst>
-              <a:ext uri="{FF2B5EF4-FFF2-40B4-BE49-F238E27FC236}">
-                <a16:creationId xmlns:a16="http://schemas.microsoft.com/office/drawing/2014/main" id="{338A44A2-C895-F366-055F-AC81581FA19F}"/>
-              </a:ext>
-            </a:extLst>
-          </p:cNvPr>
-          <p:cNvSpPr>
-            <a:spLocks noGrp="1"/>
-          </p:cNvSpPr>
-          <p:nvPr>
-            <p:ph type="title"/>
-          </p:nvPr>
-        </p:nvSpPr>
-        <p:spPr>
-          <a:solidFill>
-            <a:schemeClr val="accent5">
-              <a:lumMod val="20000"/>
-              <a:lumOff val="80000"/>
-            </a:schemeClr>
-          </a:solidFill>
-        </p:spPr>
-        <p:txBody>
-          <a:bodyPr/>
-          <a:lstStyle/>
-          <a:p>
-            <a:r>
-              <a:rPr lang="en-US" dirty="0"/>
-              <a:t>Add Files (With Windows </a:t>
-            </a:r>
-            <a:r>
-              <a:rPr lang="en-US" dirty="0" err="1"/>
-              <a:t>Powershell</a:t>
-            </a:r>
-            <a:r>
-              <a:rPr lang="en-US" dirty="0"/>
-              <a:t>)</a:t>
-            </a:r>
-          </a:p>
-        </p:txBody>
-      </p:sp>
-      <p:sp>
-        <p:nvSpPr>
-          <p:cNvPr id="3" name="Content Placeholder 2">
-            <a:extLst>
-              <a:ext uri="{FF2B5EF4-FFF2-40B4-BE49-F238E27FC236}">
-                <a16:creationId xmlns:a16="http://schemas.microsoft.com/office/drawing/2014/main" id="{C52C900C-2CC6-E580-C46A-D00B83A567A2}"/>
-              </a:ext>
-            </a:extLst>
-          </p:cNvPr>
-          <p:cNvSpPr>
-            <a:spLocks noGrp="1"/>
-          </p:cNvSpPr>
-          <p:nvPr>
-            <p:ph sz="half" idx="1"/>
-          </p:nvPr>
-        </p:nvSpPr>
-        <p:spPr>
-          <a:xfrm>
-            <a:off x="838200" y="1825625"/>
-            <a:ext cx="7826406" cy="4351338"/>
-          </a:xfrm>
-          <a:solidFill>
-            <a:schemeClr val="tx2">
-              <a:lumMod val="10000"/>
-              <a:lumOff val="90000"/>
-            </a:schemeClr>
-          </a:solidFill>
-        </p:spPr>
-        <p:txBody>
-          <a:bodyPr>
-            <a:normAutofit fontScale="85000" lnSpcReduction="20000"/>
-          </a:bodyPr>
-          <a:lstStyle/>
-          <a:p>
-            <a:pPr marL="514350" indent="-514350">
-              <a:buFont typeface="+mj-lt"/>
-              <a:buAutoNum type="arabicPeriod"/>
-            </a:pPr>
-            <a:r>
-              <a:rPr lang="en-US" dirty="0"/>
-              <a:t>Navigate To Your Repo In PowerShell </a:t>
-            </a:r>
-          </a:p>
-          <a:p>
-            <a:pPr marL="514350" indent="-514350">
-              <a:buFont typeface="+mj-lt"/>
-              <a:buAutoNum type="arabicPeriod"/>
-            </a:pPr>
-            <a:r>
-              <a:rPr lang="en-US" dirty="0"/>
-              <a:t>New-item “Bravo.txt”    -Create A New Text File</a:t>
-            </a:r>
-          </a:p>
-          <a:p>
-            <a:pPr marL="514350" indent="-514350">
-              <a:buFont typeface="+mj-lt"/>
-              <a:buAutoNum type="arabicPeriod"/>
-            </a:pPr>
-            <a:r>
-              <a:rPr lang="en-US" dirty="0"/>
-              <a:t>ls  -See The New File Listed</a:t>
-            </a:r>
-          </a:p>
-          <a:p>
-            <a:r>
-              <a:rPr lang="en-US" dirty="0"/>
-              <a:t>Right Now Git Doesn’t Know This Is A File You Want It To Pay Attention Too</a:t>
-            </a:r>
-          </a:p>
-          <a:p>
-            <a:r>
-              <a:rPr lang="en-US" dirty="0"/>
-              <a:t>If Our Text Document Was Just Notes That’s Fine</a:t>
-            </a:r>
-          </a:p>
-          <a:p>
-            <a:r>
-              <a:rPr lang="en-US" dirty="0"/>
-              <a:t>If You Want Git To Know To Pay Attention To It We Have To Tell Git To Add It To Our Index</a:t>
-            </a:r>
-          </a:p>
-          <a:p>
-            <a:pPr marL="514350" indent="-514350">
-              <a:buAutoNum type="arabicPeriod" startAt="4"/>
-            </a:pPr>
-            <a:r>
-              <a:rPr lang="en-US" dirty="0"/>
-              <a:t>git add Charles.txt   - To Add It To Our Index So Git Knows This Is Something We Want To Commit Later </a:t>
-            </a:r>
-          </a:p>
-          <a:p>
-            <a:pPr marL="514350" indent="-514350">
-              <a:buAutoNum type="arabicPeriod" startAt="4"/>
-            </a:pPr>
-            <a:r>
-              <a:rPr lang="en-US" dirty="0"/>
-              <a:t>Git status   -Shows Us Changes That Git Knows To Keep Track Of And Commit Later.</a:t>
-            </a:r>
-          </a:p>
-        </p:txBody>
-      </p:sp>
-      <p:pic>
-        <p:nvPicPr>
-          <p:cNvPr id="6" name="Picture 5">
-            <a:extLst>
-              <a:ext uri="{FF2B5EF4-FFF2-40B4-BE49-F238E27FC236}">
-                <a16:creationId xmlns:a16="http://schemas.microsoft.com/office/drawing/2014/main" id="{F3FE1EC2-DD7E-6EED-0C6D-E546F326B8A9}"/>
-              </a:ext>
-            </a:extLst>
-          </p:cNvPr>
-          <p:cNvPicPr>
-            <a:picLocks noChangeAspect="1"/>
-          </p:cNvPicPr>
-          <p:nvPr/>
-        </p:nvPicPr>
-        <p:blipFill>
-          <a:blip r:embed="rId2">
-            <a:extLst>
-              <a:ext uri="{28A0092B-C50C-407E-A947-70E740481C1C}">
-                <a14:useLocalDpi xmlns:a14="http://schemas.microsoft.com/office/drawing/2010/main" val="0"/>
-              </a:ext>
-            </a:extLst>
-          </a:blip>
-          <a:stretch>
-            <a:fillRect/>
-          </a:stretch>
-        </p:blipFill>
-        <p:spPr>
-          <a:xfrm>
-            <a:off x="8023273" y="1756823"/>
-            <a:ext cx="3410426" cy="381053"/>
-          </a:xfrm>
-          <a:prstGeom prst="rect">
-            <a:avLst/>
-          </a:prstGeom>
-        </p:spPr>
-      </p:pic>
-      <p:pic>
-        <p:nvPicPr>
-          <p:cNvPr id="8" name="Picture 7">
-            <a:extLst>
-              <a:ext uri="{FF2B5EF4-FFF2-40B4-BE49-F238E27FC236}">
-                <a16:creationId xmlns:a16="http://schemas.microsoft.com/office/drawing/2014/main" id="{300377A9-F006-D31B-4F87-344AB85465B2}"/>
-              </a:ext>
-            </a:extLst>
-          </p:cNvPr>
-          <p:cNvPicPr>
-            <a:picLocks noChangeAspect="1"/>
-          </p:cNvPicPr>
-          <p:nvPr/>
-        </p:nvPicPr>
-        <p:blipFill>
-          <a:blip r:embed="rId3">
-            <a:extLst>
-              <a:ext uri="{28A0092B-C50C-407E-A947-70E740481C1C}">
-                <a14:useLocalDpi xmlns:a14="http://schemas.microsoft.com/office/drawing/2010/main" val="0"/>
-              </a:ext>
-            </a:extLst>
-          </a:blip>
-          <a:stretch>
-            <a:fillRect/>
-          </a:stretch>
-        </p:blipFill>
-        <p:spPr>
-          <a:xfrm>
-            <a:off x="8518642" y="2283910"/>
-            <a:ext cx="2915057" cy="247685"/>
-          </a:xfrm>
-          <a:prstGeom prst="rect">
-            <a:avLst/>
-          </a:prstGeom>
-        </p:spPr>
-      </p:pic>
-      <p:pic>
-        <p:nvPicPr>
-          <p:cNvPr id="10" name="Picture 9">
-            <a:extLst>
-              <a:ext uri="{FF2B5EF4-FFF2-40B4-BE49-F238E27FC236}">
-                <a16:creationId xmlns:a16="http://schemas.microsoft.com/office/drawing/2014/main" id="{9F1F7960-2DA5-8DEC-C3B4-71AB74276247}"/>
-              </a:ext>
-            </a:extLst>
-          </p:cNvPr>
-          <p:cNvPicPr>
-            <a:picLocks noChangeAspect="1"/>
-          </p:cNvPicPr>
-          <p:nvPr/>
-        </p:nvPicPr>
-        <p:blipFill>
-          <a:blip r:embed="rId4">
-            <a:extLst>
-              <a:ext uri="{28A0092B-C50C-407E-A947-70E740481C1C}">
-                <a14:useLocalDpi xmlns:a14="http://schemas.microsoft.com/office/drawing/2010/main" val="0"/>
-              </a:ext>
-            </a:extLst>
-          </a:blip>
-          <a:stretch>
-            <a:fillRect/>
-          </a:stretch>
-        </p:blipFill>
-        <p:spPr>
-          <a:xfrm>
-            <a:off x="8880643" y="4733165"/>
-            <a:ext cx="2553056" cy="285790"/>
-          </a:xfrm>
-          <a:prstGeom prst="rect">
-            <a:avLst/>
-          </a:prstGeom>
-        </p:spPr>
-      </p:pic>
-      <p:pic>
-        <p:nvPicPr>
-          <p:cNvPr id="12" name="Picture 11">
-            <a:extLst>
-              <a:ext uri="{FF2B5EF4-FFF2-40B4-BE49-F238E27FC236}">
-                <a16:creationId xmlns:a16="http://schemas.microsoft.com/office/drawing/2014/main" id="{CC7C7589-8E4F-0BF1-9FF0-A33AD6FA22D8}"/>
-              </a:ext>
-            </a:extLst>
-          </p:cNvPr>
-          <p:cNvPicPr>
-            <a:picLocks noChangeAspect="1"/>
-          </p:cNvPicPr>
-          <p:nvPr/>
-        </p:nvPicPr>
-        <p:blipFill>
-          <a:blip r:embed="rId5">
-            <a:extLst>
-              <a:ext uri="{28A0092B-C50C-407E-A947-70E740481C1C}">
-                <a14:useLocalDpi xmlns:a14="http://schemas.microsoft.com/office/drawing/2010/main" val="0"/>
-              </a:ext>
-            </a:extLst>
-          </a:blip>
-          <a:stretch>
-            <a:fillRect/>
-          </a:stretch>
-        </p:blipFill>
-        <p:spPr>
-          <a:xfrm>
-            <a:off x="9418880" y="5245474"/>
-            <a:ext cx="1476581" cy="362001"/>
-          </a:xfrm>
-          <a:prstGeom prst="rect">
-            <a:avLst/>
-          </a:prstGeom>
-        </p:spPr>
-      </p:pic>
-      <p:pic>
-        <p:nvPicPr>
-          <p:cNvPr id="14" name="Picture 13">
-            <a:extLst>
-              <a:ext uri="{FF2B5EF4-FFF2-40B4-BE49-F238E27FC236}">
-                <a16:creationId xmlns:a16="http://schemas.microsoft.com/office/drawing/2014/main" id="{0F1E1E45-0765-090D-C194-3D77D1245079}"/>
-              </a:ext>
-            </a:extLst>
-          </p:cNvPr>
-          <p:cNvPicPr>
-            <a:picLocks noChangeAspect="1"/>
-          </p:cNvPicPr>
-          <p:nvPr/>
-        </p:nvPicPr>
-        <p:blipFill>
-          <a:blip r:embed="rId6">
-            <a:extLst>
-              <a:ext uri="{28A0092B-C50C-407E-A947-70E740481C1C}">
-                <a14:useLocalDpi xmlns:a14="http://schemas.microsoft.com/office/drawing/2010/main" val="0"/>
-              </a:ext>
-            </a:extLst>
-          </a:blip>
-          <a:stretch>
-            <a:fillRect/>
-          </a:stretch>
-        </p:blipFill>
-        <p:spPr>
-          <a:xfrm>
-            <a:off x="6096000" y="5903839"/>
-            <a:ext cx="6056006" cy="735074"/>
-          </a:xfrm>
-          <a:prstGeom prst="rect">
-            <a:avLst/>
-          </a:prstGeom>
-        </p:spPr>
-      </p:pic>
-      <p:cxnSp>
-        <p:nvCxnSpPr>
-          <p:cNvPr id="16" name="Straight Arrow Connector 15">
-            <a:extLst>
-              <a:ext uri="{FF2B5EF4-FFF2-40B4-BE49-F238E27FC236}">
-                <a16:creationId xmlns:a16="http://schemas.microsoft.com/office/drawing/2014/main" id="{3E699E33-BD41-DB6A-513B-099B7AB50BFF}"/>
-              </a:ext>
-            </a:extLst>
-          </p:cNvPr>
-          <p:cNvCxnSpPr>
-            <a:cxnSpLocks/>
-          </p:cNvCxnSpPr>
-          <p:nvPr/>
-        </p:nvCxnSpPr>
-        <p:spPr>
-          <a:xfrm>
-            <a:off x="6267635" y="1987052"/>
-            <a:ext cx="1755638" cy="0"/>
-          </a:xfrm>
-          <a:prstGeom prst="straightConnector1">
-            <a:avLst/>
-          </a:prstGeom>
-          <a:ln>
-            <a:tailEnd type="triangle"/>
-          </a:ln>
-        </p:spPr>
-        <p:style>
-          <a:lnRef idx="2">
-            <a:schemeClr val="accent1"/>
-          </a:lnRef>
-          <a:fillRef idx="0">
-            <a:schemeClr val="accent1"/>
-          </a:fillRef>
-          <a:effectRef idx="1">
-            <a:schemeClr val="accent1"/>
-          </a:effectRef>
-          <a:fontRef idx="minor">
-            <a:schemeClr val="tx1"/>
-          </a:fontRef>
-        </p:style>
-      </p:cxnSp>
-      <p:cxnSp>
-        <p:nvCxnSpPr>
-          <p:cNvPr id="19" name="Straight Arrow Connector 18">
-            <a:extLst>
-              <a:ext uri="{FF2B5EF4-FFF2-40B4-BE49-F238E27FC236}">
-                <a16:creationId xmlns:a16="http://schemas.microsoft.com/office/drawing/2014/main" id="{883A96BD-5DF3-124C-7B78-5B1D6F4D215F}"/>
-              </a:ext>
-            </a:extLst>
-          </p:cNvPr>
-          <p:cNvCxnSpPr>
-            <a:cxnSpLocks/>
-          </p:cNvCxnSpPr>
-          <p:nvPr/>
-        </p:nvCxnSpPr>
-        <p:spPr>
-          <a:xfrm>
-            <a:off x="7741328" y="2432416"/>
-            <a:ext cx="748540" cy="0"/>
-          </a:xfrm>
-          <a:prstGeom prst="straightConnector1">
-            <a:avLst/>
-          </a:prstGeom>
-          <a:ln>
-            <a:tailEnd type="triangle"/>
-          </a:ln>
-        </p:spPr>
-        <p:style>
-          <a:lnRef idx="2">
-            <a:schemeClr val="accent1"/>
-          </a:lnRef>
-          <a:fillRef idx="0">
-            <a:schemeClr val="accent1"/>
-          </a:fillRef>
-          <a:effectRef idx="1">
-            <a:schemeClr val="accent1"/>
-          </a:effectRef>
-          <a:fontRef idx="minor">
-            <a:schemeClr val="tx1"/>
-          </a:fontRef>
-        </p:style>
-      </p:cxnSp>
-      <p:cxnSp>
-        <p:nvCxnSpPr>
-          <p:cNvPr id="20" name="Straight Arrow Connector 19">
-            <a:extLst>
-              <a:ext uri="{FF2B5EF4-FFF2-40B4-BE49-F238E27FC236}">
-                <a16:creationId xmlns:a16="http://schemas.microsoft.com/office/drawing/2014/main" id="{9C0F6FDE-58EE-D766-B832-C5053DA641C9}"/>
-              </a:ext>
-            </a:extLst>
-          </p:cNvPr>
-          <p:cNvCxnSpPr>
-            <a:cxnSpLocks/>
-          </p:cNvCxnSpPr>
-          <p:nvPr/>
-        </p:nvCxnSpPr>
-        <p:spPr>
-          <a:xfrm>
-            <a:off x="7874493" y="4866376"/>
-            <a:ext cx="939963" cy="0"/>
-          </a:xfrm>
-          <a:prstGeom prst="straightConnector1">
-            <a:avLst/>
-          </a:prstGeom>
-          <a:ln>
-            <a:tailEnd type="triangle"/>
-          </a:ln>
-        </p:spPr>
-        <p:style>
-          <a:lnRef idx="2">
-            <a:schemeClr val="accent1"/>
-          </a:lnRef>
-          <a:fillRef idx="0">
-            <a:schemeClr val="accent1"/>
-          </a:fillRef>
-          <a:effectRef idx="1">
-            <a:schemeClr val="accent1"/>
-          </a:effectRef>
-          <a:fontRef idx="minor">
-            <a:schemeClr val="tx1"/>
-          </a:fontRef>
-        </p:style>
-      </p:cxnSp>
-      <p:cxnSp>
-        <p:nvCxnSpPr>
-          <p:cNvPr id="21" name="Straight Arrow Connector 20">
-            <a:extLst>
-              <a:ext uri="{FF2B5EF4-FFF2-40B4-BE49-F238E27FC236}">
-                <a16:creationId xmlns:a16="http://schemas.microsoft.com/office/drawing/2014/main" id="{5C7E911D-0B85-01CC-43E2-DE2E0348BFF9}"/>
-              </a:ext>
-            </a:extLst>
-          </p:cNvPr>
-          <p:cNvCxnSpPr>
-            <a:cxnSpLocks/>
-          </p:cNvCxnSpPr>
-          <p:nvPr/>
-        </p:nvCxnSpPr>
-        <p:spPr>
-          <a:xfrm flipV="1">
-            <a:off x="7936637" y="5471537"/>
-            <a:ext cx="1459824" cy="236805"/>
-          </a:xfrm>
-          <a:prstGeom prst="straightConnector1">
-            <a:avLst/>
-          </a:prstGeom>
-          <a:ln>
-            <a:tailEnd type="triangle"/>
-          </a:ln>
-        </p:spPr>
-        <p:style>
-          <a:lnRef idx="2">
-            <a:schemeClr val="accent1"/>
-          </a:lnRef>
-          <a:fillRef idx="0">
-            <a:schemeClr val="accent1"/>
-          </a:fillRef>
-          <a:effectRef idx="1">
-            <a:schemeClr val="accent1"/>
-          </a:effectRef>
-          <a:fontRef idx="minor">
-            <a:schemeClr val="tx1"/>
-          </a:fontRef>
-        </p:style>
-      </p:cxnSp>
-      <p:cxnSp>
-        <p:nvCxnSpPr>
-          <p:cNvPr id="22" name="Straight Arrow Connector 21">
-            <a:extLst>
-              <a:ext uri="{FF2B5EF4-FFF2-40B4-BE49-F238E27FC236}">
-                <a16:creationId xmlns:a16="http://schemas.microsoft.com/office/drawing/2014/main" id="{A1780BF9-793A-8A5F-2A85-CE741BC02C75}"/>
-              </a:ext>
-            </a:extLst>
-          </p:cNvPr>
-          <p:cNvCxnSpPr>
-            <a:cxnSpLocks/>
-          </p:cNvCxnSpPr>
-          <p:nvPr/>
-        </p:nvCxnSpPr>
-        <p:spPr>
-          <a:xfrm>
-            <a:off x="1562470" y="6343029"/>
-            <a:ext cx="4533530" cy="0"/>
-          </a:xfrm>
-          <a:prstGeom prst="straightConnector1">
-            <a:avLst/>
-          </a:prstGeom>
-          <a:ln>
-            <a:tailEnd type="triangle"/>
-          </a:ln>
-        </p:spPr>
-        <p:style>
-          <a:lnRef idx="2">
-            <a:schemeClr val="accent1"/>
-          </a:lnRef>
-          <a:fillRef idx="0">
-            <a:schemeClr val="accent1"/>
-          </a:fillRef>
-          <a:effectRef idx="1">
-            <a:schemeClr val="accent1"/>
-          </a:effectRef>
-          <a:fontRef idx="minor">
-            <a:schemeClr val="tx1"/>
-          </a:fontRef>
-        </p:style>
-      </p:cxnSp>
-    </p:spTree>
-    <p:extLst>
-      <p:ext uri="{BB962C8B-B14F-4D97-AF65-F5344CB8AC3E}">
-        <p14:creationId xmlns:p14="http://schemas.microsoft.com/office/powerpoint/2010/main" val="4024247060"/>
-      </p:ext>
-    </p:extLst>
-  </p:cSld>
-  <p:clrMapOvr>
-    <a:masterClrMapping/>
-  </p:clrMapOvr>
-</p:sld>
-</file>
-
-<file path=ppt/slides/slide9.xml><?xml version="1.0" encoding="utf-8"?>
-<p:sld xmlns:a="http://schemas.openxmlformats.org/drawingml/2006/main" xmlns:r="http://schemas.openxmlformats.org/officeDocument/2006/relationships" xmlns:p="http://schemas.openxmlformats.org/presentationml/2006/main">
-  <p:cSld>
-    <p:bg>
-      <p:bgPr>
-        <a:solidFill>
-          <a:schemeClr val="bg1"/>
-        </a:solidFill>
-        <a:effectLst/>
-      </p:bgPr>
-    </p:bg>
-    <p:spTree>
-      <p:nvGrpSpPr>
-        <p:cNvPr id="1" name=""/>
-        <p:cNvGrpSpPr/>
-        <p:nvPr/>
-      </p:nvGrpSpPr>
-      <p:grpSpPr>
-        <a:xfrm>
-          <a:off x="0" y="0"/>
-          <a:ext cx="0" cy="0"/>
-          <a:chOff x="0" y="0"/>
-          <a:chExt cx="0" cy="0"/>
-        </a:xfrm>
-      </p:grpSpPr>
-      <p:sp useBgFill="1">
-        <p:nvSpPr>
-          <p:cNvPr id="8" name="Rectangle 7">
-            <a:extLst>
-              <a:ext uri="{FF2B5EF4-FFF2-40B4-BE49-F238E27FC236}">
-                <a16:creationId xmlns:a16="http://schemas.microsoft.com/office/drawing/2014/main" id="{B6CDA21F-E7AF-4C75-8395-33F58D5B0E45}"/>
-              </a:ext>
-              <a:ext uri="{C183D7F6-B498-43B3-948B-1728B52AA6E4}">
-                <adec:decorative xmlns:adec="http://schemas.microsoft.com/office/drawing/2017/decorative" val="1"/>
-              </a:ext>
-            </a:extLst>
-          </p:cNvPr>
-          <p:cNvSpPr>
-            <a:spLocks noGrp="1" noRot="1" noChangeAspect="1" noMove="1" noResize="1" noEditPoints="1" noAdjustHandles="1" noChangeArrowheads="1" noChangeShapeType="1" noTextEdit="1"/>
-          </p:cNvSpPr>
-          <p:nvPr>
-            <p:extLst>
-              <p:ext uri="{386F3935-93C4-4BCD-93E2-E3B085C9AB24}">
-                <p16:designElem xmlns:p16="http://schemas.microsoft.com/office/powerpoint/2015/main" val="1"/>
-              </p:ext>
-            </p:extLst>
-          </p:nvPr>
-        </p:nvSpPr>
-        <p:spPr>
-          <a:xfrm>
-            <a:off x="0" y="0"/>
-            <a:ext cx="12191999" cy="6857365"/>
-          </a:xfrm>
-          <a:prstGeom prst="rect">
-            <a:avLst/>
-          </a:prstGeom>
-          <a:ln>
-            <a:noFill/>
-          </a:ln>
-        </p:spPr>
-        <p:style>
-          <a:lnRef idx="2">
-            <a:schemeClr val="accent1">
-              <a:shade val="50000"/>
-            </a:schemeClr>
-          </a:lnRef>
-          <a:fillRef idx="1">
-            <a:schemeClr val="accent1"/>
-          </a:fillRef>
-          <a:effectRef idx="0">
-            <a:schemeClr val="accent1"/>
-          </a:effectRef>
-          <a:fontRef idx="minor">
-            <a:schemeClr val="lt1"/>
-          </a:fontRef>
-        </p:style>
-        <p:txBody>
-          <a:bodyPr rtlCol="0" anchor="ctr"/>
-          <a:lstStyle/>
-          <a:p>
-            <a:pPr algn="ctr"/>
-            <a:endParaRPr lang="en-US"/>
-          </a:p>
-        </p:txBody>
-      </p:sp>
-      <p:grpSp>
-        <p:nvGrpSpPr>
-          <p:cNvPr id="10" name="Group 9">
-            <a:extLst>
-              <a:ext uri="{FF2B5EF4-FFF2-40B4-BE49-F238E27FC236}">
-                <a16:creationId xmlns:a16="http://schemas.microsoft.com/office/drawing/2014/main" id="{AE1C45F0-260A-458C-96ED-C1F6D2151219}"/>
-              </a:ext>
-              <a:ext uri="{C183D7F6-B498-43B3-948B-1728B52AA6E4}">
-                <adec:decorative xmlns:adec="http://schemas.microsoft.com/office/drawing/2017/decorative" val="1"/>
-              </a:ext>
-            </a:extLst>
-          </p:cNvPr>
-          <p:cNvGrpSpPr>
-            <a:grpSpLocks noGrp="1" noUngrp="1" noRot="1" noChangeAspect="1" noMove="1" noResize="1"/>
-          </p:cNvGrpSpPr>
-          <p:nvPr>
-            <p:extLst>
-              <p:ext uri="{386F3935-93C4-4BCD-93E2-E3B085C9AB24}">
-                <p16:designElem xmlns:p16="http://schemas.microsoft.com/office/powerpoint/2015/main" val="1"/>
-              </p:ext>
-            </p:extLst>
-          </p:nvPr>
-        </p:nvGrpSpPr>
-        <p:grpSpPr>
-          <a:xfrm>
-            <a:off x="4" y="1216597"/>
-            <a:ext cx="731521" cy="673460"/>
-            <a:chOff x="3940602" y="308034"/>
-            <a:chExt cx="2116791" cy="3428999"/>
-          </a:xfrm>
-          <a:solidFill>
-            <a:schemeClr val="accent4"/>
-          </a:solidFill>
-        </p:grpSpPr>
-        <p:sp>
-          <p:nvSpPr>
-            <p:cNvPr id="11" name="Rectangle 10">
-              <a:extLst>
-                <a:ext uri="{FF2B5EF4-FFF2-40B4-BE49-F238E27FC236}">
-                  <a16:creationId xmlns:a16="http://schemas.microsoft.com/office/drawing/2014/main" id="{A6604B49-AD5C-4590-B051-06C8222ECD99}"/>
-                </a:ext>
-                <a:ext uri="{C183D7F6-B498-43B3-948B-1728B52AA6E4}">
-                  <adec:decorative xmlns:adec="http://schemas.microsoft.com/office/drawing/2017/decorative" val="1"/>
-                </a:ext>
-              </a:extLst>
-            </p:cNvPr>
-            <p:cNvSpPr/>
-            <p:nvPr>
-              <p:extLst>
-                <p:ext uri="{386F3935-93C4-4BCD-93E2-E3B085C9AB24}">
-                  <p16:designElem xmlns:p16="http://schemas.microsoft.com/office/powerpoint/2015/main" val="1"/>
-                </p:ext>
-              </p:extLst>
-            </p:nvPr>
-          </p:nvSpPr>
-          <p:spPr>
-            <a:xfrm>
-              <a:off x="3940602" y="308034"/>
-              <a:ext cx="566743" cy="3428999"/>
-            </a:xfrm>
-            <a:prstGeom prst="rect">
-              <a:avLst/>
-            </a:prstGeom>
-            <a:grpFill/>
-            <a:ln>
-              <a:noFill/>
-            </a:ln>
-          </p:spPr>
-          <p:style>
-            <a:lnRef idx="2">
-              <a:schemeClr val="accent1">
-                <a:shade val="50000"/>
-              </a:schemeClr>
-            </a:lnRef>
-            <a:fillRef idx="1">
-              <a:schemeClr val="accent1"/>
-            </a:fillRef>
-            <a:effectRef idx="0">
-              <a:schemeClr val="accent1"/>
-            </a:effectRef>
-            <a:fontRef idx="minor">
-              <a:schemeClr val="lt1"/>
-            </a:fontRef>
-          </p:style>
-          <p:txBody>
-            <a:bodyPr rtlCol="0" anchor="ctr"/>
-            <a:lstStyle/>
-            <a:p>
-              <a:pPr algn="ctr"/>
-              <a:endParaRPr lang="en-US"/>
-            </a:p>
-          </p:txBody>
-        </p:sp>
-        <p:sp>
-          <p:nvSpPr>
-            <p:cNvPr id="12" name="Rectangle 11">
-              <a:extLst>
-                <a:ext uri="{FF2B5EF4-FFF2-40B4-BE49-F238E27FC236}">
-                  <a16:creationId xmlns:a16="http://schemas.microsoft.com/office/drawing/2014/main" id="{743ECCAF-29C5-4537-947C-7EA1292463DB}"/>
-                </a:ext>
-                <a:ext uri="{C183D7F6-B498-43B3-948B-1728B52AA6E4}">
-                  <adec:decorative xmlns:adec="http://schemas.microsoft.com/office/drawing/2017/decorative" val="1"/>
-                </a:ext>
-              </a:extLst>
-            </p:cNvPr>
-            <p:cNvSpPr/>
-            <p:nvPr>
-              <p:extLst>
-                <p:ext uri="{386F3935-93C4-4BCD-93E2-E3B085C9AB24}">
-                  <p16:designElem xmlns:p16="http://schemas.microsoft.com/office/powerpoint/2015/main" val="1"/>
-                </p:ext>
-              </p:extLst>
-            </p:nvPr>
-          </p:nvSpPr>
-          <p:spPr>
-            <a:xfrm>
-              <a:off x="4715626" y="308034"/>
-              <a:ext cx="566743" cy="3428999"/>
-            </a:xfrm>
-            <a:prstGeom prst="rect">
-              <a:avLst/>
-            </a:prstGeom>
-            <a:grpFill/>
-            <a:ln>
-              <a:noFill/>
-            </a:ln>
-          </p:spPr>
-          <p:style>
-            <a:lnRef idx="2">
-              <a:schemeClr val="accent1">
-                <a:shade val="50000"/>
-              </a:schemeClr>
-            </a:lnRef>
-            <a:fillRef idx="1">
-              <a:schemeClr val="accent1"/>
-            </a:fillRef>
-            <a:effectRef idx="0">
-              <a:schemeClr val="accent1"/>
-            </a:effectRef>
-            <a:fontRef idx="minor">
-              <a:schemeClr val="lt1"/>
-            </a:fontRef>
-          </p:style>
-          <p:txBody>
-            <a:bodyPr rtlCol="0" anchor="ctr"/>
-            <a:lstStyle/>
-            <a:p>
-              <a:pPr algn="ctr"/>
-              <a:endParaRPr lang="en-US"/>
-            </a:p>
-          </p:txBody>
-        </p:sp>
-        <p:sp>
-          <p:nvSpPr>
-            <p:cNvPr id="13" name="Rectangle 12">
-              <a:extLst>
-                <a:ext uri="{FF2B5EF4-FFF2-40B4-BE49-F238E27FC236}">
-                  <a16:creationId xmlns:a16="http://schemas.microsoft.com/office/drawing/2014/main" id="{ED49787B-8DE6-4467-AD0A-8DECC6E0C2D6}"/>
-                </a:ext>
-                <a:ext uri="{C183D7F6-B498-43B3-948B-1728B52AA6E4}">
-                  <adec:decorative xmlns:adec="http://schemas.microsoft.com/office/drawing/2017/decorative" val="1"/>
-                </a:ext>
-              </a:extLst>
-            </p:cNvPr>
-            <p:cNvSpPr/>
-            <p:nvPr>
-              <p:extLst>
-                <p:ext uri="{386F3935-93C4-4BCD-93E2-E3B085C9AB24}">
-                  <p16:designElem xmlns:p16="http://schemas.microsoft.com/office/powerpoint/2015/main" val="1"/>
-                </p:ext>
-              </p:extLst>
-            </p:nvPr>
-          </p:nvSpPr>
-          <p:spPr>
-            <a:xfrm>
-              <a:off x="5490650" y="308034"/>
-              <a:ext cx="566743" cy="3428999"/>
-            </a:xfrm>
-            <a:prstGeom prst="rect">
-              <a:avLst/>
-            </a:prstGeom>
-            <a:grpFill/>
-            <a:ln>
-              <a:noFill/>
-            </a:ln>
-          </p:spPr>
-          <p:style>
-            <a:lnRef idx="2">
-              <a:schemeClr val="accent1">
-                <a:shade val="50000"/>
-              </a:schemeClr>
-            </a:lnRef>
-            <a:fillRef idx="1">
-              <a:schemeClr val="accent1"/>
-            </a:fillRef>
-            <a:effectRef idx="0">
-              <a:schemeClr val="accent1"/>
-            </a:effectRef>
-            <a:fontRef idx="minor">
-              <a:schemeClr val="lt1"/>
-            </a:fontRef>
-          </p:style>
-          <p:txBody>
-            <a:bodyPr rtlCol="0" anchor="ctr"/>
-            <a:lstStyle/>
-            <a:p>
-              <a:pPr algn="ctr"/>
-              <a:endParaRPr lang="en-US"/>
-            </a:p>
-          </p:txBody>
-        </p:sp>
-      </p:grpSp>
-      <p:sp>
-        <p:nvSpPr>
-          <p:cNvPr id="15" name="Rectangle 14">
-            <a:extLst>
-              <a:ext uri="{FF2B5EF4-FFF2-40B4-BE49-F238E27FC236}">
-                <a16:creationId xmlns:a16="http://schemas.microsoft.com/office/drawing/2014/main" id="{D5B0017B-2ECA-49AF-B397-DC140825DF8D}"/>
-              </a:ext>
-              <a:ext uri="{C183D7F6-B498-43B3-948B-1728B52AA6E4}">
-                <adec:decorative xmlns:adec="http://schemas.microsoft.com/office/drawing/2017/decorative" val="1"/>
-              </a:ext>
-            </a:extLst>
-          </p:cNvPr>
-          <p:cNvSpPr>
-            <a:spLocks noGrp="1" noRot="1" noChangeAspect="1" noMove="1" noResize="1" noEditPoints="1" noAdjustHandles="1" noChangeArrowheads="1" noChangeShapeType="1" noTextEdit="1"/>
-          </p:cNvSpPr>
-          <p:nvPr>
-            <p:extLst>
-              <p:ext uri="{386F3935-93C4-4BCD-93E2-E3B085C9AB24}">
-                <p16:designElem xmlns:p16="http://schemas.microsoft.com/office/powerpoint/2015/main" val="1"/>
-              </p:ext>
-            </p:extLst>
-          </p:nvPr>
-        </p:nvSpPr>
-        <p:spPr>
-          <a:xfrm>
-            <a:off x="640079" y="613954"/>
-            <a:ext cx="10907487" cy="1894116"/>
-          </a:xfrm>
-          <a:prstGeom prst="rect">
-            <a:avLst/>
-          </a:prstGeom>
-          <a:solidFill>
-            <a:schemeClr val="bg1"/>
-          </a:solidFill>
-          <a:ln>
-            <a:noFill/>
-          </a:ln>
-          <a:effectLst>
-            <a:outerShdw blurRad="139700" dist="127000" dir="5400000" algn="t" rotWithShape="0">
-              <a:prstClr val="black">
-                <a:alpha val="15000"/>
-              </a:prstClr>
-            </a:outerShdw>
-          </a:effectLst>
-        </p:spPr>
-        <p:style>
-          <a:lnRef idx="2">
-            <a:schemeClr val="accent1">
-              <a:shade val="50000"/>
-            </a:schemeClr>
-          </a:lnRef>
-          <a:fillRef idx="1">
-            <a:schemeClr val="accent1"/>
-          </a:fillRef>
-          <a:effectRef idx="0">
-            <a:schemeClr val="accent1"/>
-          </a:effectRef>
-          <a:fontRef idx="minor">
-            <a:schemeClr val="lt1"/>
-          </a:fontRef>
-        </p:style>
-        <p:txBody>
-          <a:bodyPr rtlCol="0" anchor="ctr"/>
-          <a:lstStyle/>
-          <a:p>
-            <a:pPr algn="ctr"/>
-            <a:endParaRPr lang="en-US"/>
-          </a:p>
-        </p:txBody>
-      </p:sp>
-      <p:sp>
-        <p:nvSpPr>
-          <p:cNvPr id="2" name="Title 1">
-            <a:extLst>
-              <a:ext uri="{FF2B5EF4-FFF2-40B4-BE49-F238E27FC236}">
-                <a16:creationId xmlns:a16="http://schemas.microsoft.com/office/drawing/2014/main" id="{527C2658-7FCE-529B-FBE3-C96D28ACFD59}"/>
-              </a:ext>
-            </a:extLst>
-          </p:cNvPr>
-          <p:cNvSpPr>
-            <a:spLocks noGrp="1"/>
-          </p:cNvSpPr>
-          <p:nvPr>
-            <p:ph type="title"/>
-          </p:nvPr>
-        </p:nvSpPr>
-        <p:spPr>
-          <a:xfrm>
-            <a:off x="1043631" y="809898"/>
-            <a:ext cx="9942716" cy="1554480"/>
-          </a:xfrm>
-        </p:spPr>
-        <p:txBody>
-          <a:bodyPr vert="horz" lIns="91440" tIns="45720" rIns="91440" bIns="45720" rtlCol="0" anchor="ctr">
-            <a:normAutofit/>
-          </a:bodyPr>
-          <a:lstStyle/>
-          <a:p>
-            <a:r>
-              <a:rPr lang="en-US" sz="4800" kern="1200">
-                <a:solidFill>
-                  <a:schemeClr val="tx1"/>
-                </a:solidFill>
-                <a:latin typeface="+mj-lt"/>
-                <a:ea typeface="+mj-ea"/>
-                <a:cs typeface="+mj-cs"/>
-              </a:rPr>
-              <a:t>Commit Changes(Windows Powershell)</a:t>
-            </a:r>
-          </a:p>
-        </p:txBody>
-      </p:sp>
-      <p:sp>
-        <p:nvSpPr>
-          <p:cNvPr id="7" name="Content Placeholder 2">
-            <a:extLst>
-              <a:ext uri="{FF2B5EF4-FFF2-40B4-BE49-F238E27FC236}">
-                <a16:creationId xmlns:a16="http://schemas.microsoft.com/office/drawing/2014/main" id="{939A4F37-91DB-0A25-B053-9FFF37850AD2}"/>
-              </a:ext>
-            </a:extLst>
-          </p:cNvPr>
-          <p:cNvSpPr>
-            <a:spLocks noGrp="1"/>
-          </p:cNvSpPr>
-          <p:nvPr>
-            <p:ph sz="half" idx="1"/>
-          </p:nvPr>
-        </p:nvSpPr>
-        <p:spPr>
-          <a:xfrm>
-            <a:off x="1045028" y="3017522"/>
-            <a:ext cx="9941319" cy="3124658"/>
-          </a:xfrm>
-        </p:spPr>
-        <p:txBody>
-          <a:bodyPr vert="horz" lIns="91440" tIns="45720" rIns="91440" bIns="45720" rtlCol="0" anchor="ctr">
-            <a:normAutofit/>
-          </a:bodyPr>
-          <a:lstStyle/>
-          <a:p>
-            <a:pPr marL="0" indent="0">
-              <a:buNone/>
-            </a:pPr>
-            <a:r>
-              <a:rPr lang="en-US" sz="2000" dirty="0"/>
-              <a:t>1. Commit Our Changes And New Files To Be Added To GitHub</a:t>
-            </a:r>
-          </a:p>
-          <a:p>
-            <a:r>
-              <a:rPr lang="en-US" sz="2000" dirty="0"/>
-              <a:t> git commit –m “ Second Commit”  (-m means message)</a:t>
-            </a:r>
-          </a:p>
-          <a:p>
-            <a:pPr marL="0" indent="0">
-              <a:buNone/>
-            </a:pPr>
-            <a:r>
-              <a:rPr lang="en-US" sz="2000" dirty="0"/>
-              <a:t>2. Show Our History</a:t>
-            </a:r>
-          </a:p>
-          <a:p>
-            <a:pPr marL="0"/>
-            <a:r>
-              <a:rPr lang="en-US" sz="2000" dirty="0"/>
-              <a:t>  git log –-all –-decorate –-</a:t>
-            </a:r>
-            <a:r>
-              <a:rPr lang="en-US" sz="2000" dirty="0" err="1"/>
-              <a:t>oneline</a:t>
-            </a:r>
-            <a:r>
-              <a:rPr lang="en-US" sz="2000" dirty="0"/>
-              <a:t> --graph (special formatted way to show history)</a:t>
-            </a:r>
-          </a:p>
-          <a:p>
-            <a:r>
-              <a:rPr lang="en-US" sz="2000" dirty="0"/>
-              <a:t>Head-&gt;main – Locally </a:t>
-            </a:r>
-            <a:r>
-              <a:rPr lang="en-US" sz="2000" dirty="0" err="1"/>
-              <a:t>i</a:t>
-            </a:r>
-            <a:r>
-              <a:rPr lang="en-US" sz="2000" dirty="0"/>
-              <a:t> have these changes, but </a:t>
-            </a:r>
-            <a:r>
-              <a:rPr lang="en-US" sz="2000" dirty="0" err="1"/>
-              <a:t>Github</a:t>
-            </a:r>
-            <a:r>
-              <a:rPr lang="en-US" sz="2000" dirty="0"/>
-              <a:t> doesn’t know about them yet. (see in </a:t>
-            </a:r>
-            <a:r>
-              <a:rPr lang="en-US" sz="2000" dirty="0" err="1"/>
-              <a:t>github</a:t>
-            </a:r>
-            <a:r>
-              <a:rPr lang="en-US" sz="2000" dirty="0"/>
-              <a:t>)</a:t>
-            </a:r>
-          </a:p>
-          <a:p>
-            <a:pPr marL="0" indent="0">
-              <a:buNone/>
-            </a:pPr>
-            <a:r>
-              <a:rPr lang="en-US" sz="2000" dirty="0"/>
-              <a:t>3. git push  - pushes our new files and changes up to </a:t>
-            </a:r>
-            <a:r>
-              <a:rPr lang="en-US" sz="2000" dirty="0" err="1"/>
-              <a:t>github</a:t>
-            </a:r>
-            <a:r>
-              <a:rPr lang="en-US" sz="2000" dirty="0"/>
-              <a:t> (see in </a:t>
-            </a:r>
-            <a:r>
-              <a:rPr lang="en-US" sz="2000" dirty="0" err="1"/>
-              <a:t>github</a:t>
-            </a:r>
-            <a:r>
-              <a:rPr lang="en-US" sz="2000" dirty="0"/>
-              <a:t>)</a:t>
-            </a:r>
-          </a:p>
-          <a:p>
-            <a:r>
-              <a:rPr lang="en-US" sz="2000" dirty="0"/>
-              <a:t>Your first commit through git might require authorization (sign in and continue)</a:t>
-            </a:r>
-          </a:p>
-          <a:p>
-            <a:endParaRPr lang="en-US" sz="2000" dirty="0"/>
-          </a:p>
-          <a:p>
-            <a:endParaRPr lang="en-US" sz="2000" dirty="0"/>
-          </a:p>
-        </p:txBody>
-      </p:sp>
-      <p:cxnSp>
-        <p:nvCxnSpPr>
-          <p:cNvPr id="17" name="Straight Connector 16">
-            <a:extLst>
-              <a:ext uri="{FF2B5EF4-FFF2-40B4-BE49-F238E27FC236}">
-                <a16:creationId xmlns:a16="http://schemas.microsoft.com/office/drawing/2014/main" id="{6CF1BAF6-AD41-4082-B212-8A1F9A2E8779}"/>
-              </a:ext>
-              <a:ext uri="{C183D7F6-B498-43B3-948B-1728B52AA6E4}">
-                <adec:decorative xmlns:adec="http://schemas.microsoft.com/office/drawing/2017/decorative" val="1"/>
-              </a:ext>
-            </a:extLst>
-          </p:cNvPr>
-          <p:cNvCxnSpPr>
-            <a:cxnSpLocks noGrp="1" noRot="1" noChangeAspect="1" noMove="1" noResize="1" noEditPoints="1" noAdjustHandles="1" noChangeArrowheads="1" noChangeShapeType="1"/>
-          </p:cNvCxnSpPr>
-          <p:nvPr>
-            <p:extLst>
-              <p:ext uri="{386F3935-93C4-4BCD-93E2-E3B085C9AB24}">
-                <p16:designElem xmlns:p16="http://schemas.microsoft.com/office/powerpoint/2015/main" val="1"/>
-              </p:ext>
-            </p:extLst>
-          </p:nvPr>
-        </p:nvCxnSpPr>
-        <p:spPr>
-          <a:xfrm flipH="1">
-            <a:off x="838200" y="6485313"/>
-            <a:ext cx="10515600" cy="0"/>
-          </a:xfrm>
-          <a:prstGeom prst="line">
-            <a:avLst/>
-          </a:prstGeom>
-          <a:ln w="57150">
-            <a:solidFill>
-              <a:schemeClr val="accent4"/>
-            </a:solidFill>
-          </a:ln>
-        </p:spPr>
-        <p:style>
-          <a:lnRef idx="1">
-            <a:schemeClr val="accent1"/>
-          </a:lnRef>
-          <a:fillRef idx="0">
-            <a:schemeClr val="accent1"/>
-          </a:fillRef>
-          <a:effectRef idx="0">
-            <a:schemeClr val="accent1"/>
-          </a:effectRef>
-          <a:fontRef idx="minor">
-            <a:schemeClr val="tx1"/>
-          </a:fontRef>
-        </p:style>
-      </p:cxnSp>
-    </p:spTree>
-    <p:extLst>
-      <p:ext uri="{BB962C8B-B14F-4D97-AF65-F5344CB8AC3E}">
-        <p14:creationId xmlns:p14="http://schemas.microsoft.com/office/powerpoint/2010/main" val="755458036"/>
       </p:ext>
     </p:extLst>
   </p:cSld>

--- a/GitPresentation.pptx
+++ b/GitPresentation.pptx
@@ -5,24 +5,25 @@
     <p:sldMasterId id="2147483648" r:id="rId1"/>
   </p:sldMasterIdLst>
   <p:notesMasterIdLst>
-    <p:notesMasterId r:id="rId17"/>
+    <p:notesMasterId r:id="rId18"/>
   </p:notesMasterIdLst>
   <p:sldIdLst>
-    <p:sldId id="268" r:id="rId2"/>
-    <p:sldId id="269" r:id="rId3"/>
-    <p:sldId id="270" r:id="rId4"/>
-    <p:sldId id="256" r:id="rId5"/>
-    <p:sldId id="260" r:id="rId6"/>
-    <p:sldId id="257" r:id="rId7"/>
-    <p:sldId id="258" r:id="rId8"/>
-    <p:sldId id="261" r:id="rId9"/>
-    <p:sldId id="264" r:id="rId10"/>
-    <p:sldId id="262" r:id="rId11"/>
-    <p:sldId id="263" r:id="rId12"/>
-    <p:sldId id="265" r:id="rId13"/>
-    <p:sldId id="266" r:id="rId14"/>
-    <p:sldId id="267" r:id="rId15"/>
-    <p:sldId id="271" r:id="rId16"/>
+    <p:sldId id="272" r:id="rId2"/>
+    <p:sldId id="268" r:id="rId3"/>
+    <p:sldId id="269" r:id="rId4"/>
+    <p:sldId id="270" r:id="rId5"/>
+    <p:sldId id="256" r:id="rId6"/>
+    <p:sldId id="260" r:id="rId7"/>
+    <p:sldId id="257" r:id="rId8"/>
+    <p:sldId id="258" r:id="rId9"/>
+    <p:sldId id="261" r:id="rId10"/>
+    <p:sldId id="264" r:id="rId11"/>
+    <p:sldId id="262" r:id="rId12"/>
+    <p:sldId id="263" r:id="rId13"/>
+    <p:sldId id="265" r:id="rId14"/>
+    <p:sldId id="266" r:id="rId15"/>
+    <p:sldId id="267" r:id="rId16"/>
+    <p:sldId id="271" r:id="rId17"/>
   </p:sldIdLst>
   <p:sldSz cx="12192000" cy="6858000"/>
   <p:notesSz cx="6858000" cy="9144000"/>
@@ -126,6 +127,7 @@
       <p14:sectionLst xmlns:p14="http://schemas.microsoft.com/office/powerpoint/2010/main">
         <p14:section name="Default Section" id="{5A07D894-B1E5-478F-BA7E-6A81AF237C38}">
           <p14:sldIdLst>
+            <p14:sldId id="272"/>
             <p14:sldId id="268"/>
             <p14:sldId id="269"/>
             <p14:sldId id="270"/>
@@ -5724,7 +5726,7 @@
             <a:defRPr cap="all"/>
           </a:pPr>
           <a:r>
-            <a:rPr lang="en-US"/>
+            <a:rPr lang="en-US" dirty="0"/>
             <a:t>https://github.com/JoelAbbott/git-githubPresentation.git</a:t>
           </a:r>
         </a:p>
@@ -8692,7 +8694,7 @@
             <a:defRPr cap="all"/>
           </a:pPr>
           <a:r>
-            <a:rPr lang="en-US" sz="1600" kern="1200"/>
+            <a:rPr lang="en-US" sz="1600" kern="1200" dirty="0"/>
             <a:t>https://github.com/JoelAbbott/git-githubPresentation.git</a:t>
           </a:r>
         </a:p>
@@ -16767,7 +16769,7 @@
           <a:p>
             <a:fld id="{57202EEF-A7E0-4B11-9905-8AEFEC87D93F}" type="slidenum">
               <a:rPr lang="en-US" smtClean="0"/>
-              <a:t>6</a:t>
+              <a:t>7</a:t>
             </a:fld>
             <a:endParaRPr lang="en-US"/>
           </a:p>
@@ -20002,10 +20004,120 @@
       </p:grpSpPr>
       <p:sp>
         <p:nvSpPr>
+          <p:cNvPr id="3" name="Content Placeholder 2">
+            <a:extLst>
+              <a:ext uri="{FF2B5EF4-FFF2-40B4-BE49-F238E27FC236}">
+                <a16:creationId xmlns:a16="http://schemas.microsoft.com/office/drawing/2014/main" id="{B519A354-DB5E-FACB-CC32-573B064E5393}"/>
+              </a:ext>
+            </a:extLst>
+          </p:cNvPr>
+          <p:cNvSpPr>
+            <a:spLocks noGrp="1"/>
+          </p:cNvSpPr>
+          <p:nvPr>
+            <p:ph idx="1"/>
+          </p:nvPr>
+        </p:nvSpPr>
+        <p:spPr>
+          <a:xfrm>
+            <a:off x="838200" y="4830945"/>
+            <a:ext cx="10515600" cy="1346017"/>
+          </a:xfrm>
+        </p:spPr>
+        <p:txBody>
+          <a:bodyPr>
+            <a:normAutofit fontScale="92500" lnSpcReduction="20000"/>
+          </a:bodyPr>
+          <a:lstStyle/>
+          <a:p>
+            <a:pPr marL="0" indent="0" algn="ctr">
+              <a:buNone/>
+            </a:pPr>
+            <a:r>
+              <a:rPr lang="en-US" i="1" dirty="0"/>
+              <a:t>"Truly I say to you, my disciples, the key to spreading your work across the nations is learning GitHub. For it is through commits and pushes that your creations shall endure for eternity."</a:t>
+            </a:r>
+            <a:br>
+              <a:rPr lang="en-US" dirty="0"/>
+            </a:br>
+            <a:r>
+              <a:rPr lang="en-US" dirty="0"/>
+              <a:t>— Jesus, </a:t>
+            </a:r>
+            <a:r>
+              <a:rPr lang="en-US" b="1" dirty="0"/>
+              <a:t>AD 33</a:t>
+            </a:r>
+            <a:endParaRPr lang="en-US" dirty="0"/>
+          </a:p>
+        </p:txBody>
+      </p:sp>
+      <p:pic>
+        <p:nvPicPr>
+          <p:cNvPr id="4" name="Picture 3">
+            <a:extLst>
+              <a:ext uri="{FF2B5EF4-FFF2-40B4-BE49-F238E27FC236}">
+                <a16:creationId xmlns:a16="http://schemas.microsoft.com/office/drawing/2014/main" id="{9764E650-3AA7-908A-F443-DCF96743E0F8}"/>
+              </a:ext>
+            </a:extLst>
+          </p:cNvPr>
+          <p:cNvPicPr>
+            <a:picLocks noChangeAspect="1"/>
+          </p:cNvPicPr>
+          <p:nvPr/>
+        </p:nvPicPr>
+        <p:blipFill>
+          <a:blip r:embed="rId2"/>
+          <a:stretch>
+            <a:fillRect/>
+          </a:stretch>
+        </p:blipFill>
+        <p:spPr>
+          <a:xfrm>
+            <a:off x="0" y="0"/>
+            <a:ext cx="12192000" cy="4682984"/>
+          </a:xfrm>
+          <a:prstGeom prst="rect">
+            <a:avLst/>
+          </a:prstGeom>
+        </p:spPr>
+      </p:pic>
+    </p:spTree>
+    <p:extLst>
+      <p:ext uri="{BB962C8B-B14F-4D97-AF65-F5344CB8AC3E}">
+        <p14:creationId xmlns:p14="http://schemas.microsoft.com/office/powerpoint/2010/main" val="1544056796"/>
+      </p:ext>
+    </p:extLst>
+  </p:cSld>
+  <p:clrMapOvr>
+    <a:masterClrMapping/>
+  </p:clrMapOvr>
+</p:sld>
+</file>
+
+<file path=ppt/slides/slide10.xml><?xml version="1.0" encoding="utf-8"?>
+<p:sld xmlns:a="http://schemas.openxmlformats.org/drawingml/2006/main" xmlns:r="http://schemas.openxmlformats.org/officeDocument/2006/relationships" xmlns:p="http://schemas.openxmlformats.org/presentationml/2006/main">
+  <p:cSld>
+    <p:spTree>
+      <p:nvGrpSpPr>
+        <p:cNvPr id="1" name=""/>
+        <p:cNvGrpSpPr/>
+        <p:nvPr/>
+      </p:nvGrpSpPr>
+      <p:grpSpPr>
+        <a:xfrm>
+          <a:off x="0" y="0"/>
+          <a:ext cx="0" cy="0"/>
+          <a:chOff x="0" y="0"/>
+          <a:chExt cx="0" cy="0"/>
+        </a:xfrm>
+      </p:grpSpPr>
+      <p:sp>
+        <p:nvSpPr>
           <p:cNvPr id="2" name="Title 1">
             <a:extLst>
               <a:ext uri="{FF2B5EF4-FFF2-40B4-BE49-F238E27FC236}">
-                <a16:creationId xmlns:a16="http://schemas.microsoft.com/office/drawing/2014/main" id="{91AB72F6-7B76-CD11-150D-641BCE44EBF1}"/>
+                <a16:creationId xmlns:a16="http://schemas.microsoft.com/office/drawing/2014/main" id="{A289BDD6-31D0-5921-5570-32B9D025B8B8}"/>
               </a:ext>
             </a:extLst>
           </p:cNvPr>
@@ -20016,54 +20128,59 @@
             <p:ph type="title"/>
           </p:nvPr>
         </p:nvSpPr>
-        <p:spPr/>
+        <p:spPr>
+          <a:solidFill>
+            <a:schemeClr val="bg2">
+              <a:lumMod val="75000"/>
+            </a:schemeClr>
+          </a:solidFill>
+        </p:spPr>
         <p:txBody>
           <a:bodyPr/>
           <a:lstStyle/>
           <a:p>
-            <a:endParaRPr lang="en-US"/>
+            <a:r>
+              <a:rPr lang="en-US" dirty="0"/>
+              <a:t>Configure Git Through PowerShell</a:t>
+            </a:r>
           </a:p>
         </p:txBody>
       </p:sp>
-      <p:pic>
-        <p:nvPicPr>
-          <p:cNvPr id="5" name="Content Placeholder 4" descr="A close-up of a computer&#10;&#10;Description automatically generated">
+      <p:graphicFrame>
+        <p:nvGraphicFramePr>
+          <p:cNvPr id="5" name="Content Placeholder 2">
             <a:extLst>
               <a:ext uri="{FF2B5EF4-FFF2-40B4-BE49-F238E27FC236}">
-                <a16:creationId xmlns:a16="http://schemas.microsoft.com/office/drawing/2014/main" id="{C52F0E46-2006-FFA6-2799-FB7B9396BBB3}"/>
+                <a16:creationId xmlns:a16="http://schemas.microsoft.com/office/drawing/2014/main" id="{0A42AA9E-A02A-FC9D-A11B-019248AF102B}"/>
               </a:ext>
             </a:extLst>
           </p:cNvPr>
-          <p:cNvPicPr>
-            <a:picLocks noGrp="1" noChangeAspect="1"/>
-          </p:cNvPicPr>
+          <p:cNvGraphicFramePr>
+            <a:graphicFrameLocks noGrp="1"/>
+          </p:cNvGraphicFramePr>
           <p:nvPr>
-            <p:ph idx="1"/>
+            <p:ph sz="half" idx="1"/>
+            <p:extLst>
+              <p:ext uri="{D42A27DB-BD31-4B8C-83A1-F6EECF244321}">
+                <p14:modId xmlns:p14="http://schemas.microsoft.com/office/powerpoint/2010/main" val="3286300738"/>
+              </p:ext>
+            </p:extLst>
           </p:nvPr>
-        </p:nvPicPr>
-        <p:blipFill>
-          <a:blip r:embed="rId2">
-            <a:extLst>
-              <a:ext uri="{28A0092B-C50C-407E-A947-70E740481C1C}">
-                <a14:useLocalDpi xmlns:a14="http://schemas.microsoft.com/office/drawing/2010/main" val="0"/>
-              </a:ext>
-            </a:extLst>
-          </a:blip>
-          <a:stretch>
-            <a:fillRect/>
-          </a:stretch>
-        </p:blipFill>
-        <p:spPr>
-          <a:xfrm>
-            <a:off x="0" y="0"/>
-            <a:ext cx="12112387" cy="6858000"/>
-          </a:xfrm>
-        </p:spPr>
-      </p:pic>
+        </p:nvGraphicFramePr>
+        <p:xfrm>
+          <a:off x="838200" y="1825625"/>
+          <a:ext cx="10611678" cy="4351338"/>
+        </p:xfrm>
+        <a:graphic>
+          <a:graphicData uri="http://schemas.openxmlformats.org/drawingml/2006/diagram">
+            <dgm:relIds xmlns:dgm="http://schemas.openxmlformats.org/drawingml/2006/diagram" xmlns:r="http://schemas.openxmlformats.org/officeDocument/2006/relationships" r:dm="rId2" r:lo="rId3" r:qs="rId4" r:cs="rId5"/>
+          </a:graphicData>
+        </a:graphic>
+      </p:graphicFrame>
     </p:spTree>
     <p:extLst>
       <p:ext uri="{BB962C8B-B14F-4D97-AF65-F5344CB8AC3E}">
-        <p14:creationId xmlns:p14="http://schemas.microsoft.com/office/powerpoint/2010/main" val="3012357891"/>
+        <p14:creationId xmlns:p14="http://schemas.microsoft.com/office/powerpoint/2010/main" val="1919929085"/>
       </p:ext>
     </p:extLst>
   </p:cSld>
@@ -20073,7 +20190,7 @@
 </p:sld>
 </file>
 
-<file path=ppt/slides/slide10.xml><?xml version="1.0" encoding="utf-8"?>
+<file path=ppt/slides/slide11.xml><?xml version="1.0" encoding="utf-8"?>
 <p:sld xmlns:a="http://schemas.openxmlformats.org/drawingml/2006/main" xmlns:r="http://schemas.openxmlformats.org/officeDocument/2006/relationships" xmlns:p="http://schemas.openxmlformats.org/presentationml/2006/main">
   <p:cSld>
     <p:bg>
@@ -20932,7 +21049,7 @@
 </p:sld>
 </file>
 
-<file path=ppt/slides/slide11.xml><?xml version="1.0" encoding="utf-8"?>
+<file path=ppt/slides/slide12.xml><?xml version="1.0" encoding="utf-8"?>
 <p:sld xmlns:a="http://schemas.openxmlformats.org/drawingml/2006/main" xmlns:r="http://schemas.openxmlformats.org/officeDocument/2006/relationships" xmlns:p="http://schemas.openxmlformats.org/presentationml/2006/main">
   <p:cSld>
     <p:spTree>
@@ -21491,7 +21608,7 @@
 </p:sld>
 </file>
 
-<file path=ppt/slides/slide12.xml><?xml version="1.0" encoding="utf-8"?>
+<file path=ppt/slides/slide13.xml><?xml version="1.0" encoding="utf-8"?>
 <p:sld xmlns:a="http://schemas.openxmlformats.org/drawingml/2006/main" xmlns:r="http://schemas.openxmlformats.org/officeDocument/2006/relationships" xmlns:p="http://schemas.openxmlformats.org/presentationml/2006/main">
   <p:cSld>
     <p:bg>
@@ -22100,7 +22217,7 @@
 </p:sld>
 </file>
 
-<file path=ppt/slides/slide13.xml><?xml version="1.0" encoding="utf-8"?>
+<file path=ppt/slides/slide14.xml><?xml version="1.0" encoding="utf-8"?>
 <p:sld xmlns:a="http://schemas.openxmlformats.org/drawingml/2006/main" xmlns:r="http://schemas.openxmlformats.org/officeDocument/2006/relationships" xmlns:p="http://schemas.openxmlformats.org/presentationml/2006/main">
   <p:cSld>
     <p:spTree>
@@ -22198,7 +22315,7 @@
 </p:sld>
 </file>
 
-<file path=ppt/slides/slide14.xml><?xml version="1.0" encoding="utf-8"?>
+<file path=ppt/slides/slide15.xml><?xml version="1.0" encoding="utf-8"?>
 <p:sld xmlns:a="http://schemas.openxmlformats.org/drawingml/2006/main" xmlns:r="http://schemas.openxmlformats.org/officeDocument/2006/relationships" xmlns:p="http://schemas.openxmlformats.org/presentationml/2006/main">
   <p:cSld>
     <p:spTree>
@@ -22327,7 +22444,7 @@
 </p:sld>
 </file>
 
-<file path=ppt/slides/slide15.xml><?xml version="1.0" encoding="utf-8"?>
+<file path=ppt/slides/slide16.xml><?xml version="1.0" encoding="utf-8"?>
 <p:sld xmlns:a="http://schemas.openxmlformats.org/drawingml/2006/main" xmlns:r="http://schemas.openxmlformats.org/officeDocument/2006/relationships" xmlns:p="http://schemas.openxmlformats.org/presentationml/2006/main">
   <p:cSld>
     <p:bg>
@@ -22762,6 +22879,96 @@
           <p:cNvPr id="2" name="Title 1">
             <a:extLst>
               <a:ext uri="{FF2B5EF4-FFF2-40B4-BE49-F238E27FC236}">
+                <a16:creationId xmlns:a16="http://schemas.microsoft.com/office/drawing/2014/main" id="{91AB72F6-7B76-CD11-150D-641BCE44EBF1}"/>
+              </a:ext>
+            </a:extLst>
+          </p:cNvPr>
+          <p:cNvSpPr>
+            <a:spLocks noGrp="1"/>
+          </p:cNvSpPr>
+          <p:nvPr>
+            <p:ph type="title"/>
+          </p:nvPr>
+        </p:nvSpPr>
+        <p:spPr/>
+        <p:txBody>
+          <a:bodyPr/>
+          <a:lstStyle/>
+          <a:p>
+            <a:endParaRPr lang="en-US"/>
+          </a:p>
+        </p:txBody>
+      </p:sp>
+      <p:pic>
+        <p:nvPicPr>
+          <p:cNvPr id="5" name="Content Placeholder 4" descr="A close-up of a computer&#10;&#10;Description automatically generated">
+            <a:extLst>
+              <a:ext uri="{FF2B5EF4-FFF2-40B4-BE49-F238E27FC236}">
+                <a16:creationId xmlns:a16="http://schemas.microsoft.com/office/drawing/2014/main" id="{C52F0E46-2006-FFA6-2799-FB7B9396BBB3}"/>
+              </a:ext>
+            </a:extLst>
+          </p:cNvPr>
+          <p:cNvPicPr>
+            <a:picLocks noGrp="1" noChangeAspect="1"/>
+          </p:cNvPicPr>
+          <p:nvPr>
+            <p:ph idx="1"/>
+          </p:nvPr>
+        </p:nvPicPr>
+        <p:blipFill>
+          <a:blip r:embed="rId2">
+            <a:extLst>
+              <a:ext uri="{28A0092B-C50C-407E-A947-70E740481C1C}">
+                <a14:useLocalDpi xmlns:a14="http://schemas.microsoft.com/office/drawing/2010/main" val="0"/>
+              </a:ext>
+            </a:extLst>
+          </a:blip>
+          <a:stretch>
+            <a:fillRect/>
+          </a:stretch>
+        </p:blipFill>
+        <p:spPr>
+          <a:xfrm>
+            <a:off x="0" y="0"/>
+            <a:ext cx="12112387" cy="6858000"/>
+          </a:xfrm>
+        </p:spPr>
+      </p:pic>
+    </p:spTree>
+    <p:extLst>
+      <p:ext uri="{BB962C8B-B14F-4D97-AF65-F5344CB8AC3E}">
+        <p14:creationId xmlns:p14="http://schemas.microsoft.com/office/powerpoint/2010/main" val="3012357891"/>
+      </p:ext>
+    </p:extLst>
+  </p:cSld>
+  <p:clrMapOvr>
+    <a:masterClrMapping/>
+  </p:clrMapOvr>
+</p:sld>
+</file>
+
+<file path=ppt/slides/slide3.xml><?xml version="1.0" encoding="utf-8"?>
+<p:sld xmlns:a="http://schemas.openxmlformats.org/drawingml/2006/main" xmlns:r="http://schemas.openxmlformats.org/officeDocument/2006/relationships" xmlns:p="http://schemas.openxmlformats.org/presentationml/2006/main">
+  <p:cSld>
+    <p:spTree>
+      <p:nvGrpSpPr>
+        <p:cNvPr id="1" name=""/>
+        <p:cNvGrpSpPr/>
+        <p:nvPr/>
+      </p:nvGrpSpPr>
+      <p:grpSpPr>
+        <a:xfrm>
+          <a:off x="0" y="0"/>
+          <a:ext cx="0" cy="0"/>
+          <a:chOff x="0" y="0"/>
+          <a:chExt cx="0" cy="0"/>
+        </a:xfrm>
+      </p:grpSpPr>
+      <p:sp>
+        <p:nvSpPr>
+          <p:cNvPr id="2" name="Title 1">
+            <a:extLst>
+              <a:ext uri="{FF2B5EF4-FFF2-40B4-BE49-F238E27FC236}">
                 <a16:creationId xmlns:a16="http://schemas.microsoft.com/office/drawing/2014/main" id="{1C66E46F-0338-B148-002B-AC35A08E79B0}"/>
               </a:ext>
             </a:extLst>
@@ -22830,7 +23037,7 @@
 </p:sld>
 </file>
 
-<file path=ppt/slides/slide3.xml><?xml version="1.0" encoding="utf-8"?>
+<file path=ppt/slides/slide4.xml><?xml version="1.0" encoding="utf-8"?>
 <p:sld xmlns:a="http://schemas.openxmlformats.org/drawingml/2006/main" xmlns:r="http://schemas.openxmlformats.org/officeDocument/2006/relationships" xmlns:p="http://schemas.openxmlformats.org/presentationml/2006/main">
   <p:cSld>
     <p:spTree>
@@ -22920,7 +23127,7 @@
 </p:sld>
 </file>
 
-<file path=ppt/slides/slide4.xml><?xml version="1.0" encoding="utf-8"?>
+<file path=ppt/slides/slide5.xml><?xml version="1.0" encoding="utf-8"?>
 <p:sld xmlns:a="http://schemas.openxmlformats.org/drawingml/2006/main" xmlns:r="http://schemas.openxmlformats.org/officeDocument/2006/relationships" xmlns:p="http://schemas.openxmlformats.org/presentationml/2006/main">
   <p:cSld>
     <p:spTree>
@@ -23124,7 +23331,7 @@
 </p:sld>
 </file>
 
-<file path=ppt/slides/slide5.xml><?xml version="1.0" encoding="utf-8"?>
+<file path=ppt/slides/slide6.xml><?xml version="1.0" encoding="utf-8"?>
 <p:sld xmlns:a="http://schemas.openxmlformats.org/drawingml/2006/main" xmlns:r="http://schemas.openxmlformats.org/officeDocument/2006/relationships" xmlns:p="http://schemas.openxmlformats.org/presentationml/2006/main">
   <p:cSld>
     <p:spTree>
@@ -23340,7 +23547,7 @@
 </p:sld>
 </file>
 
-<file path=ppt/slides/slide6.xml><?xml version="1.0" encoding="utf-8"?>
+<file path=ppt/slides/slide7.xml><?xml version="1.0" encoding="utf-8"?>
 <p:sld xmlns:a="http://schemas.openxmlformats.org/drawingml/2006/main" xmlns:r="http://schemas.openxmlformats.org/officeDocument/2006/relationships" xmlns:p="http://schemas.openxmlformats.org/presentationml/2006/main">
   <p:cSld>
     <p:spTree>
@@ -23563,7 +23770,7 @@
 </p:sld>
 </file>
 
-<file path=ppt/slides/slide7.xml><?xml version="1.0" encoding="utf-8"?>
+<file path=ppt/slides/slide8.xml><?xml version="1.0" encoding="utf-8"?>
 <p:sld xmlns:a="http://schemas.openxmlformats.org/drawingml/2006/main" xmlns:r="http://schemas.openxmlformats.org/officeDocument/2006/relationships" xmlns:p="http://schemas.openxmlformats.org/presentationml/2006/main">
   <p:cSld>
     <p:spTree>
@@ -24893,7 +25100,7 @@
 </p:sld>
 </file>
 
-<file path=ppt/slides/slide8.xml><?xml version="1.0" encoding="utf-8"?>
+<file path=ppt/slides/slide9.xml><?xml version="1.0" encoding="utf-8"?>
 <p:sld xmlns:a="http://schemas.openxmlformats.org/drawingml/2006/main" xmlns:r="http://schemas.openxmlformats.org/officeDocument/2006/relationships" xmlns:p="http://schemas.openxmlformats.org/presentationml/2006/main">
   <p:cSld>
     <p:spTree>
@@ -25325,101 +25532,6 @@
     <p:extLst>
       <p:ext uri="{BB962C8B-B14F-4D97-AF65-F5344CB8AC3E}">
         <p14:creationId xmlns:p14="http://schemas.microsoft.com/office/powerpoint/2010/main" val="477036650"/>
-      </p:ext>
-    </p:extLst>
-  </p:cSld>
-  <p:clrMapOvr>
-    <a:masterClrMapping/>
-  </p:clrMapOvr>
-</p:sld>
-</file>
-
-<file path=ppt/slides/slide9.xml><?xml version="1.0" encoding="utf-8"?>
-<p:sld xmlns:a="http://schemas.openxmlformats.org/drawingml/2006/main" xmlns:r="http://schemas.openxmlformats.org/officeDocument/2006/relationships" xmlns:p="http://schemas.openxmlformats.org/presentationml/2006/main">
-  <p:cSld>
-    <p:spTree>
-      <p:nvGrpSpPr>
-        <p:cNvPr id="1" name=""/>
-        <p:cNvGrpSpPr/>
-        <p:nvPr/>
-      </p:nvGrpSpPr>
-      <p:grpSpPr>
-        <a:xfrm>
-          <a:off x="0" y="0"/>
-          <a:ext cx="0" cy="0"/>
-          <a:chOff x="0" y="0"/>
-          <a:chExt cx="0" cy="0"/>
-        </a:xfrm>
-      </p:grpSpPr>
-      <p:sp>
-        <p:nvSpPr>
-          <p:cNvPr id="2" name="Title 1">
-            <a:extLst>
-              <a:ext uri="{FF2B5EF4-FFF2-40B4-BE49-F238E27FC236}">
-                <a16:creationId xmlns:a16="http://schemas.microsoft.com/office/drawing/2014/main" id="{A289BDD6-31D0-5921-5570-32B9D025B8B8}"/>
-              </a:ext>
-            </a:extLst>
-          </p:cNvPr>
-          <p:cNvSpPr>
-            <a:spLocks noGrp="1"/>
-          </p:cNvSpPr>
-          <p:nvPr>
-            <p:ph type="title"/>
-          </p:nvPr>
-        </p:nvSpPr>
-        <p:spPr>
-          <a:solidFill>
-            <a:schemeClr val="bg2">
-              <a:lumMod val="75000"/>
-            </a:schemeClr>
-          </a:solidFill>
-        </p:spPr>
-        <p:txBody>
-          <a:bodyPr/>
-          <a:lstStyle/>
-          <a:p>
-            <a:r>
-              <a:rPr lang="en-US" dirty="0"/>
-              <a:t>Configure Git Through PowerShell</a:t>
-            </a:r>
-          </a:p>
-        </p:txBody>
-      </p:sp>
-      <p:graphicFrame>
-        <p:nvGraphicFramePr>
-          <p:cNvPr id="5" name="Content Placeholder 2">
-            <a:extLst>
-              <a:ext uri="{FF2B5EF4-FFF2-40B4-BE49-F238E27FC236}">
-                <a16:creationId xmlns:a16="http://schemas.microsoft.com/office/drawing/2014/main" id="{0A42AA9E-A02A-FC9D-A11B-019248AF102B}"/>
-              </a:ext>
-            </a:extLst>
-          </p:cNvPr>
-          <p:cNvGraphicFramePr>
-            <a:graphicFrameLocks noGrp="1"/>
-          </p:cNvGraphicFramePr>
-          <p:nvPr>
-            <p:ph sz="half" idx="1"/>
-            <p:extLst>
-              <p:ext uri="{D42A27DB-BD31-4B8C-83A1-F6EECF244321}">
-                <p14:modId xmlns:p14="http://schemas.microsoft.com/office/powerpoint/2010/main" val="3286300738"/>
-              </p:ext>
-            </p:extLst>
-          </p:nvPr>
-        </p:nvGraphicFramePr>
-        <p:xfrm>
-          <a:off x="838200" y="1825625"/>
-          <a:ext cx="10611678" cy="4351338"/>
-        </p:xfrm>
-        <a:graphic>
-          <a:graphicData uri="http://schemas.openxmlformats.org/drawingml/2006/diagram">
-            <dgm:relIds xmlns:dgm="http://schemas.openxmlformats.org/drawingml/2006/diagram" xmlns:r="http://schemas.openxmlformats.org/officeDocument/2006/relationships" r:dm="rId2" r:lo="rId3" r:qs="rId4" r:cs="rId5"/>
-          </a:graphicData>
-        </a:graphic>
-      </p:graphicFrame>
-    </p:spTree>
-    <p:extLst>
-      <p:ext uri="{BB962C8B-B14F-4D97-AF65-F5344CB8AC3E}">
-        <p14:creationId xmlns:p14="http://schemas.microsoft.com/office/powerpoint/2010/main" val="1919929085"/>
       </p:ext>
     </p:extLst>
   </p:cSld>
